--- a/Java Урок 2 БО.pptx
+++ b/Java Урок 2 БО.pptx
@@ -113,6 +113,11 @@
       </a:defRPr>
     </a:lvl9pPr>
   </p:defaultTextStyle>
+  <p:extLst>
+    <p:ext uri="{EFAFB233-063F-42B5-8137-9DF3F51BA10A}">
+      <p15:sldGuideLst xmlns:p15="http://schemas.microsoft.com/office/powerpoint/2012/main"/>
+    </p:ext>
+  </p:extLst>
 </p:presentation>
 </file>
 
@@ -265,7 +270,7 @@
           <a:p>
             <a:fld id="{58E66397-81EA-4CFE-ABE0-DFAF6EB92EF1}" type="datetimeFigureOut">
               <a:rPr lang="uk-UA" smtClean="0"/>
-              <a:t>11.10.2023</a:t>
+              <a:t>23.10.2023</a:t>
             </a:fld>
             <a:endParaRPr lang="uk-UA"/>
           </a:p>
@@ -465,7 +470,7 @@
           <a:p>
             <a:fld id="{58E66397-81EA-4CFE-ABE0-DFAF6EB92EF1}" type="datetimeFigureOut">
               <a:rPr lang="uk-UA" smtClean="0"/>
-              <a:t>11.10.2023</a:t>
+              <a:t>23.10.2023</a:t>
             </a:fld>
             <a:endParaRPr lang="uk-UA"/>
           </a:p>
@@ -675,7 +680,7 @@
           <a:p>
             <a:fld id="{58E66397-81EA-4CFE-ABE0-DFAF6EB92EF1}" type="datetimeFigureOut">
               <a:rPr lang="uk-UA" smtClean="0"/>
-              <a:t>11.10.2023</a:t>
+              <a:t>23.10.2023</a:t>
             </a:fld>
             <a:endParaRPr lang="uk-UA"/>
           </a:p>
@@ -875,7 +880,7 @@
           <a:p>
             <a:fld id="{58E66397-81EA-4CFE-ABE0-DFAF6EB92EF1}" type="datetimeFigureOut">
               <a:rPr lang="uk-UA" smtClean="0"/>
-              <a:t>11.10.2023</a:t>
+              <a:t>23.10.2023</a:t>
             </a:fld>
             <a:endParaRPr lang="uk-UA"/>
           </a:p>
@@ -1151,7 +1156,7 @@
           <a:p>
             <a:fld id="{58E66397-81EA-4CFE-ABE0-DFAF6EB92EF1}" type="datetimeFigureOut">
               <a:rPr lang="uk-UA" smtClean="0"/>
-              <a:t>11.10.2023</a:t>
+              <a:t>23.10.2023</a:t>
             </a:fld>
             <a:endParaRPr lang="uk-UA"/>
           </a:p>
@@ -1419,7 +1424,7 @@
           <a:p>
             <a:fld id="{58E66397-81EA-4CFE-ABE0-DFAF6EB92EF1}" type="datetimeFigureOut">
               <a:rPr lang="uk-UA" smtClean="0"/>
-              <a:t>11.10.2023</a:t>
+              <a:t>23.10.2023</a:t>
             </a:fld>
             <a:endParaRPr lang="uk-UA"/>
           </a:p>
@@ -1834,7 +1839,7 @@
           <a:p>
             <a:fld id="{58E66397-81EA-4CFE-ABE0-DFAF6EB92EF1}" type="datetimeFigureOut">
               <a:rPr lang="uk-UA" smtClean="0"/>
-              <a:t>11.10.2023</a:t>
+              <a:t>23.10.2023</a:t>
             </a:fld>
             <a:endParaRPr lang="uk-UA"/>
           </a:p>
@@ -1976,7 +1981,7 @@
           <a:p>
             <a:fld id="{58E66397-81EA-4CFE-ABE0-DFAF6EB92EF1}" type="datetimeFigureOut">
               <a:rPr lang="uk-UA" smtClean="0"/>
-              <a:t>11.10.2023</a:t>
+              <a:t>23.10.2023</a:t>
             </a:fld>
             <a:endParaRPr lang="uk-UA"/>
           </a:p>
@@ -2089,7 +2094,7 @@
           <a:p>
             <a:fld id="{58E66397-81EA-4CFE-ABE0-DFAF6EB92EF1}" type="datetimeFigureOut">
               <a:rPr lang="uk-UA" smtClean="0"/>
-              <a:t>11.10.2023</a:t>
+              <a:t>23.10.2023</a:t>
             </a:fld>
             <a:endParaRPr lang="uk-UA"/>
           </a:p>
@@ -2402,7 +2407,7 @@
           <a:p>
             <a:fld id="{58E66397-81EA-4CFE-ABE0-DFAF6EB92EF1}" type="datetimeFigureOut">
               <a:rPr lang="uk-UA" smtClean="0"/>
-              <a:t>11.10.2023</a:t>
+              <a:t>23.10.2023</a:t>
             </a:fld>
             <a:endParaRPr lang="uk-UA"/>
           </a:p>
@@ -2691,7 +2696,7 @@
           <a:p>
             <a:fld id="{58E66397-81EA-4CFE-ABE0-DFAF6EB92EF1}" type="datetimeFigureOut">
               <a:rPr lang="uk-UA" smtClean="0"/>
-              <a:t>11.10.2023</a:t>
+              <a:t>23.10.2023</a:t>
             </a:fld>
             <a:endParaRPr lang="uk-UA"/>
           </a:p>
@@ -2934,7 +2939,7 @@
           <a:p>
             <a:fld id="{58E66397-81EA-4CFE-ABE0-DFAF6EB92EF1}" type="datetimeFigureOut">
               <a:rPr lang="uk-UA" smtClean="0"/>
-              <a:t>11.10.2023</a:t>
+              <a:t>23.10.2023</a:t>
             </a:fld>
             <a:endParaRPr lang="uk-UA"/>
           </a:p>

--- a/Java Урок 2 БО.pptx
+++ b/Java Урок 2 БО.pptx
@@ -270,7 +270,7 @@
           <a:p>
             <a:fld id="{58E66397-81EA-4CFE-ABE0-DFAF6EB92EF1}" type="datetimeFigureOut">
               <a:rPr lang="uk-UA" smtClean="0"/>
-              <a:t>23.10.2023</a:t>
+              <a:t>26.10.2023</a:t>
             </a:fld>
             <a:endParaRPr lang="uk-UA"/>
           </a:p>
@@ -470,7 +470,7 @@
           <a:p>
             <a:fld id="{58E66397-81EA-4CFE-ABE0-DFAF6EB92EF1}" type="datetimeFigureOut">
               <a:rPr lang="uk-UA" smtClean="0"/>
-              <a:t>23.10.2023</a:t>
+              <a:t>26.10.2023</a:t>
             </a:fld>
             <a:endParaRPr lang="uk-UA"/>
           </a:p>
@@ -680,7 +680,7 @@
           <a:p>
             <a:fld id="{58E66397-81EA-4CFE-ABE0-DFAF6EB92EF1}" type="datetimeFigureOut">
               <a:rPr lang="uk-UA" smtClean="0"/>
-              <a:t>23.10.2023</a:t>
+              <a:t>26.10.2023</a:t>
             </a:fld>
             <a:endParaRPr lang="uk-UA"/>
           </a:p>
@@ -880,7 +880,7 @@
           <a:p>
             <a:fld id="{58E66397-81EA-4CFE-ABE0-DFAF6EB92EF1}" type="datetimeFigureOut">
               <a:rPr lang="uk-UA" smtClean="0"/>
-              <a:t>23.10.2023</a:t>
+              <a:t>26.10.2023</a:t>
             </a:fld>
             <a:endParaRPr lang="uk-UA"/>
           </a:p>
@@ -1156,7 +1156,7 @@
           <a:p>
             <a:fld id="{58E66397-81EA-4CFE-ABE0-DFAF6EB92EF1}" type="datetimeFigureOut">
               <a:rPr lang="uk-UA" smtClean="0"/>
-              <a:t>23.10.2023</a:t>
+              <a:t>26.10.2023</a:t>
             </a:fld>
             <a:endParaRPr lang="uk-UA"/>
           </a:p>
@@ -1424,7 +1424,7 @@
           <a:p>
             <a:fld id="{58E66397-81EA-4CFE-ABE0-DFAF6EB92EF1}" type="datetimeFigureOut">
               <a:rPr lang="uk-UA" smtClean="0"/>
-              <a:t>23.10.2023</a:t>
+              <a:t>26.10.2023</a:t>
             </a:fld>
             <a:endParaRPr lang="uk-UA"/>
           </a:p>
@@ -1839,7 +1839,7 @@
           <a:p>
             <a:fld id="{58E66397-81EA-4CFE-ABE0-DFAF6EB92EF1}" type="datetimeFigureOut">
               <a:rPr lang="uk-UA" smtClean="0"/>
-              <a:t>23.10.2023</a:t>
+              <a:t>26.10.2023</a:t>
             </a:fld>
             <a:endParaRPr lang="uk-UA"/>
           </a:p>
@@ -1981,7 +1981,7 @@
           <a:p>
             <a:fld id="{58E66397-81EA-4CFE-ABE0-DFAF6EB92EF1}" type="datetimeFigureOut">
               <a:rPr lang="uk-UA" smtClean="0"/>
-              <a:t>23.10.2023</a:t>
+              <a:t>26.10.2023</a:t>
             </a:fld>
             <a:endParaRPr lang="uk-UA"/>
           </a:p>
@@ -2094,7 +2094,7 @@
           <a:p>
             <a:fld id="{58E66397-81EA-4CFE-ABE0-DFAF6EB92EF1}" type="datetimeFigureOut">
               <a:rPr lang="uk-UA" smtClean="0"/>
-              <a:t>23.10.2023</a:t>
+              <a:t>26.10.2023</a:t>
             </a:fld>
             <a:endParaRPr lang="uk-UA"/>
           </a:p>
@@ -2407,7 +2407,7 @@
           <a:p>
             <a:fld id="{58E66397-81EA-4CFE-ABE0-DFAF6EB92EF1}" type="datetimeFigureOut">
               <a:rPr lang="uk-UA" smtClean="0"/>
-              <a:t>23.10.2023</a:t>
+              <a:t>26.10.2023</a:t>
             </a:fld>
             <a:endParaRPr lang="uk-UA"/>
           </a:p>
@@ -2696,7 +2696,7 @@
           <a:p>
             <a:fld id="{58E66397-81EA-4CFE-ABE0-DFAF6EB92EF1}" type="datetimeFigureOut">
               <a:rPr lang="uk-UA" smtClean="0"/>
-              <a:t>23.10.2023</a:t>
+              <a:t>26.10.2023</a:t>
             </a:fld>
             <a:endParaRPr lang="uk-UA"/>
           </a:p>
@@ -2939,7 +2939,7 @@
           <a:p>
             <a:fld id="{58E66397-81EA-4CFE-ABE0-DFAF6EB92EF1}" type="datetimeFigureOut">
               <a:rPr lang="uk-UA" smtClean="0"/>
-              <a:t>23.10.2023</a:t>
+              <a:t>26.10.2023</a:t>
             </a:fld>
             <a:endParaRPr lang="uk-UA"/>
           </a:p>

--- a/Java Урок 2 БО.pptx
+++ b/Java Урок 2 БО.pptx
@@ -270,7 +270,7 @@
           <a:p>
             <a:fld id="{58E66397-81EA-4CFE-ABE0-DFAF6EB92EF1}" type="datetimeFigureOut">
               <a:rPr lang="uk-UA" smtClean="0"/>
-              <a:t>26.10.2023</a:t>
+              <a:t>01.11.2023</a:t>
             </a:fld>
             <a:endParaRPr lang="uk-UA"/>
           </a:p>
@@ -470,7 +470,7 @@
           <a:p>
             <a:fld id="{58E66397-81EA-4CFE-ABE0-DFAF6EB92EF1}" type="datetimeFigureOut">
               <a:rPr lang="uk-UA" smtClean="0"/>
-              <a:t>26.10.2023</a:t>
+              <a:t>01.11.2023</a:t>
             </a:fld>
             <a:endParaRPr lang="uk-UA"/>
           </a:p>
@@ -680,7 +680,7 @@
           <a:p>
             <a:fld id="{58E66397-81EA-4CFE-ABE0-DFAF6EB92EF1}" type="datetimeFigureOut">
               <a:rPr lang="uk-UA" smtClean="0"/>
-              <a:t>26.10.2023</a:t>
+              <a:t>01.11.2023</a:t>
             </a:fld>
             <a:endParaRPr lang="uk-UA"/>
           </a:p>
@@ -880,7 +880,7 @@
           <a:p>
             <a:fld id="{58E66397-81EA-4CFE-ABE0-DFAF6EB92EF1}" type="datetimeFigureOut">
               <a:rPr lang="uk-UA" smtClean="0"/>
-              <a:t>26.10.2023</a:t>
+              <a:t>01.11.2023</a:t>
             </a:fld>
             <a:endParaRPr lang="uk-UA"/>
           </a:p>
@@ -1156,7 +1156,7 @@
           <a:p>
             <a:fld id="{58E66397-81EA-4CFE-ABE0-DFAF6EB92EF1}" type="datetimeFigureOut">
               <a:rPr lang="uk-UA" smtClean="0"/>
-              <a:t>26.10.2023</a:t>
+              <a:t>01.11.2023</a:t>
             </a:fld>
             <a:endParaRPr lang="uk-UA"/>
           </a:p>
@@ -1424,7 +1424,7 @@
           <a:p>
             <a:fld id="{58E66397-81EA-4CFE-ABE0-DFAF6EB92EF1}" type="datetimeFigureOut">
               <a:rPr lang="uk-UA" smtClean="0"/>
-              <a:t>26.10.2023</a:t>
+              <a:t>01.11.2023</a:t>
             </a:fld>
             <a:endParaRPr lang="uk-UA"/>
           </a:p>
@@ -1839,7 +1839,7 @@
           <a:p>
             <a:fld id="{58E66397-81EA-4CFE-ABE0-DFAF6EB92EF1}" type="datetimeFigureOut">
               <a:rPr lang="uk-UA" smtClean="0"/>
-              <a:t>26.10.2023</a:t>
+              <a:t>01.11.2023</a:t>
             </a:fld>
             <a:endParaRPr lang="uk-UA"/>
           </a:p>
@@ -1981,7 +1981,7 @@
           <a:p>
             <a:fld id="{58E66397-81EA-4CFE-ABE0-DFAF6EB92EF1}" type="datetimeFigureOut">
               <a:rPr lang="uk-UA" smtClean="0"/>
-              <a:t>26.10.2023</a:t>
+              <a:t>01.11.2023</a:t>
             </a:fld>
             <a:endParaRPr lang="uk-UA"/>
           </a:p>
@@ -2094,7 +2094,7 @@
           <a:p>
             <a:fld id="{58E66397-81EA-4CFE-ABE0-DFAF6EB92EF1}" type="datetimeFigureOut">
               <a:rPr lang="uk-UA" smtClean="0"/>
-              <a:t>26.10.2023</a:t>
+              <a:t>01.11.2023</a:t>
             </a:fld>
             <a:endParaRPr lang="uk-UA"/>
           </a:p>
@@ -2407,7 +2407,7 @@
           <a:p>
             <a:fld id="{58E66397-81EA-4CFE-ABE0-DFAF6EB92EF1}" type="datetimeFigureOut">
               <a:rPr lang="uk-UA" smtClean="0"/>
-              <a:t>26.10.2023</a:t>
+              <a:t>01.11.2023</a:t>
             </a:fld>
             <a:endParaRPr lang="uk-UA"/>
           </a:p>
@@ -2696,7 +2696,7 @@
           <a:p>
             <a:fld id="{58E66397-81EA-4CFE-ABE0-DFAF6EB92EF1}" type="datetimeFigureOut">
               <a:rPr lang="uk-UA" smtClean="0"/>
-              <a:t>26.10.2023</a:t>
+              <a:t>01.11.2023</a:t>
             </a:fld>
             <a:endParaRPr lang="uk-UA"/>
           </a:p>
@@ -2939,7 +2939,7 @@
           <a:p>
             <a:fld id="{58E66397-81EA-4CFE-ABE0-DFAF6EB92EF1}" type="datetimeFigureOut">
               <a:rPr lang="uk-UA" smtClean="0"/>
-              <a:t>26.10.2023</a:t>
+              <a:t>01.11.2023</a:t>
             </a:fld>
             <a:endParaRPr lang="uk-UA"/>
           </a:p>
@@ -4857,7 +4857,7 @@
         </p:nvSpPr>
         <p:spPr>
           <a:xfrm>
-            <a:off x="763570" y="1254283"/>
+            <a:off x="730576" y="1254283"/>
             <a:ext cx="5109328" cy="5047536"/>
           </a:xfrm>
           <a:prstGeom prst="rect">

--- a/Java Урок 2 БО.pptx
+++ b/Java Урок 2 БО.pptx
@@ -271,7 +271,7 @@
           <a:p>
             <a:fld id="{58E66397-81EA-4CFE-ABE0-DFAF6EB92EF1}" type="datetimeFigureOut">
               <a:rPr lang="uk-UA" smtClean="0"/>
-              <a:t>21.12.2023</a:t>
+              <a:t>05.01.2024</a:t>
             </a:fld>
             <a:endParaRPr lang="uk-UA"/>
           </a:p>
@@ -471,7 +471,7 @@
           <a:p>
             <a:fld id="{58E66397-81EA-4CFE-ABE0-DFAF6EB92EF1}" type="datetimeFigureOut">
               <a:rPr lang="uk-UA" smtClean="0"/>
-              <a:t>21.12.2023</a:t>
+              <a:t>05.01.2024</a:t>
             </a:fld>
             <a:endParaRPr lang="uk-UA"/>
           </a:p>
@@ -681,7 +681,7 @@
           <a:p>
             <a:fld id="{58E66397-81EA-4CFE-ABE0-DFAF6EB92EF1}" type="datetimeFigureOut">
               <a:rPr lang="uk-UA" smtClean="0"/>
-              <a:t>21.12.2023</a:t>
+              <a:t>05.01.2024</a:t>
             </a:fld>
             <a:endParaRPr lang="uk-UA"/>
           </a:p>
@@ -881,7 +881,7 @@
           <a:p>
             <a:fld id="{58E66397-81EA-4CFE-ABE0-DFAF6EB92EF1}" type="datetimeFigureOut">
               <a:rPr lang="uk-UA" smtClean="0"/>
-              <a:t>21.12.2023</a:t>
+              <a:t>05.01.2024</a:t>
             </a:fld>
             <a:endParaRPr lang="uk-UA"/>
           </a:p>
@@ -1157,7 +1157,7 @@
           <a:p>
             <a:fld id="{58E66397-81EA-4CFE-ABE0-DFAF6EB92EF1}" type="datetimeFigureOut">
               <a:rPr lang="uk-UA" smtClean="0"/>
-              <a:t>21.12.2023</a:t>
+              <a:t>05.01.2024</a:t>
             </a:fld>
             <a:endParaRPr lang="uk-UA"/>
           </a:p>
@@ -1425,7 +1425,7 @@
           <a:p>
             <a:fld id="{58E66397-81EA-4CFE-ABE0-DFAF6EB92EF1}" type="datetimeFigureOut">
               <a:rPr lang="uk-UA" smtClean="0"/>
-              <a:t>21.12.2023</a:t>
+              <a:t>05.01.2024</a:t>
             </a:fld>
             <a:endParaRPr lang="uk-UA"/>
           </a:p>
@@ -1840,7 +1840,7 @@
           <a:p>
             <a:fld id="{58E66397-81EA-4CFE-ABE0-DFAF6EB92EF1}" type="datetimeFigureOut">
               <a:rPr lang="uk-UA" smtClean="0"/>
-              <a:t>21.12.2023</a:t>
+              <a:t>05.01.2024</a:t>
             </a:fld>
             <a:endParaRPr lang="uk-UA"/>
           </a:p>
@@ -1982,7 +1982,7 @@
           <a:p>
             <a:fld id="{58E66397-81EA-4CFE-ABE0-DFAF6EB92EF1}" type="datetimeFigureOut">
               <a:rPr lang="uk-UA" smtClean="0"/>
-              <a:t>21.12.2023</a:t>
+              <a:t>05.01.2024</a:t>
             </a:fld>
             <a:endParaRPr lang="uk-UA"/>
           </a:p>
@@ -2095,7 +2095,7 @@
           <a:p>
             <a:fld id="{58E66397-81EA-4CFE-ABE0-DFAF6EB92EF1}" type="datetimeFigureOut">
               <a:rPr lang="uk-UA" smtClean="0"/>
-              <a:t>21.12.2023</a:t>
+              <a:t>05.01.2024</a:t>
             </a:fld>
             <a:endParaRPr lang="uk-UA"/>
           </a:p>
@@ -2408,7 +2408,7 @@
           <a:p>
             <a:fld id="{58E66397-81EA-4CFE-ABE0-DFAF6EB92EF1}" type="datetimeFigureOut">
               <a:rPr lang="uk-UA" smtClean="0"/>
-              <a:t>21.12.2023</a:t>
+              <a:t>05.01.2024</a:t>
             </a:fld>
             <a:endParaRPr lang="uk-UA"/>
           </a:p>
@@ -2697,7 +2697,7 @@
           <a:p>
             <a:fld id="{58E66397-81EA-4CFE-ABE0-DFAF6EB92EF1}" type="datetimeFigureOut">
               <a:rPr lang="uk-UA" smtClean="0"/>
-              <a:t>21.12.2023</a:t>
+              <a:t>05.01.2024</a:t>
             </a:fld>
             <a:endParaRPr lang="uk-UA"/>
           </a:p>
@@ -2940,7 +2940,7 @@
           <a:p>
             <a:fld id="{58E66397-81EA-4CFE-ABE0-DFAF6EB92EF1}" type="datetimeFigureOut">
               <a:rPr lang="uk-UA" smtClean="0"/>
-              <a:t>21.12.2023</a:t>
+              <a:t>05.01.2024</a:t>
             </a:fld>
             <a:endParaRPr lang="uk-UA"/>
           </a:p>
@@ -4059,28 +4059,28 @@
           <p:nvPr>
             <p:extLst>
               <p:ext uri="{D42A27DB-BD31-4B8C-83A1-F6EECF244321}">
-                <p14:modId xmlns:p14="http://schemas.microsoft.com/office/powerpoint/2010/main" val="2880107173"/>
+                <p14:modId xmlns:p14="http://schemas.microsoft.com/office/powerpoint/2010/main" val="3656703763"/>
               </p:ext>
             </p:extLst>
           </p:nvPr>
         </p:nvGraphicFramePr>
         <p:xfrm>
           <a:off x="8494713" y="1214438"/>
-          <a:ext cx="1752600" cy="5030786"/>
+          <a:ext cx="2346112" cy="5030786"/>
         </p:xfrm>
         <a:graphic>
           <a:graphicData uri="http://schemas.openxmlformats.org/drawingml/2006/table">
             <a:tbl>
               <a:tblPr/>
               <a:tblGrid>
-                <a:gridCol w="536575">
+                <a:gridCol w="718284">
                   <a:extLst>
                     <a:ext uri="{9D8B030D-6E8A-4147-A177-3AD203B41FA5}">
                       <a16:colId xmlns:a16="http://schemas.microsoft.com/office/drawing/2014/main" val="20000"/>
                     </a:ext>
                   </a:extLst>
                 </a:gridCol>
-                <a:gridCol w="1216025">
+                <a:gridCol w="1627828">
                   <a:extLst>
                     <a:ext uri="{9D8B030D-6E8A-4147-A177-3AD203B41FA5}">
                       <a16:colId xmlns:a16="http://schemas.microsoft.com/office/drawing/2014/main" val="20001"/>
@@ -4913,7 +4913,7 @@
                         <a:tabLst/>
                       </a:pPr>
                       <a:r>
-                        <a:rPr kumimoji="0" lang="en-US" altLang="ru-RU" sz="1200" b="0" i="1" u="none" strike="noStrike" cap="none" normalizeH="0" baseline="0">
+                        <a:rPr kumimoji="0" lang="en-US" altLang="ru-RU" sz="1200" b="0" i="1" u="none" strike="noStrike" cap="none" normalizeH="0" baseline="0" dirty="0">
                           <a:ln>
                             <a:noFill/>
                           </a:ln>
@@ -4927,7 +4927,7 @@
                         <a:t>x</a:t>
                       </a:r>
                       <a:r>
-                        <a:rPr kumimoji="0" lang="en-US" altLang="ru-RU" sz="1200" b="0" i="0" u="none" strike="noStrike" cap="none" normalizeH="0" baseline="0">
+                        <a:rPr kumimoji="0" lang="en-US" altLang="ru-RU" sz="1200" b="0" i="0" u="none" strike="noStrike" cap="none" normalizeH="0" baseline="0" dirty="0">
                           <a:ln>
                             <a:noFill/>
                           </a:ln>
@@ -4940,7 +4940,7 @@
                         </a:rPr>
                         <a:t>++ x--</a:t>
                       </a:r>
-                      <a:endParaRPr kumimoji="0" lang="en-US" altLang="ru-RU" sz="2400" b="0" i="0" u="none" strike="noStrike" cap="none" normalizeH="0" baseline="0">
+                      <a:endParaRPr kumimoji="0" lang="en-US" altLang="ru-RU" sz="2400" b="0" i="0" u="none" strike="noStrike" cap="none" normalizeH="0" baseline="0" dirty="0">
                         <a:ln>
                           <a:noFill/>
                         </a:ln>
@@ -7715,7 +7715,7 @@
                         <a:tabLst/>
                       </a:pPr>
                       <a:r>
-                        <a:rPr kumimoji="0" lang="en-US" altLang="ru-RU" sz="1200" b="0" i="0" u="none" strike="noStrike" cap="none" normalizeH="0" baseline="0">
+                        <a:rPr kumimoji="0" lang="en-US" altLang="ru-RU" sz="1200" b="0" i="0" u="none" strike="noStrike" cap="none" normalizeH="0" baseline="0" dirty="0">
                           <a:ln>
                             <a:noFill/>
                           </a:ln>
@@ -7728,7 +7728,7 @@
                         </a:rPr>
                         <a:t>== !=</a:t>
                       </a:r>
-                      <a:endParaRPr kumimoji="0" lang="en-US" altLang="ru-RU" sz="2400" b="0" i="0" u="none" strike="noStrike" cap="none" normalizeH="0" baseline="0">
+                      <a:endParaRPr kumimoji="0" lang="en-US" altLang="ru-RU" sz="2400" b="0" i="0" u="none" strike="noStrike" cap="none" normalizeH="0" baseline="0" dirty="0">
                         <a:ln>
                           <a:noFill/>
                         </a:ln>
@@ -9543,7 +9543,7 @@
                         <a:tabLst/>
                       </a:pPr>
                       <a:r>
-                        <a:rPr kumimoji="0" lang="en-US" altLang="ru-RU" sz="1200" b="0" i="0" u="none" strike="noStrike" cap="none" normalizeH="0" baseline="0">
+                        <a:rPr kumimoji="0" lang="en-US" altLang="ru-RU" sz="1200" b="0" i="0" u="none" strike="noStrike" cap="none" normalizeH="0" baseline="0" dirty="0">
                           <a:ln>
                             <a:noFill/>
                           </a:ln>
@@ -9556,7 +9556,7 @@
                         </a:rPr>
                         <a:t>&amp;&amp;</a:t>
                       </a:r>
-                      <a:endParaRPr kumimoji="0" lang="en-US" altLang="ru-RU" sz="2400" b="0" i="0" u="none" strike="noStrike" cap="none" normalizeH="0" baseline="0">
+                      <a:endParaRPr kumimoji="0" lang="en-US" altLang="ru-RU" sz="2400" b="0" i="0" u="none" strike="noStrike" cap="none" normalizeH="0" baseline="0" dirty="0">
                         <a:ln>
                           <a:noFill/>
                         </a:ln>

--- a/Java Урок 2 БО.pptx
+++ b/Java Урок 2 БО.pptx
@@ -271,7 +271,7 @@
           <a:p>
             <a:fld id="{58E66397-81EA-4CFE-ABE0-DFAF6EB92EF1}" type="datetimeFigureOut">
               <a:rPr lang="uk-UA" smtClean="0"/>
-              <a:t>05.01.2024</a:t>
+              <a:t>26.01.2024</a:t>
             </a:fld>
             <a:endParaRPr lang="uk-UA"/>
           </a:p>
@@ -471,7 +471,7 @@
           <a:p>
             <a:fld id="{58E66397-81EA-4CFE-ABE0-DFAF6EB92EF1}" type="datetimeFigureOut">
               <a:rPr lang="uk-UA" smtClean="0"/>
-              <a:t>05.01.2024</a:t>
+              <a:t>26.01.2024</a:t>
             </a:fld>
             <a:endParaRPr lang="uk-UA"/>
           </a:p>
@@ -681,7 +681,7 @@
           <a:p>
             <a:fld id="{58E66397-81EA-4CFE-ABE0-DFAF6EB92EF1}" type="datetimeFigureOut">
               <a:rPr lang="uk-UA" smtClean="0"/>
-              <a:t>05.01.2024</a:t>
+              <a:t>26.01.2024</a:t>
             </a:fld>
             <a:endParaRPr lang="uk-UA"/>
           </a:p>
@@ -881,7 +881,7 @@
           <a:p>
             <a:fld id="{58E66397-81EA-4CFE-ABE0-DFAF6EB92EF1}" type="datetimeFigureOut">
               <a:rPr lang="uk-UA" smtClean="0"/>
-              <a:t>05.01.2024</a:t>
+              <a:t>26.01.2024</a:t>
             </a:fld>
             <a:endParaRPr lang="uk-UA"/>
           </a:p>
@@ -1157,7 +1157,7 @@
           <a:p>
             <a:fld id="{58E66397-81EA-4CFE-ABE0-DFAF6EB92EF1}" type="datetimeFigureOut">
               <a:rPr lang="uk-UA" smtClean="0"/>
-              <a:t>05.01.2024</a:t>
+              <a:t>26.01.2024</a:t>
             </a:fld>
             <a:endParaRPr lang="uk-UA"/>
           </a:p>
@@ -1425,7 +1425,7 @@
           <a:p>
             <a:fld id="{58E66397-81EA-4CFE-ABE0-DFAF6EB92EF1}" type="datetimeFigureOut">
               <a:rPr lang="uk-UA" smtClean="0"/>
-              <a:t>05.01.2024</a:t>
+              <a:t>26.01.2024</a:t>
             </a:fld>
             <a:endParaRPr lang="uk-UA"/>
           </a:p>
@@ -1840,7 +1840,7 @@
           <a:p>
             <a:fld id="{58E66397-81EA-4CFE-ABE0-DFAF6EB92EF1}" type="datetimeFigureOut">
               <a:rPr lang="uk-UA" smtClean="0"/>
-              <a:t>05.01.2024</a:t>
+              <a:t>26.01.2024</a:t>
             </a:fld>
             <a:endParaRPr lang="uk-UA"/>
           </a:p>
@@ -1982,7 +1982,7 @@
           <a:p>
             <a:fld id="{58E66397-81EA-4CFE-ABE0-DFAF6EB92EF1}" type="datetimeFigureOut">
               <a:rPr lang="uk-UA" smtClean="0"/>
-              <a:t>05.01.2024</a:t>
+              <a:t>26.01.2024</a:t>
             </a:fld>
             <a:endParaRPr lang="uk-UA"/>
           </a:p>
@@ -2095,7 +2095,7 @@
           <a:p>
             <a:fld id="{58E66397-81EA-4CFE-ABE0-DFAF6EB92EF1}" type="datetimeFigureOut">
               <a:rPr lang="uk-UA" smtClean="0"/>
-              <a:t>05.01.2024</a:t>
+              <a:t>26.01.2024</a:t>
             </a:fld>
             <a:endParaRPr lang="uk-UA"/>
           </a:p>
@@ -2408,7 +2408,7 @@
           <a:p>
             <a:fld id="{58E66397-81EA-4CFE-ABE0-DFAF6EB92EF1}" type="datetimeFigureOut">
               <a:rPr lang="uk-UA" smtClean="0"/>
-              <a:t>05.01.2024</a:t>
+              <a:t>26.01.2024</a:t>
             </a:fld>
             <a:endParaRPr lang="uk-UA"/>
           </a:p>
@@ -2697,7 +2697,7 @@
           <a:p>
             <a:fld id="{58E66397-81EA-4CFE-ABE0-DFAF6EB92EF1}" type="datetimeFigureOut">
               <a:rPr lang="uk-UA" smtClean="0"/>
-              <a:t>05.01.2024</a:t>
+              <a:t>26.01.2024</a:t>
             </a:fld>
             <a:endParaRPr lang="uk-UA"/>
           </a:p>
@@ -2940,7 +2940,7 @@
           <a:p>
             <a:fld id="{58E66397-81EA-4CFE-ABE0-DFAF6EB92EF1}" type="datetimeFigureOut">
               <a:rPr lang="uk-UA" smtClean="0"/>
-              <a:t>05.01.2024</a:t>
+              <a:t>26.01.2024</a:t>
             </a:fld>
             <a:endParaRPr lang="uk-UA"/>
           </a:p>
@@ -3499,7 +3499,7 @@
         <p:spPr>
           <a:xfrm>
             <a:off x="435990" y="1884198"/>
-            <a:ext cx="6094428" cy="3970318"/>
+            <a:ext cx="6094428" cy="4524315"/>
           </a:xfrm>
           <a:prstGeom prst="rect">
             <a:avLst/>
@@ -3643,6 +3643,29 @@
               </a:rPr>
               <a:t> = (число1 &gt; число2) ? число1 : число2;</a:t>
             </a:r>
+            <a:endParaRPr lang="en-US" dirty="0">
+              <a:latin typeface="Courier New" panose="02070309020205020404" pitchFamily="49" charset="0"/>
+              <a:cs typeface="Courier New" panose="02070309020205020404" pitchFamily="49" charset="0"/>
+            </a:endParaRPr>
+          </a:p>
+          <a:p>
+            <a:endParaRPr lang="en-US" dirty="0">
+              <a:latin typeface="Courier New" panose="02070309020205020404" pitchFamily="49" charset="0"/>
+              <a:cs typeface="Courier New" panose="02070309020205020404" pitchFamily="49" charset="0"/>
+            </a:endParaRPr>
+          </a:p>
+          <a:p>
+            <a:r>
+              <a:rPr lang="en-US" dirty="0">
+                <a:latin typeface="Courier New" panose="02070309020205020404" pitchFamily="49" charset="0"/>
+                <a:cs typeface="Courier New" panose="02070309020205020404" pitchFamily="49" charset="0"/>
+              </a:rPr>
+              <a:t>int result = true ? 1 : 0;</a:t>
+            </a:r>
+            <a:endParaRPr lang="uk-UA" dirty="0">
+              <a:latin typeface="Courier New" panose="02070309020205020404" pitchFamily="49" charset="0"/>
+              <a:cs typeface="Courier New" panose="02070309020205020404" pitchFamily="49" charset="0"/>
+            </a:endParaRPr>
           </a:p>
           <a:p>
             <a:endParaRPr lang="uk-UA" dirty="0">

--- a/Java Урок 2 БО.pptx
+++ b/Java Урок 2 БО.pptx
@@ -9,9 +9,9 @@
     <p:sldId id="258" r:id="rId3"/>
     <p:sldId id="259" r:id="rId4"/>
     <p:sldId id="260" r:id="rId5"/>
-    <p:sldId id="261" r:id="rId6"/>
-    <p:sldId id="262" r:id="rId7"/>
-    <p:sldId id="263" r:id="rId8"/>
+    <p:sldId id="263" r:id="rId6"/>
+    <p:sldId id="261" r:id="rId7"/>
+    <p:sldId id="262" r:id="rId8"/>
     <p:sldId id="266" r:id="rId9"/>
     <p:sldId id="265" r:id="rId10"/>
     <p:sldId id="267" r:id="rId11"/>
@@ -271,7 +271,7 @@
           <a:p>
             <a:fld id="{58E66397-81EA-4CFE-ABE0-DFAF6EB92EF1}" type="datetimeFigureOut">
               <a:rPr lang="uk-UA" smtClean="0"/>
-              <a:t>26.01.2024</a:t>
+              <a:t>02.02.2024</a:t>
             </a:fld>
             <a:endParaRPr lang="uk-UA"/>
           </a:p>
@@ -471,7 +471,7 @@
           <a:p>
             <a:fld id="{58E66397-81EA-4CFE-ABE0-DFAF6EB92EF1}" type="datetimeFigureOut">
               <a:rPr lang="uk-UA" smtClean="0"/>
-              <a:t>26.01.2024</a:t>
+              <a:t>02.02.2024</a:t>
             </a:fld>
             <a:endParaRPr lang="uk-UA"/>
           </a:p>
@@ -681,7 +681,7 @@
           <a:p>
             <a:fld id="{58E66397-81EA-4CFE-ABE0-DFAF6EB92EF1}" type="datetimeFigureOut">
               <a:rPr lang="uk-UA" smtClean="0"/>
-              <a:t>26.01.2024</a:t>
+              <a:t>02.02.2024</a:t>
             </a:fld>
             <a:endParaRPr lang="uk-UA"/>
           </a:p>
@@ -881,7 +881,7 @@
           <a:p>
             <a:fld id="{58E66397-81EA-4CFE-ABE0-DFAF6EB92EF1}" type="datetimeFigureOut">
               <a:rPr lang="uk-UA" smtClean="0"/>
-              <a:t>26.01.2024</a:t>
+              <a:t>02.02.2024</a:t>
             </a:fld>
             <a:endParaRPr lang="uk-UA"/>
           </a:p>
@@ -1157,7 +1157,7 @@
           <a:p>
             <a:fld id="{58E66397-81EA-4CFE-ABE0-DFAF6EB92EF1}" type="datetimeFigureOut">
               <a:rPr lang="uk-UA" smtClean="0"/>
-              <a:t>26.01.2024</a:t>
+              <a:t>02.02.2024</a:t>
             </a:fld>
             <a:endParaRPr lang="uk-UA"/>
           </a:p>
@@ -1425,7 +1425,7 @@
           <a:p>
             <a:fld id="{58E66397-81EA-4CFE-ABE0-DFAF6EB92EF1}" type="datetimeFigureOut">
               <a:rPr lang="uk-UA" smtClean="0"/>
-              <a:t>26.01.2024</a:t>
+              <a:t>02.02.2024</a:t>
             </a:fld>
             <a:endParaRPr lang="uk-UA"/>
           </a:p>
@@ -1840,7 +1840,7 @@
           <a:p>
             <a:fld id="{58E66397-81EA-4CFE-ABE0-DFAF6EB92EF1}" type="datetimeFigureOut">
               <a:rPr lang="uk-UA" smtClean="0"/>
-              <a:t>26.01.2024</a:t>
+              <a:t>02.02.2024</a:t>
             </a:fld>
             <a:endParaRPr lang="uk-UA"/>
           </a:p>
@@ -1982,7 +1982,7 @@
           <a:p>
             <a:fld id="{58E66397-81EA-4CFE-ABE0-DFAF6EB92EF1}" type="datetimeFigureOut">
               <a:rPr lang="uk-UA" smtClean="0"/>
-              <a:t>26.01.2024</a:t>
+              <a:t>02.02.2024</a:t>
             </a:fld>
             <a:endParaRPr lang="uk-UA"/>
           </a:p>
@@ -2095,7 +2095,7 @@
           <a:p>
             <a:fld id="{58E66397-81EA-4CFE-ABE0-DFAF6EB92EF1}" type="datetimeFigureOut">
               <a:rPr lang="uk-UA" smtClean="0"/>
-              <a:t>26.01.2024</a:t>
+              <a:t>02.02.2024</a:t>
             </a:fld>
             <a:endParaRPr lang="uk-UA"/>
           </a:p>
@@ -2408,7 +2408,7 @@
           <a:p>
             <a:fld id="{58E66397-81EA-4CFE-ABE0-DFAF6EB92EF1}" type="datetimeFigureOut">
               <a:rPr lang="uk-UA" smtClean="0"/>
-              <a:t>26.01.2024</a:t>
+              <a:t>02.02.2024</a:t>
             </a:fld>
             <a:endParaRPr lang="uk-UA"/>
           </a:p>
@@ -2697,7 +2697,7 @@
           <a:p>
             <a:fld id="{58E66397-81EA-4CFE-ABE0-DFAF6EB92EF1}" type="datetimeFigureOut">
               <a:rPr lang="uk-UA" smtClean="0"/>
-              <a:t>26.01.2024</a:t>
+              <a:t>02.02.2024</a:t>
             </a:fld>
             <a:endParaRPr lang="uk-UA"/>
           </a:p>
@@ -2940,7 +2940,7 @@
           <a:p>
             <a:fld id="{58E66397-81EA-4CFE-ABE0-DFAF6EB92EF1}" type="datetimeFigureOut">
               <a:rPr lang="uk-UA" smtClean="0"/>
-              <a:t>26.01.2024</a:t>
+              <a:t>02.02.2024</a:t>
             </a:fld>
             <a:endParaRPr lang="uk-UA"/>
           </a:p>
@@ -12422,8 +12422,8 @@
         </p:nvSpPr>
         <p:spPr>
           <a:xfrm>
-            <a:off x="730576" y="1254283"/>
-            <a:ext cx="5109328" cy="5047536"/>
+            <a:off x="633803" y="1011168"/>
+            <a:ext cx="5109328" cy="5478423"/>
           </a:xfrm>
           <a:prstGeom prst="rect">
             <a:avLst/>
@@ -12602,6 +12602,8 @@
               </a:rPr>
               <a:t>; </a:t>
             </a:r>
+          </a:p>
+          <a:p>
             <a:r>
               <a:rPr kumimoji="0" lang="uk-UA" altLang="uk-UA" sz="1400" b="1" i="0" u="none" strike="noStrike" cap="none" normalizeH="0" baseline="0" dirty="0" err="1">
                 <a:ln>
@@ -12764,7 +12766,23 @@
                 <a:latin typeface="Courier New" panose="02070309020205020404" pitchFamily="49" charset="0"/>
                 <a:cs typeface="Courier New" panose="02070309020205020404" pitchFamily="49" charset="0"/>
               </a:rPr>
-              <a:t> l = a - b; </a:t>
+              <a:t> </a:t>
+            </a:r>
+          </a:p>
+          <a:p>
+            <a:r>
+              <a:rPr kumimoji="0" lang="uk-UA" altLang="uk-UA" sz="1400" b="0" i="0" u="none" strike="noStrike" cap="none" normalizeH="0" baseline="0" dirty="0">
+                <a:ln>
+                  <a:noFill/>
+                </a:ln>
+                <a:solidFill>
+                  <a:srgbClr val="2B2B2B"/>
+                </a:solidFill>
+                <a:effectLst/>
+                <a:latin typeface="Courier New" panose="02070309020205020404" pitchFamily="49" charset="0"/>
+                <a:cs typeface="Courier New" panose="02070309020205020404" pitchFamily="49" charset="0"/>
+              </a:rPr>
+              <a:t>l = a - b; </a:t>
             </a:r>
             <a:br>
               <a:rPr kumimoji="0" lang="uk-UA" altLang="uk-UA" sz="1400" b="0" i="0" u="none" strike="noStrike" cap="none" normalizeH="0" baseline="0" dirty="0">
@@ -14896,6 +14914,2020 @@
       </p:grpSpPr>
       <p:sp>
         <p:nvSpPr>
+          <p:cNvPr id="4" name="TextBox 3">
+            <a:extLst>
+              <a:ext uri="{FF2B5EF4-FFF2-40B4-BE49-F238E27FC236}">
+                <a16:creationId xmlns:a16="http://schemas.microsoft.com/office/drawing/2014/main" id="{44660E40-297F-439B-AF6D-BC6E130E69D0}"/>
+              </a:ext>
+            </a:extLst>
+          </p:cNvPr>
+          <p:cNvSpPr txBox="1"/>
+          <p:nvPr/>
+        </p:nvSpPr>
+        <p:spPr>
+          <a:xfrm>
+            <a:off x="3048786" y="167028"/>
+            <a:ext cx="6094428" cy="646331"/>
+          </a:xfrm>
+          <a:prstGeom prst="rect">
+            <a:avLst/>
+          </a:prstGeom>
+          <a:noFill/>
+        </p:spPr>
+        <p:txBody>
+          <a:bodyPr wrap="square">
+            <a:spAutoFit/>
+          </a:bodyPr>
+          <a:lstStyle/>
+          <a:p>
+            <a:pPr algn="l" fontAlgn="base"/>
+            <a:r>
+              <a:rPr lang="ru-RU" b="1" i="0" dirty="0" err="1">
+                <a:solidFill>
+                  <a:srgbClr val="2B2B2B"/>
+                </a:solidFill>
+                <a:effectLst/>
+                <a:latin typeface="Times New Roman" panose="02020603050405020304" pitchFamily="18" charset="0"/>
+                <a:cs typeface="Times New Roman" panose="02020603050405020304" pitchFamily="18" charset="0"/>
+              </a:rPr>
+              <a:t>Приклади</a:t>
+            </a:r>
+            <a:r>
+              <a:rPr lang="ru-RU" b="1" i="0" dirty="0">
+                <a:solidFill>
+                  <a:srgbClr val="2B2B2B"/>
+                </a:solidFill>
+                <a:effectLst/>
+                <a:latin typeface="Times New Roman" panose="02020603050405020304" pitchFamily="18" charset="0"/>
+                <a:cs typeface="Times New Roman" panose="02020603050405020304" pitchFamily="18" charset="0"/>
+              </a:rPr>
+              <a:t> </a:t>
+            </a:r>
+            <a:r>
+              <a:rPr lang="ru-RU" b="1" i="0" dirty="0" err="1">
+                <a:solidFill>
+                  <a:srgbClr val="2B2B2B"/>
+                </a:solidFill>
+                <a:effectLst/>
+                <a:latin typeface="Times New Roman" panose="02020603050405020304" pitchFamily="18" charset="0"/>
+                <a:cs typeface="Times New Roman" panose="02020603050405020304" pitchFamily="18" charset="0"/>
+              </a:rPr>
+              <a:t>застосування</a:t>
+            </a:r>
+            <a:r>
+              <a:rPr lang="ru-RU" b="1" i="0" dirty="0">
+                <a:solidFill>
+                  <a:srgbClr val="2B2B2B"/>
+                </a:solidFill>
+                <a:effectLst/>
+                <a:latin typeface="Times New Roman" panose="02020603050405020304" pitchFamily="18" charset="0"/>
+                <a:cs typeface="Times New Roman" panose="02020603050405020304" pitchFamily="18" charset="0"/>
+              </a:rPr>
+              <a:t> </a:t>
+            </a:r>
+            <a:r>
+              <a:rPr lang="ru-RU" b="1" i="0" dirty="0" err="1">
+                <a:solidFill>
+                  <a:srgbClr val="2B2B2B"/>
+                </a:solidFill>
+                <a:effectLst/>
+                <a:latin typeface="Times New Roman" panose="02020603050405020304" pitchFamily="18" charset="0"/>
+                <a:cs typeface="Times New Roman" panose="02020603050405020304" pitchFamily="18" charset="0"/>
+              </a:rPr>
+              <a:t>складених</a:t>
+            </a:r>
+            <a:r>
+              <a:rPr lang="ru-RU" b="1" i="0" dirty="0">
+                <a:solidFill>
+                  <a:srgbClr val="2B2B2B"/>
+                </a:solidFill>
+                <a:effectLst/>
+                <a:latin typeface="Times New Roman" panose="02020603050405020304" pitchFamily="18" charset="0"/>
+                <a:cs typeface="Times New Roman" panose="02020603050405020304" pitchFamily="18" charset="0"/>
+              </a:rPr>
+              <a:t> </a:t>
+            </a:r>
+            <a:r>
+              <a:rPr lang="ru-RU" b="1" i="0" dirty="0" err="1">
+                <a:solidFill>
+                  <a:srgbClr val="2B2B2B"/>
+                </a:solidFill>
+                <a:effectLst/>
+                <a:latin typeface="Times New Roman" panose="02020603050405020304" pitchFamily="18" charset="0"/>
+                <a:cs typeface="Times New Roman" panose="02020603050405020304" pitchFamily="18" charset="0"/>
+              </a:rPr>
+              <a:t>арифметичних</a:t>
+            </a:r>
+            <a:r>
+              <a:rPr lang="ru-RU" b="1" i="0" dirty="0">
+                <a:solidFill>
+                  <a:srgbClr val="2B2B2B"/>
+                </a:solidFill>
+                <a:effectLst/>
+                <a:latin typeface="Times New Roman" panose="02020603050405020304" pitchFamily="18" charset="0"/>
+                <a:cs typeface="Times New Roman" panose="02020603050405020304" pitchFamily="18" charset="0"/>
+              </a:rPr>
+              <a:t> </a:t>
+            </a:r>
+            <a:r>
+              <a:rPr lang="ru-RU" b="1" i="0" dirty="0" err="1">
+                <a:solidFill>
+                  <a:srgbClr val="2B2B2B"/>
+                </a:solidFill>
+                <a:effectLst/>
+                <a:latin typeface="Times New Roman" panose="02020603050405020304" pitchFamily="18" charset="0"/>
+                <a:cs typeface="Times New Roman" panose="02020603050405020304" pitchFamily="18" charset="0"/>
+              </a:rPr>
+              <a:t>операцій</a:t>
+            </a:r>
+            <a:r>
+              <a:rPr lang="ru-RU" b="1" i="0" dirty="0">
+                <a:solidFill>
+                  <a:srgbClr val="2B2B2B"/>
+                </a:solidFill>
+                <a:effectLst/>
+                <a:latin typeface="Times New Roman" panose="02020603050405020304" pitchFamily="18" charset="0"/>
+                <a:cs typeface="Times New Roman" panose="02020603050405020304" pitchFamily="18" charset="0"/>
+              </a:rPr>
+              <a:t> з </a:t>
+            </a:r>
+            <a:r>
+              <a:rPr lang="ru-RU" b="1" i="0" dirty="0" err="1">
+                <a:solidFill>
+                  <a:srgbClr val="2B2B2B"/>
+                </a:solidFill>
+                <a:effectLst/>
+                <a:latin typeface="Times New Roman" panose="02020603050405020304" pitchFamily="18" charset="0"/>
+                <a:cs typeface="Times New Roman" panose="02020603050405020304" pitchFamily="18" charset="0"/>
+              </a:rPr>
+              <a:t>присвоюванням</a:t>
+            </a:r>
+            <a:r>
+              <a:rPr lang="ru-RU" b="1" i="0" dirty="0">
+                <a:solidFill>
+                  <a:srgbClr val="2B2B2B"/>
+                </a:solidFill>
+                <a:effectLst/>
+                <a:latin typeface="Times New Roman" panose="02020603050405020304" pitchFamily="18" charset="0"/>
+                <a:cs typeface="Times New Roman" panose="02020603050405020304" pitchFamily="18" charset="0"/>
+              </a:rPr>
+              <a:t> </a:t>
+            </a:r>
+            <a:r>
+              <a:rPr lang="ru-RU" b="1" i="0" dirty="0">
+                <a:solidFill>
+                  <a:srgbClr val="0000FF"/>
+                </a:solidFill>
+                <a:effectLst/>
+                <a:latin typeface="inherit"/>
+              </a:rPr>
+              <a:t>+=</a:t>
+            </a:r>
+            <a:r>
+              <a:rPr lang="ru-RU" b="1" i="0" dirty="0">
+                <a:solidFill>
+                  <a:srgbClr val="2B2B2B"/>
+                </a:solidFill>
+                <a:effectLst/>
+                <a:latin typeface="Lato" panose="020F0502020204030203" pitchFamily="34" charset="0"/>
+              </a:rPr>
+              <a:t>, </a:t>
+            </a:r>
+            <a:r>
+              <a:rPr lang="ru-RU" b="1" i="0" dirty="0">
+                <a:solidFill>
+                  <a:srgbClr val="0000FF"/>
+                </a:solidFill>
+                <a:effectLst/>
+                <a:latin typeface="inherit"/>
+              </a:rPr>
+              <a:t>-=</a:t>
+            </a:r>
+            <a:r>
+              <a:rPr lang="ru-RU" b="1" i="0" dirty="0">
+                <a:solidFill>
+                  <a:srgbClr val="2B2B2B"/>
+                </a:solidFill>
+                <a:effectLst/>
+                <a:latin typeface="Lato" panose="020F0502020204030203" pitchFamily="34" charset="0"/>
+              </a:rPr>
+              <a:t>, </a:t>
+            </a:r>
+            <a:r>
+              <a:rPr lang="ru-RU" b="1" i="0" dirty="0">
+                <a:solidFill>
+                  <a:srgbClr val="0000FF"/>
+                </a:solidFill>
+                <a:effectLst/>
+                <a:latin typeface="inherit"/>
+              </a:rPr>
+              <a:t>*=</a:t>
+            </a:r>
+            <a:r>
+              <a:rPr lang="ru-RU" b="1" i="0" dirty="0">
+                <a:solidFill>
+                  <a:srgbClr val="2B2B2B"/>
+                </a:solidFill>
+                <a:effectLst/>
+                <a:latin typeface="Lato" panose="020F0502020204030203" pitchFamily="34" charset="0"/>
+              </a:rPr>
+              <a:t>, </a:t>
+            </a:r>
+            <a:r>
+              <a:rPr lang="ru-RU" b="1" i="0" dirty="0">
+                <a:solidFill>
+                  <a:srgbClr val="0000FF"/>
+                </a:solidFill>
+                <a:effectLst/>
+                <a:latin typeface="inherit"/>
+              </a:rPr>
+              <a:t>/=</a:t>
+            </a:r>
+            <a:r>
+              <a:rPr lang="ru-RU" b="1" i="0" dirty="0">
+                <a:solidFill>
+                  <a:srgbClr val="2B2B2B"/>
+                </a:solidFill>
+                <a:effectLst/>
+                <a:latin typeface="Lato" panose="020F0502020204030203" pitchFamily="34" charset="0"/>
+              </a:rPr>
+              <a:t>, </a:t>
+            </a:r>
+            <a:r>
+              <a:rPr lang="ru-RU" b="1" i="0" dirty="0">
+                <a:solidFill>
+                  <a:srgbClr val="0000FF"/>
+                </a:solidFill>
+                <a:effectLst/>
+                <a:latin typeface="inherit"/>
+              </a:rPr>
+              <a:t>%=</a:t>
+            </a:r>
+            <a:endParaRPr lang="ru-RU" b="1" i="0" dirty="0">
+              <a:solidFill>
+                <a:srgbClr val="2B2B2B"/>
+              </a:solidFill>
+              <a:effectLst/>
+              <a:latin typeface="Lato" panose="020F0502020204030203" pitchFamily="34" charset="0"/>
+            </a:endParaRPr>
+          </a:p>
+        </p:txBody>
+      </p:sp>
+      <p:sp>
+        <p:nvSpPr>
+          <p:cNvPr id="5" name="Rectangle 2">
+            <a:extLst>
+              <a:ext uri="{FF2B5EF4-FFF2-40B4-BE49-F238E27FC236}">
+                <a16:creationId xmlns:a16="http://schemas.microsoft.com/office/drawing/2014/main" id="{CAFA3626-A80C-4530-AF15-9F5153967F25}"/>
+              </a:ext>
+            </a:extLst>
+          </p:cNvPr>
+          <p:cNvSpPr>
+            <a:spLocks noChangeArrowheads="1"/>
+          </p:cNvSpPr>
+          <p:nvPr/>
+        </p:nvSpPr>
+        <p:spPr bwMode="auto">
+          <a:xfrm>
+            <a:off x="8267307" y="927272"/>
+            <a:ext cx="3415645" cy="5201424"/>
+          </a:xfrm>
+          <a:prstGeom prst="rect">
+            <a:avLst/>
+          </a:prstGeom>
+          <a:noFill/>
+          <a:ln>
+            <a:noFill/>
+          </a:ln>
+          <a:effectLst/>
+          <a:extLst>
+            <a:ext uri="{909E8E84-426E-40DD-AFC4-6F175D3DCCD1}">
+              <a14:hiddenFill xmlns:a14="http://schemas.microsoft.com/office/drawing/2010/main">
+                <a:solidFill>
+                  <a:schemeClr val="accent1"/>
+                </a:solidFill>
+              </a14:hiddenFill>
+            </a:ext>
+            <a:ext uri="{91240B29-F687-4F45-9708-019B960494DF}">
+              <a14:hiddenLine xmlns:a14="http://schemas.microsoft.com/office/drawing/2010/main" w="9525">
+                <a:solidFill>
+                  <a:schemeClr val="tx1"/>
+                </a:solidFill>
+                <a:miter lim="800000"/>
+                <a:headEnd/>
+                <a:tailEnd/>
+              </a14:hiddenLine>
+            </a:ext>
+            <a:ext uri="{AF507438-7753-43E0-B8FC-AC1667EBCBE1}">
+              <a14:hiddenEffects xmlns:a14="http://schemas.microsoft.com/office/drawing/2010/main">
+                <a:effectLst>
+                  <a:outerShdw dist="35921" dir="2700000" algn="ctr" rotWithShape="0">
+                    <a:schemeClr val="bg2"/>
+                  </a:outerShdw>
+                </a:effectLst>
+              </a14:hiddenEffects>
+            </a:ext>
+          </a:extLst>
+        </p:spPr>
+        <p:txBody>
+          <a:bodyPr vert="horz" wrap="square" lIns="0" tIns="0" rIns="0" bIns="0" numCol="1" anchor="ctr" anchorCtr="0" compatLnSpc="1">
+            <a:prstTxWarp prst="textNoShape">
+              <a:avLst/>
+            </a:prstTxWarp>
+            <a:spAutoFit/>
+          </a:bodyPr>
+          <a:lstStyle>
+            <a:lvl1pPr eaLnBrk="0" fontAlgn="base" hangingPunct="0">
+              <a:spcBef>
+                <a:spcPct val="0"/>
+              </a:spcBef>
+              <a:spcAft>
+                <a:spcPct val="0"/>
+              </a:spcAft>
+              <a:defRPr>
+                <a:solidFill>
+                  <a:schemeClr val="tx1"/>
+                </a:solidFill>
+                <a:latin typeface="Arial" panose="020B0604020202020204" pitchFamily="34" charset="0"/>
+              </a:defRPr>
+            </a:lvl1pPr>
+            <a:lvl2pPr eaLnBrk="0" fontAlgn="base" hangingPunct="0">
+              <a:spcBef>
+                <a:spcPct val="0"/>
+              </a:spcBef>
+              <a:spcAft>
+                <a:spcPct val="0"/>
+              </a:spcAft>
+              <a:defRPr>
+                <a:solidFill>
+                  <a:schemeClr val="tx1"/>
+                </a:solidFill>
+                <a:latin typeface="Arial" panose="020B0604020202020204" pitchFamily="34" charset="0"/>
+              </a:defRPr>
+            </a:lvl2pPr>
+            <a:lvl3pPr eaLnBrk="0" fontAlgn="base" hangingPunct="0">
+              <a:spcBef>
+                <a:spcPct val="0"/>
+              </a:spcBef>
+              <a:spcAft>
+                <a:spcPct val="0"/>
+              </a:spcAft>
+              <a:defRPr>
+                <a:solidFill>
+                  <a:schemeClr val="tx1"/>
+                </a:solidFill>
+                <a:latin typeface="Arial" panose="020B0604020202020204" pitchFamily="34" charset="0"/>
+              </a:defRPr>
+            </a:lvl3pPr>
+            <a:lvl4pPr eaLnBrk="0" fontAlgn="base" hangingPunct="0">
+              <a:spcBef>
+                <a:spcPct val="0"/>
+              </a:spcBef>
+              <a:spcAft>
+                <a:spcPct val="0"/>
+              </a:spcAft>
+              <a:defRPr>
+                <a:solidFill>
+                  <a:schemeClr val="tx1"/>
+                </a:solidFill>
+                <a:latin typeface="Arial" panose="020B0604020202020204" pitchFamily="34" charset="0"/>
+              </a:defRPr>
+            </a:lvl4pPr>
+            <a:lvl5pPr eaLnBrk="0" fontAlgn="base" hangingPunct="0">
+              <a:spcBef>
+                <a:spcPct val="0"/>
+              </a:spcBef>
+              <a:spcAft>
+                <a:spcPct val="0"/>
+              </a:spcAft>
+              <a:defRPr>
+                <a:solidFill>
+                  <a:schemeClr val="tx1"/>
+                </a:solidFill>
+                <a:latin typeface="Arial" panose="020B0604020202020204" pitchFamily="34" charset="0"/>
+              </a:defRPr>
+            </a:lvl5pPr>
+            <a:lvl6pPr eaLnBrk="0" fontAlgn="base" hangingPunct="0">
+              <a:spcBef>
+                <a:spcPct val="0"/>
+              </a:spcBef>
+              <a:spcAft>
+                <a:spcPct val="0"/>
+              </a:spcAft>
+              <a:defRPr>
+                <a:solidFill>
+                  <a:schemeClr val="tx1"/>
+                </a:solidFill>
+                <a:latin typeface="Arial" panose="020B0604020202020204" pitchFamily="34" charset="0"/>
+              </a:defRPr>
+            </a:lvl6pPr>
+            <a:lvl7pPr eaLnBrk="0" fontAlgn="base" hangingPunct="0">
+              <a:spcBef>
+                <a:spcPct val="0"/>
+              </a:spcBef>
+              <a:spcAft>
+                <a:spcPct val="0"/>
+              </a:spcAft>
+              <a:defRPr>
+                <a:solidFill>
+                  <a:schemeClr val="tx1"/>
+                </a:solidFill>
+                <a:latin typeface="Arial" panose="020B0604020202020204" pitchFamily="34" charset="0"/>
+              </a:defRPr>
+            </a:lvl7pPr>
+            <a:lvl8pPr eaLnBrk="0" fontAlgn="base" hangingPunct="0">
+              <a:spcBef>
+                <a:spcPct val="0"/>
+              </a:spcBef>
+              <a:spcAft>
+                <a:spcPct val="0"/>
+              </a:spcAft>
+              <a:defRPr>
+                <a:solidFill>
+                  <a:schemeClr val="tx1"/>
+                </a:solidFill>
+                <a:latin typeface="Arial" panose="020B0604020202020204" pitchFamily="34" charset="0"/>
+              </a:defRPr>
+            </a:lvl8pPr>
+            <a:lvl9pPr eaLnBrk="0" fontAlgn="base" hangingPunct="0">
+              <a:spcBef>
+                <a:spcPct val="0"/>
+              </a:spcBef>
+              <a:spcAft>
+                <a:spcPct val="0"/>
+              </a:spcAft>
+              <a:defRPr>
+                <a:solidFill>
+                  <a:schemeClr val="tx1"/>
+                </a:solidFill>
+                <a:latin typeface="Arial" panose="020B0604020202020204" pitchFamily="34" charset="0"/>
+              </a:defRPr>
+            </a:lvl9pPr>
+          </a:lstStyle>
+          <a:p>
+            <a:pPr marL="0" marR="0" lvl="0" indent="0" algn="l" defTabSz="914400" rtl="0" eaLnBrk="0" fontAlgn="base" latinLnBrk="0" hangingPunct="0">
+              <a:lnSpc>
+                <a:spcPct val="100000"/>
+              </a:lnSpc>
+              <a:spcBef>
+                <a:spcPct val="0"/>
+              </a:spcBef>
+              <a:spcAft>
+                <a:spcPct val="0"/>
+              </a:spcAft>
+              <a:buClrTx/>
+              <a:buSzTx/>
+              <a:buFontTx/>
+              <a:buNone/>
+              <a:tabLst/>
+            </a:pPr>
+            <a:r>
+              <a:rPr kumimoji="0" lang="uk-UA" altLang="uk-UA" b="0" i="0" u="none" strike="noStrike" cap="none" normalizeH="0" baseline="0" dirty="0">
+                <a:ln>
+                  <a:noFill/>
+                </a:ln>
+                <a:solidFill>
+                  <a:srgbClr val="2B2B2B"/>
+                </a:solidFill>
+                <a:effectLst/>
+                <a:latin typeface="Lato" panose="020F0502020204030203" pitchFamily="34" charset="0"/>
+              </a:rPr>
+              <a:t>Складені арифметичні операції з присвоюванням мають 2 переваги:</a:t>
+            </a:r>
+            <a:endParaRPr kumimoji="0" lang="uk-UA" altLang="uk-UA" sz="1050" b="0" i="0" u="none" strike="noStrike" cap="none" normalizeH="0" baseline="0" dirty="0">
+              <a:ln>
+                <a:noFill/>
+              </a:ln>
+              <a:solidFill>
+                <a:schemeClr val="tx1"/>
+              </a:solidFill>
+              <a:effectLst/>
+            </a:endParaRPr>
+          </a:p>
+          <a:p>
+            <a:pPr marL="0" marR="0" lvl="0" indent="0" algn="l" defTabSz="914400" rtl="0" eaLnBrk="0" fontAlgn="base" latinLnBrk="0" hangingPunct="0">
+              <a:lnSpc>
+                <a:spcPct val="100000"/>
+              </a:lnSpc>
+              <a:spcBef>
+                <a:spcPct val="0"/>
+              </a:spcBef>
+              <a:spcAft>
+                <a:spcPct val="0"/>
+              </a:spcAft>
+              <a:buClrTx/>
+              <a:buSzTx/>
+              <a:buFontTx/>
+              <a:buChar char="•"/>
+              <a:tabLst/>
+            </a:pPr>
+            <a:r>
+              <a:rPr kumimoji="0" lang="uk-UA" altLang="uk-UA" b="0" i="0" u="none" strike="noStrike" cap="none" normalizeH="0" baseline="0" dirty="0">
+                <a:ln>
+                  <a:noFill/>
+                </a:ln>
+                <a:solidFill>
+                  <a:srgbClr val="2B2B2B"/>
+                </a:solidFill>
+                <a:effectLst/>
+                <a:latin typeface="inherit"/>
+              </a:rPr>
+              <a:t>зменшують об’єм введеного коду, </a:t>
+            </a:r>
+            <a:r>
+              <a:rPr kumimoji="0" lang="uk-UA" altLang="uk-UA" sz="2000" b="0" i="0" u="none" strike="noStrike" cap="none" normalizeH="0" baseline="0" dirty="0">
+                <a:ln>
+                  <a:noFill/>
+                </a:ln>
+                <a:solidFill>
+                  <a:srgbClr val="2B2B2B"/>
+                </a:solidFill>
+                <a:effectLst/>
+                <a:latin typeface="inherit"/>
+              </a:rPr>
+              <a:t>коли</a:t>
+            </a:r>
+            <a:r>
+              <a:rPr kumimoji="0" lang="uk-UA" altLang="uk-UA" b="0" i="0" u="none" strike="noStrike" cap="none" normalizeH="0" baseline="0" dirty="0">
+                <a:ln>
+                  <a:noFill/>
+                </a:ln>
+                <a:solidFill>
+                  <a:srgbClr val="2B2B2B"/>
+                </a:solidFill>
+                <a:effectLst/>
+                <a:latin typeface="inherit"/>
+              </a:rPr>
+              <a:t> зустрічаються довгі імена змінних;</a:t>
+            </a:r>
+          </a:p>
+          <a:p>
+            <a:pPr marL="0" marR="0" lvl="0" indent="0" algn="l" defTabSz="914400" rtl="0" eaLnBrk="0" fontAlgn="base" latinLnBrk="0" hangingPunct="0">
+              <a:lnSpc>
+                <a:spcPct val="100000"/>
+              </a:lnSpc>
+              <a:spcBef>
+                <a:spcPct val="0"/>
+              </a:spcBef>
+              <a:spcAft>
+                <a:spcPct val="0"/>
+              </a:spcAft>
+              <a:buClrTx/>
+              <a:buSzTx/>
+              <a:buFontTx/>
+              <a:buChar char="•"/>
+              <a:tabLst/>
+            </a:pPr>
+            <a:r>
+              <a:rPr kumimoji="0" lang="uk-UA" altLang="uk-UA" b="0" i="0" u="none" strike="noStrike" cap="none" normalizeH="0" baseline="0" dirty="0">
+                <a:ln>
+                  <a:noFill/>
+                </a:ln>
+                <a:solidFill>
+                  <a:srgbClr val="2B2B2B"/>
+                </a:solidFill>
+                <a:effectLst/>
+                <a:latin typeface="inherit"/>
+              </a:rPr>
+              <a:t>реалізація складених арифметичних операцій у виконавчому середовищі </a:t>
+            </a:r>
+            <a:r>
+              <a:rPr kumimoji="0" lang="uk-UA" altLang="uk-UA" b="0" i="0" u="none" strike="noStrike" cap="none" normalizeH="0" baseline="0" dirty="0" err="1">
+                <a:ln>
+                  <a:noFill/>
+                </a:ln>
+                <a:solidFill>
+                  <a:srgbClr val="2B2B2B"/>
+                </a:solidFill>
+                <a:effectLst/>
+                <a:latin typeface="inherit"/>
+              </a:rPr>
+              <a:t>Java</a:t>
+            </a:r>
+            <a:r>
+              <a:rPr kumimoji="0" lang="uk-UA" altLang="uk-UA" b="0" i="0" u="none" strike="noStrike" cap="none" normalizeH="0" baseline="0" dirty="0">
+                <a:ln>
+                  <a:noFill/>
+                </a:ln>
+                <a:solidFill>
+                  <a:srgbClr val="2B2B2B"/>
+                </a:solidFill>
+                <a:effectLst/>
+                <a:latin typeface="inherit"/>
+              </a:rPr>
+              <a:t> є більш ефективною ніж реалізація відповідних довгих операцій присвоювання.</a:t>
+            </a:r>
+            <a:endParaRPr kumimoji="0" lang="uk-UA" altLang="uk-UA" b="0" i="0" u="none" strike="noStrike" cap="none" normalizeH="0" baseline="0" dirty="0">
+              <a:ln>
+                <a:noFill/>
+              </a:ln>
+              <a:solidFill>
+                <a:srgbClr val="2B2B2B"/>
+              </a:solidFill>
+              <a:effectLst/>
+              <a:latin typeface="Lato" panose="020F0502020204030203" pitchFamily="34" charset="0"/>
+            </a:endParaRPr>
+          </a:p>
+          <a:p>
+            <a:pPr marL="0" marR="0" lvl="0" indent="0" algn="l" defTabSz="914400" rtl="0" eaLnBrk="0" fontAlgn="base" latinLnBrk="0" hangingPunct="0">
+              <a:lnSpc>
+                <a:spcPct val="100000"/>
+              </a:lnSpc>
+              <a:spcBef>
+                <a:spcPct val="0"/>
+              </a:spcBef>
+              <a:spcAft>
+                <a:spcPct val="0"/>
+              </a:spcAft>
+              <a:buClrTx/>
+              <a:buSzTx/>
+              <a:buFontTx/>
+              <a:buNone/>
+              <a:tabLst/>
+            </a:pPr>
+            <a:r>
+              <a:rPr kumimoji="0" lang="uk-UA" altLang="uk-UA" b="0" i="0" u="none" strike="noStrike" cap="none" normalizeH="0" baseline="0" dirty="0">
+                <a:ln>
+                  <a:noFill/>
+                </a:ln>
+                <a:solidFill>
+                  <a:srgbClr val="2B2B2B"/>
+                </a:solidFill>
+                <a:effectLst/>
+                <a:latin typeface="Lato" panose="020F0502020204030203" pitchFamily="34" charset="0"/>
+              </a:rPr>
+              <a:t>Загальний вигляд складеної операції з присвоюванням:</a:t>
+            </a:r>
+            <a:endParaRPr kumimoji="0" lang="uk-UA" altLang="uk-UA" sz="1600" b="1" i="0" u="none" strike="noStrike" cap="none" normalizeH="0" baseline="0" dirty="0">
+              <a:ln>
+                <a:noFill/>
+              </a:ln>
+              <a:solidFill>
+                <a:srgbClr val="2B2B2B"/>
+              </a:solidFill>
+              <a:effectLst/>
+              <a:latin typeface="inherit"/>
+              <a:cs typeface="Courier New" panose="02070309020205020404" pitchFamily="49" charset="0"/>
+            </a:endParaRPr>
+          </a:p>
+          <a:p>
+            <a:pPr marL="0" marR="0" lvl="0" indent="0" algn="l" defTabSz="914400" rtl="0" eaLnBrk="0" fontAlgn="base" latinLnBrk="0" hangingPunct="0">
+              <a:lnSpc>
+                <a:spcPct val="100000"/>
+              </a:lnSpc>
+              <a:spcBef>
+                <a:spcPct val="0"/>
+              </a:spcBef>
+              <a:spcAft>
+                <a:spcPct val="0"/>
+              </a:spcAft>
+              <a:buClrTx/>
+              <a:buSzTx/>
+              <a:buFontTx/>
+              <a:buNone/>
+              <a:tabLst/>
+            </a:pPr>
+            <a:r>
+              <a:rPr kumimoji="0" lang="uk-UA" altLang="uk-UA" sz="1600" b="1" i="0" u="none" strike="noStrike" cap="none" normalizeH="0" baseline="0" dirty="0">
+                <a:ln>
+                  <a:noFill/>
+                </a:ln>
+                <a:solidFill>
+                  <a:srgbClr val="2B2B2B"/>
+                </a:solidFill>
+                <a:effectLst/>
+                <a:latin typeface="inherit"/>
+                <a:cs typeface="Courier New" panose="02070309020205020404" pitchFamily="49" charset="0"/>
+              </a:rPr>
+              <a:t>змінна операція = вираз;</a:t>
+            </a:r>
+            <a:endParaRPr kumimoji="0" lang="uk-UA" altLang="uk-UA" sz="1050" b="0" i="0" u="none" strike="noStrike" cap="none" normalizeH="0" baseline="0" dirty="0">
+              <a:ln>
+                <a:noFill/>
+              </a:ln>
+              <a:solidFill>
+                <a:schemeClr val="tx1"/>
+              </a:solidFill>
+              <a:effectLst/>
+            </a:endParaRPr>
+          </a:p>
+          <a:p>
+            <a:pPr marL="0" marR="0" lvl="0" indent="0" algn="l" defTabSz="914400" rtl="0" eaLnBrk="0" fontAlgn="base" latinLnBrk="0" hangingPunct="0">
+              <a:lnSpc>
+                <a:spcPct val="100000"/>
+              </a:lnSpc>
+              <a:spcBef>
+                <a:spcPct val="0"/>
+              </a:spcBef>
+              <a:spcAft>
+                <a:spcPct val="0"/>
+              </a:spcAft>
+              <a:buClrTx/>
+              <a:buSzTx/>
+              <a:buFontTx/>
+              <a:buNone/>
+              <a:tabLst/>
+            </a:pPr>
+            <a:r>
+              <a:rPr kumimoji="0" lang="uk-UA" altLang="uk-UA" b="0" i="0" u="none" strike="noStrike" cap="none" normalizeH="0" baseline="0" dirty="0">
+                <a:ln>
+                  <a:noFill/>
+                </a:ln>
+                <a:solidFill>
+                  <a:srgbClr val="2B2B2B"/>
+                </a:solidFill>
+                <a:effectLst/>
+                <a:latin typeface="Lato" panose="020F0502020204030203" pitchFamily="34" charset="0"/>
+              </a:rPr>
+              <a:t>Така операція замінює стандартну форму присвоювання:</a:t>
+            </a:r>
+            <a:endParaRPr kumimoji="0" lang="uk-UA" altLang="uk-UA" sz="1600" b="1" i="0" u="none" strike="noStrike" cap="none" normalizeH="0" baseline="0" dirty="0">
+              <a:ln>
+                <a:noFill/>
+              </a:ln>
+              <a:solidFill>
+                <a:srgbClr val="2B2B2B"/>
+              </a:solidFill>
+              <a:effectLst/>
+              <a:latin typeface="inherit"/>
+              <a:cs typeface="Courier New" panose="02070309020205020404" pitchFamily="49" charset="0"/>
+            </a:endParaRPr>
+          </a:p>
+          <a:p>
+            <a:pPr marL="0" marR="0" lvl="0" indent="0" algn="l" defTabSz="914400" rtl="0" eaLnBrk="0" fontAlgn="base" latinLnBrk="0" hangingPunct="0">
+              <a:lnSpc>
+                <a:spcPct val="100000"/>
+              </a:lnSpc>
+              <a:spcBef>
+                <a:spcPct val="0"/>
+              </a:spcBef>
+              <a:spcAft>
+                <a:spcPct val="0"/>
+              </a:spcAft>
+              <a:buClrTx/>
+              <a:buSzTx/>
+              <a:buFontTx/>
+              <a:buNone/>
+              <a:tabLst/>
+            </a:pPr>
+            <a:r>
+              <a:rPr kumimoji="0" lang="uk-UA" altLang="uk-UA" sz="1600" b="1" i="0" u="none" strike="noStrike" cap="none" normalizeH="0" baseline="0" dirty="0">
+                <a:ln>
+                  <a:noFill/>
+                </a:ln>
+                <a:solidFill>
+                  <a:srgbClr val="2B2B2B"/>
+                </a:solidFill>
+                <a:effectLst/>
+                <a:latin typeface="inherit"/>
+                <a:cs typeface="Courier New" panose="02070309020205020404" pitchFamily="49" charset="0"/>
+              </a:rPr>
+              <a:t>змінна = змінна операція вираз;</a:t>
+            </a:r>
+            <a:r>
+              <a:rPr kumimoji="0" lang="uk-UA" altLang="uk-UA" sz="1050" b="0" i="0" u="none" strike="noStrike" cap="none" normalizeH="0" baseline="0" dirty="0">
+                <a:ln>
+                  <a:noFill/>
+                </a:ln>
+                <a:solidFill>
+                  <a:schemeClr val="tx1"/>
+                </a:solidFill>
+                <a:effectLst/>
+              </a:rPr>
+              <a:t> </a:t>
+            </a:r>
+            <a:endParaRPr kumimoji="0" lang="uk-UA" altLang="uk-UA" sz="2800" b="0" i="0" u="none" strike="noStrike" cap="none" normalizeH="0" baseline="0" dirty="0">
+              <a:ln>
+                <a:noFill/>
+              </a:ln>
+              <a:solidFill>
+                <a:schemeClr val="tx1"/>
+              </a:solidFill>
+              <a:effectLst/>
+              <a:latin typeface="Arial" panose="020B0604020202020204" pitchFamily="34" charset="0"/>
+            </a:endParaRPr>
+          </a:p>
+        </p:txBody>
+      </p:sp>
+      <p:sp>
+        <p:nvSpPr>
+          <p:cNvPr id="7" name="Rectangle 3">
+            <a:extLst>
+              <a:ext uri="{FF2B5EF4-FFF2-40B4-BE49-F238E27FC236}">
+                <a16:creationId xmlns:a16="http://schemas.microsoft.com/office/drawing/2014/main" id="{4C70DA54-6293-4296-A018-E8D2B41A13A8}"/>
+              </a:ext>
+            </a:extLst>
+          </p:cNvPr>
+          <p:cNvSpPr>
+            <a:spLocks noChangeArrowheads="1"/>
+          </p:cNvSpPr>
+          <p:nvPr/>
+        </p:nvSpPr>
+        <p:spPr bwMode="auto">
+          <a:xfrm>
+            <a:off x="342207" y="813359"/>
+            <a:ext cx="6725055" cy="5816977"/>
+          </a:xfrm>
+          <a:prstGeom prst="rect">
+            <a:avLst/>
+          </a:prstGeom>
+          <a:noFill/>
+          <a:ln>
+            <a:noFill/>
+          </a:ln>
+          <a:effectLst/>
+          <a:extLst>
+            <a:ext uri="{909E8E84-426E-40DD-AFC4-6F175D3DCCD1}">
+              <a14:hiddenFill xmlns:a14="http://schemas.microsoft.com/office/drawing/2010/main">
+                <a:solidFill>
+                  <a:schemeClr val="accent1"/>
+                </a:solidFill>
+              </a14:hiddenFill>
+            </a:ext>
+            <a:ext uri="{91240B29-F687-4F45-9708-019B960494DF}">
+              <a14:hiddenLine xmlns:a14="http://schemas.microsoft.com/office/drawing/2010/main" w="9525">
+                <a:solidFill>
+                  <a:schemeClr val="tx1"/>
+                </a:solidFill>
+                <a:miter lim="800000"/>
+                <a:headEnd/>
+                <a:tailEnd/>
+              </a14:hiddenLine>
+            </a:ext>
+            <a:ext uri="{AF507438-7753-43E0-B8FC-AC1667EBCBE1}">
+              <a14:hiddenEffects xmlns:a14="http://schemas.microsoft.com/office/drawing/2010/main">
+                <a:effectLst>
+                  <a:outerShdw dist="35921" dir="2700000" algn="ctr" rotWithShape="0">
+                    <a:schemeClr val="bg2"/>
+                  </a:outerShdw>
+                </a:effectLst>
+              </a14:hiddenEffects>
+            </a:ext>
+          </a:extLst>
+        </p:spPr>
+        <p:txBody>
+          <a:bodyPr vert="horz" wrap="square" lIns="0" tIns="0" rIns="0" bIns="0" numCol="1" anchor="ctr" anchorCtr="0" compatLnSpc="1">
+            <a:prstTxWarp prst="textNoShape">
+              <a:avLst/>
+            </a:prstTxWarp>
+            <a:spAutoFit/>
+          </a:bodyPr>
+          <a:lstStyle/>
+          <a:p>
+            <a:pPr marL="0" marR="0" lvl="0" indent="0" algn="l" defTabSz="914400" rtl="0" eaLnBrk="0" fontAlgn="base" latinLnBrk="0" hangingPunct="0">
+              <a:lnSpc>
+                <a:spcPct val="100000"/>
+              </a:lnSpc>
+              <a:spcBef>
+                <a:spcPct val="0"/>
+              </a:spcBef>
+              <a:spcAft>
+                <a:spcPct val="0"/>
+              </a:spcAft>
+              <a:buClrTx/>
+              <a:buSzTx/>
+              <a:buFontTx/>
+              <a:buNone/>
+              <a:tabLst/>
+            </a:pPr>
+            <a:r>
+              <a:rPr kumimoji="0" lang="uk-UA" altLang="uk-UA" sz="1400" b="0" i="0" u="none" strike="noStrike" cap="none" normalizeH="0" baseline="0" dirty="0">
+                <a:ln>
+                  <a:noFill/>
+                </a:ln>
+                <a:solidFill>
+                  <a:srgbClr val="008000"/>
+                </a:solidFill>
+                <a:effectLst/>
+                <a:latin typeface="inherit"/>
+                <a:cs typeface="Courier New" panose="02070309020205020404" pitchFamily="49" charset="0"/>
+              </a:rPr>
+              <a:t>// </a:t>
+            </a:r>
+            <a:r>
+              <a:rPr kumimoji="0" lang="uk-UA" altLang="uk-UA" sz="1400" b="0" i="0" u="none" strike="noStrike" cap="none" normalizeH="0" baseline="0" dirty="0" err="1">
+                <a:ln>
+                  <a:noFill/>
+                </a:ln>
+                <a:solidFill>
+                  <a:srgbClr val="008000"/>
+                </a:solidFill>
+                <a:effectLst/>
+                <a:latin typeface="inherit"/>
+                <a:cs typeface="Courier New" panose="02070309020205020404" pitchFamily="49" charset="0"/>
+              </a:rPr>
+              <a:t>цілочисельні</a:t>
+            </a:r>
+            <a:r>
+              <a:rPr kumimoji="0" lang="uk-UA" altLang="uk-UA" sz="1400" b="0" i="0" u="none" strike="noStrike" cap="none" normalizeH="0" baseline="0" dirty="0">
+                <a:ln>
+                  <a:noFill/>
+                </a:ln>
+                <a:solidFill>
+                  <a:srgbClr val="008000"/>
+                </a:solidFill>
+                <a:effectLst/>
+                <a:latin typeface="inherit"/>
+                <a:cs typeface="Courier New" panose="02070309020205020404" pitchFamily="49" charset="0"/>
+              </a:rPr>
+              <a:t> типи</a:t>
+            </a:r>
+            <a:r>
+              <a:rPr kumimoji="0" lang="uk-UA" altLang="uk-UA" sz="1400" b="0" i="0" u="none" strike="noStrike" cap="none" normalizeH="0" baseline="0" dirty="0">
+                <a:ln>
+                  <a:noFill/>
+                </a:ln>
+                <a:solidFill>
+                  <a:srgbClr val="2B2B2B"/>
+                </a:solidFill>
+                <a:effectLst/>
+                <a:latin typeface="Courier New" panose="02070309020205020404" pitchFamily="49" charset="0"/>
+                <a:cs typeface="Courier New" panose="02070309020205020404" pitchFamily="49" charset="0"/>
+              </a:rPr>
+              <a:t> </a:t>
+            </a:r>
+          </a:p>
+          <a:p>
+            <a:pPr marL="0" marR="0" lvl="0" indent="0" algn="l" defTabSz="914400" rtl="0" eaLnBrk="0" fontAlgn="base" latinLnBrk="0" hangingPunct="0">
+              <a:lnSpc>
+                <a:spcPct val="100000"/>
+              </a:lnSpc>
+              <a:spcBef>
+                <a:spcPct val="0"/>
+              </a:spcBef>
+              <a:spcAft>
+                <a:spcPct val="0"/>
+              </a:spcAft>
+              <a:buClrTx/>
+              <a:buSzTx/>
+              <a:buFontTx/>
+              <a:buNone/>
+              <a:tabLst/>
+            </a:pPr>
+            <a:r>
+              <a:rPr kumimoji="0" lang="uk-UA" altLang="uk-UA" sz="1400" b="1" i="0" u="none" strike="noStrike" cap="none" normalizeH="0" baseline="0" dirty="0" err="1">
+                <a:ln>
+                  <a:noFill/>
+                </a:ln>
+                <a:solidFill>
+                  <a:srgbClr val="993366"/>
+                </a:solidFill>
+                <a:effectLst/>
+                <a:latin typeface="inherit"/>
+                <a:cs typeface="Courier New" panose="02070309020205020404" pitchFamily="49" charset="0"/>
+              </a:rPr>
+              <a:t>int</a:t>
+            </a:r>
+            <a:r>
+              <a:rPr kumimoji="0" lang="uk-UA" altLang="uk-UA" sz="1400" b="1" i="0" u="none" strike="noStrike" cap="none" normalizeH="0" baseline="0" dirty="0">
+                <a:ln>
+                  <a:noFill/>
+                </a:ln>
+                <a:solidFill>
+                  <a:srgbClr val="2B2B2B"/>
+                </a:solidFill>
+                <a:effectLst/>
+                <a:latin typeface="inherit"/>
+                <a:cs typeface="Courier New" panose="02070309020205020404" pitchFamily="49" charset="0"/>
+              </a:rPr>
+              <a:t> </a:t>
+            </a:r>
+            <a:r>
+              <a:rPr kumimoji="0" lang="uk-UA" altLang="uk-UA" sz="1400" b="0" i="0" u="none" strike="noStrike" cap="none" normalizeH="0" baseline="0" dirty="0">
+                <a:ln>
+                  <a:noFill/>
+                </a:ln>
+                <a:solidFill>
+                  <a:srgbClr val="2B2B2B"/>
+                </a:solidFill>
+                <a:effectLst/>
+                <a:latin typeface="Courier New" panose="02070309020205020404" pitchFamily="49" charset="0"/>
+                <a:cs typeface="Courier New" panose="02070309020205020404" pitchFamily="49" charset="0"/>
+              </a:rPr>
+              <a:t>a; </a:t>
+            </a:r>
+          </a:p>
+          <a:p>
+            <a:pPr marL="0" marR="0" lvl="0" indent="0" algn="l" defTabSz="914400" rtl="0" eaLnBrk="0" fontAlgn="base" latinLnBrk="0" hangingPunct="0">
+              <a:lnSpc>
+                <a:spcPct val="100000"/>
+              </a:lnSpc>
+              <a:spcBef>
+                <a:spcPct val="0"/>
+              </a:spcBef>
+              <a:spcAft>
+                <a:spcPct val="0"/>
+              </a:spcAft>
+              <a:buClrTx/>
+              <a:buSzTx/>
+              <a:buFontTx/>
+              <a:buNone/>
+              <a:tabLst/>
+            </a:pPr>
+            <a:r>
+              <a:rPr kumimoji="0" lang="uk-UA" altLang="uk-UA" sz="1400" b="0" i="0" u="none" strike="noStrike" cap="none" normalizeH="0" baseline="0" dirty="0">
+                <a:ln>
+                  <a:noFill/>
+                </a:ln>
+                <a:solidFill>
+                  <a:srgbClr val="2B2B2B"/>
+                </a:solidFill>
+                <a:effectLst/>
+                <a:latin typeface="Courier New" panose="02070309020205020404" pitchFamily="49" charset="0"/>
+                <a:cs typeface="Courier New" panose="02070309020205020404" pitchFamily="49" charset="0"/>
+              </a:rPr>
+              <a:t>a = 7; </a:t>
+            </a:r>
+          </a:p>
+          <a:p>
+            <a:pPr marL="0" marR="0" lvl="0" indent="0" algn="l" defTabSz="914400" rtl="0" eaLnBrk="0" fontAlgn="base" latinLnBrk="0" hangingPunct="0">
+              <a:lnSpc>
+                <a:spcPct val="100000"/>
+              </a:lnSpc>
+              <a:spcBef>
+                <a:spcPct val="0"/>
+              </a:spcBef>
+              <a:spcAft>
+                <a:spcPct val="0"/>
+              </a:spcAft>
+              <a:buClrTx/>
+              <a:buSzTx/>
+              <a:buFontTx/>
+              <a:buNone/>
+              <a:tabLst/>
+            </a:pPr>
+            <a:r>
+              <a:rPr kumimoji="0" lang="uk-UA" altLang="uk-UA" sz="1400" b="0" i="0" u="none" strike="noStrike" cap="none" normalizeH="0" baseline="0" dirty="0">
+                <a:ln>
+                  <a:noFill/>
+                </a:ln>
+                <a:solidFill>
+                  <a:srgbClr val="2B2B2B"/>
+                </a:solidFill>
+                <a:effectLst/>
+                <a:latin typeface="Courier New" panose="02070309020205020404" pitchFamily="49" charset="0"/>
+                <a:cs typeface="Courier New" panose="02070309020205020404" pitchFamily="49" charset="0"/>
+              </a:rPr>
+              <a:t>a += 8; </a:t>
+            </a:r>
+          </a:p>
+          <a:p>
+            <a:pPr marL="0" marR="0" lvl="0" indent="0" algn="l" defTabSz="914400" rtl="0" eaLnBrk="0" fontAlgn="base" latinLnBrk="0" hangingPunct="0">
+              <a:lnSpc>
+                <a:spcPct val="100000"/>
+              </a:lnSpc>
+              <a:spcBef>
+                <a:spcPct val="0"/>
+              </a:spcBef>
+              <a:spcAft>
+                <a:spcPct val="0"/>
+              </a:spcAft>
+              <a:buClrTx/>
+              <a:buSzTx/>
+              <a:buFontTx/>
+              <a:buNone/>
+              <a:tabLst/>
+            </a:pPr>
+            <a:r>
+              <a:rPr kumimoji="0" lang="uk-UA" altLang="uk-UA" sz="1400" b="0" i="0" u="none" strike="noStrike" cap="none" normalizeH="0" baseline="0" dirty="0">
+                <a:ln>
+                  <a:noFill/>
+                </a:ln>
+                <a:solidFill>
+                  <a:srgbClr val="008000"/>
+                </a:solidFill>
+                <a:effectLst/>
+                <a:latin typeface="inherit"/>
+                <a:cs typeface="Courier New" panose="02070309020205020404" pitchFamily="49" charset="0"/>
+              </a:rPr>
+              <a:t>// a = a + 8 = 15</a:t>
+            </a:r>
+            <a:r>
+              <a:rPr kumimoji="0" lang="uk-UA" altLang="uk-UA" sz="1400" b="0" i="0" u="none" strike="noStrike" cap="none" normalizeH="0" baseline="0" dirty="0">
+                <a:ln>
+                  <a:noFill/>
+                </a:ln>
+                <a:solidFill>
+                  <a:srgbClr val="2B2B2B"/>
+                </a:solidFill>
+                <a:effectLst/>
+                <a:latin typeface="Courier New" panose="02070309020205020404" pitchFamily="49" charset="0"/>
+                <a:cs typeface="Courier New" panose="02070309020205020404" pitchFamily="49" charset="0"/>
+              </a:rPr>
+              <a:t> </a:t>
+            </a:r>
+          </a:p>
+          <a:p>
+            <a:pPr marL="0" marR="0" lvl="0" indent="0" algn="l" defTabSz="914400" rtl="0" eaLnBrk="0" fontAlgn="base" latinLnBrk="0" hangingPunct="0">
+              <a:lnSpc>
+                <a:spcPct val="100000"/>
+              </a:lnSpc>
+              <a:spcBef>
+                <a:spcPct val="0"/>
+              </a:spcBef>
+              <a:spcAft>
+                <a:spcPct val="0"/>
+              </a:spcAft>
+              <a:buClrTx/>
+              <a:buSzTx/>
+              <a:buFontTx/>
+              <a:buNone/>
+              <a:tabLst/>
+            </a:pPr>
+            <a:r>
+              <a:rPr kumimoji="0" lang="uk-UA" altLang="uk-UA" sz="1400" b="0" i="0" u="none" strike="noStrike" cap="none" normalizeH="0" baseline="0" dirty="0">
+                <a:ln>
+                  <a:noFill/>
+                </a:ln>
+                <a:solidFill>
+                  <a:srgbClr val="2B2B2B"/>
+                </a:solidFill>
+                <a:effectLst/>
+                <a:latin typeface="Courier New" panose="02070309020205020404" pitchFamily="49" charset="0"/>
+                <a:cs typeface="Courier New" panose="02070309020205020404" pitchFamily="49" charset="0"/>
+              </a:rPr>
+              <a:t>a = -3; </a:t>
+            </a:r>
+          </a:p>
+          <a:p>
+            <a:pPr marL="0" marR="0" lvl="0" indent="0" algn="l" defTabSz="914400" rtl="0" eaLnBrk="0" fontAlgn="base" latinLnBrk="0" hangingPunct="0">
+              <a:lnSpc>
+                <a:spcPct val="100000"/>
+              </a:lnSpc>
+              <a:spcBef>
+                <a:spcPct val="0"/>
+              </a:spcBef>
+              <a:spcAft>
+                <a:spcPct val="0"/>
+              </a:spcAft>
+              <a:buClrTx/>
+              <a:buSzTx/>
+              <a:buFontTx/>
+              <a:buNone/>
+              <a:tabLst/>
+            </a:pPr>
+            <a:r>
+              <a:rPr kumimoji="0" lang="uk-UA" altLang="uk-UA" sz="1400" b="0" i="0" u="none" strike="noStrike" cap="none" normalizeH="0" baseline="0" dirty="0">
+                <a:ln>
+                  <a:noFill/>
+                </a:ln>
+                <a:solidFill>
+                  <a:srgbClr val="2B2B2B"/>
+                </a:solidFill>
+                <a:effectLst/>
+                <a:latin typeface="Courier New" panose="02070309020205020404" pitchFamily="49" charset="0"/>
+                <a:cs typeface="Courier New" panose="02070309020205020404" pitchFamily="49" charset="0"/>
+              </a:rPr>
+              <a:t>a -=5; </a:t>
+            </a:r>
+          </a:p>
+          <a:p>
+            <a:pPr marL="0" marR="0" lvl="0" indent="0" algn="l" defTabSz="914400" rtl="0" eaLnBrk="0" fontAlgn="base" latinLnBrk="0" hangingPunct="0">
+              <a:lnSpc>
+                <a:spcPct val="100000"/>
+              </a:lnSpc>
+              <a:spcBef>
+                <a:spcPct val="0"/>
+              </a:spcBef>
+              <a:spcAft>
+                <a:spcPct val="0"/>
+              </a:spcAft>
+              <a:buClrTx/>
+              <a:buSzTx/>
+              <a:buFontTx/>
+              <a:buNone/>
+              <a:tabLst/>
+            </a:pPr>
+            <a:r>
+              <a:rPr kumimoji="0" lang="uk-UA" altLang="uk-UA" sz="1400" b="0" i="0" u="none" strike="noStrike" cap="none" normalizeH="0" baseline="0" dirty="0">
+                <a:ln>
+                  <a:noFill/>
+                </a:ln>
+                <a:solidFill>
+                  <a:srgbClr val="008000"/>
+                </a:solidFill>
+                <a:effectLst/>
+                <a:latin typeface="inherit"/>
+                <a:cs typeface="Courier New" panose="02070309020205020404" pitchFamily="49" charset="0"/>
+              </a:rPr>
+              <a:t>// a = a - 5 = -3 - 5 = -8</a:t>
+            </a:r>
+            <a:r>
+              <a:rPr kumimoji="0" lang="uk-UA" altLang="uk-UA" sz="1400" b="0" i="0" u="none" strike="noStrike" cap="none" normalizeH="0" baseline="0" dirty="0">
+                <a:ln>
+                  <a:noFill/>
+                </a:ln>
+                <a:solidFill>
+                  <a:srgbClr val="2B2B2B"/>
+                </a:solidFill>
+                <a:effectLst/>
+                <a:latin typeface="Courier New" panose="02070309020205020404" pitchFamily="49" charset="0"/>
+                <a:cs typeface="Courier New" panose="02070309020205020404" pitchFamily="49" charset="0"/>
+              </a:rPr>
+              <a:t> </a:t>
+            </a:r>
+          </a:p>
+          <a:p>
+            <a:pPr marL="0" marR="0" lvl="0" indent="0" algn="l" defTabSz="914400" rtl="0" eaLnBrk="0" fontAlgn="base" latinLnBrk="0" hangingPunct="0">
+              <a:lnSpc>
+                <a:spcPct val="100000"/>
+              </a:lnSpc>
+              <a:spcBef>
+                <a:spcPct val="0"/>
+              </a:spcBef>
+              <a:spcAft>
+                <a:spcPct val="0"/>
+              </a:spcAft>
+              <a:buClrTx/>
+              <a:buSzTx/>
+              <a:buFontTx/>
+              <a:buNone/>
+              <a:tabLst/>
+            </a:pPr>
+            <a:r>
+              <a:rPr kumimoji="0" lang="uk-UA" altLang="uk-UA" sz="1400" b="0" i="0" u="none" strike="noStrike" cap="none" normalizeH="0" baseline="0" dirty="0">
+                <a:ln>
+                  <a:noFill/>
+                </a:ln>
+                <a:solidFill>
+                  <a:srgbClr val="2B2B2B"/>
+                </a:solidFill>
+                <a:effectLst/>
+                <a:latin typeface="Courier New" panose="02070309020205020404" pitchFamily="49" charset="0"/>
+                <a:cs typeface="Courier New" panose="02070309020205020404" pitchFamily="49" charset="0"/>
+              </a:rPr>
+              <a:t>a = 10; </a:t>
+            </a:r>
+          </a:p>
+          <a:p>
+            <a:pPr marL="0" marR="0" lvl="0" indent="0" algn="l" defTabSz="914400" rtl="0" eaLnBrk="0" fontAlgn="base" latinLnBrk="0" hangingPunct="0">
+              <a:lnSpc>
+                <a:spcPct val="100000"/>
+              </a:lnSpc>
+              <a:spcBef>
+                <a:spcPct val="0"/>
+              </a:spcBef>
+              <a:spcAft>
+                <a:spcPct val="0"/>
+              </a:spcAft>
+              <a:buClrTx/>
+              <a:buSzTx/>
+              <a:buFontTx/>
+              <a:buNone/>
+              <a:tabLst/>
+            </a:pPr>
+            <a:r>
+              <a:rPr kumimoji="0" lang="uk-UA" altLang="uk-UA" sz="1400" b="0" i="0" u="none" strike="noStrike" cap="none" normalizeH="0" baseline="0" dirty="0">
+                <a:ln>
+                  <a:noFill/>
+                </a:ln>
+                <a:solidFill>
+                  <a:srgbClr val="2B2B2B"/>
+                </a:solidFill>
+                <a:effectLst/>
+                <a:latin typeface="Courier New" panose="02070309020205020404" pitchFamily="49" charset="0"/>
+                <a:cs typeface="Courier New" panose="02070309020205020404" pitchFamily="49" charset="0"/>
+              </a:rPr>
+              <a:t>a *= 3; </a:t>
+            </a:r>
+          </a:p>
+          <a:p>
+            <a:pPr marL="0" marR="0" lvl="0" indent="0" algn="l" defTabSz="914400" rtl="0" eaLnBrk="0" fontAlgn="base" latinLnBrk="0" hangingPunct="0">
+              <a:lnSpc>
+                <a:spcPct val="100000"/>
+              </a:lnSpc>
+              <a:spcBef>
+                <a:spcPct val="0"/>
+              </a:spcBef>
+              <a:spcAft>
+                <a:spcPct val="0"/>
+              </a:spcAft>
+              <a:buClrTx/>
+              <a:buSzTx/>
+              <a:buFontTx/>
+              <a:buNone/>
+              <a:tabLst/>
+            </a:pPr>
+            <a:r>
+              <a:rPr kumimoji="0" lang="uk-UA" altLang="uk-UA" sz="1400" b="0" i="0" u="none" strike="noStrike" cap="none" normalizeH="0" baseline="0" dirty="0">
+                <a:ln>
+                  <a:noFill/>
+                </a:ln>
+                <a:solidFill>
+                  <a:srgbClr val="008000"/>
+                </a:solidFill>
+                <a:effectLst/>
+                <a:latin typeface="inherit"/>
+                <a:cs typeface="Courier New" panose="02070309020205020404" pitchFamily="49" charset="0"/>
+              </a:rPr>
+              <a:t>// a = 30</a:t>
+            </a:r>
+            <a:r>
+              <a:rPr kumimoji="0" lang="uk-UA" altLang="uk-UA" sz="1400" b="0" i="0" u="none" strike="noStrike" cap="none" normalizeH="0" baseline="0" dirty="0">
+                <a:ln>
+                  <a:noFill/>
+                </a:ln>
+                <a:solidFill>
+                  <a:srgbClr val="2B2B2B"/>
+                </a:solidFill>
+                <a:effectLst/>
+                <a:latin typeface="Courier New" panose="02070309020205020404" pitchFamily="49" charset="0"/>
+                <a:cs typeface="Courier New" panose="02070309020205020404" pitchFamily="49" charset="0"/>
+              </a:rPr>
+              <a:t> </a:t>
+            </a:r>
+          </a:p>
+          <a:p>
+            <a:pPr marL="0" marR="0" lvl="0" indent="0" algn="l" defTabSz="914400" rtl="0" eaLnBrk="0" fontAlgn="base" latinLnBrk="0" hangingPunct="0">
+              <a:lnSpc>
+                <a:spcPct val="100000"/>
+              </a:lnSpc>
+              <a:spcBef>
+                <a:spcPct val="0"/>
+              </a:spcBef>
+              <a:spcAft>
+                <a:spcPct val="0"/>
+              </a:spcAft>
+              <a:buClrTx/>
+              <a:buSzTx/>
+              <a:buFontTx/>
+              <a:buNone/>
+              <a:tabLst/>
+            </a:pPr>
+            <a:r>
+              <a:rPr kumimoji="0" lang="uk-UA" altLang="uk-UA" sz="1400" b="0" i="0" u="none" strike="noStrike" cap="none" normalizeH="0" baseline="0" dirty="0">
+                <a:ln>
+                  <a:noFill/>
+                </a:ln>
+                <a:solidFill>
+                  <a:srgbClr val="2B2B2B"/>
+                </a:solidFill>
+                <a:effectLst/>
+                <a:latin typeface="Courier New" panose="02070309020205020404" pitchFamily="49" charset="0"/>
+                <a:cs typeface="Courier New" panose="02070309020205020404" pitchFamily="49" charset="0"/>
+              </a:rPr>
+              <a:t>a = 20; </a:t>
+            </a:r>
+          </a:p>
+          <a:p>
+            <a:pPr marL="0" marR="0" lvl="0" indent="0" algn="l" defTabSz="914400" rtl="0" eaLnBrk="0" fontAlgn="base" latinLnBrk="0" hangingPunct="0">
+              <a:lnSpc>
+                <a:spcPct val="100000"/>
+              </a:lnSpc>
+              <a:spcBef>
+                <a:spcPct val="0"/>
+              </a:spcBef>
+              <a:spcAft>
+                <a:spcPct val="0"/>
+              </a:spcAft>
+              <a:buClrTx/>
+              <a:buSzTx/>
+              <a:buFontTx/>
+              <a:buNone/>
+              <a:tabLst/>
+            </a:pPr>
+            <a:r>
+              <a:rPr kumimoji="0" lang="uk-UA" altLang="uk-UA" sz="1400" b="0" i="0" u="none" strike="noStrike" cap="none" normalizeH="0" baseline="0" dirty="0">
+                <a:ln>
+                  <a:noFill/>
+                </a:ln>
+                <a:solidFill>
+                  <a:srgbClr val="2B2B2B"/>
+                </a:solidFill>
+                <a:effectLst/>
+                <a:latin typeface="Courier New" panose="02070309020205020404" pitchFamily="49" charset="0"/>
+                <a:cs typeface="Courier New" panose="02070309020205020404" pitchFamily="49" charset="0"/>
+              </a:rPr>
+              <a:t>a /= 5; </a:t>
+            </a:r>
+          </a:p>
+          <a:p>
+            <a:pPr marL="0" marR="0" lvl="0" indent="0" algn="l" defTabSz="914400" rtl="0" eaLnBrk="0" fontAlgn="base" latinLnBrk="0" hangingPunct="0">
+              <a:lnSpc>
+                <a:spcPct val="100000"/>
+              </a:lnSpc>
+              <a:spcBef>
+                <a:spcPct val="0"/>
+              </a:spcBef>
+              <a:spcAft>
+                <a:spcPct val="0"/>
+              </a:spcAft>
+              <a:buClrTx/>
+              <a:buSzTx/>
+              <a:buFontTx/>
+              <a:buNone/>
+              <a:tabLst/>
+            </a:pPr>
+            <a:r>
+              <a:rPr kumimoji="0" lang="uk-UA" altLang="uk-UA" sz="1400" b="0" i="0" u="none" strike="noStrike" cap="none" normalizeH="0" baseline="0" dirty="0">
+                <a:ln>
+                  <a:noFill/>
+                </a:ln>
+                <a:solidFill>
+                  <a:srgbClr val="008000"/>
+                </a:solidFill>
+                <a:effectLst/>
+                <a:latin typeface="inherit"/>
+                <a:cs typeface="Courier New" panose="02070309020205020404" pitchFamily="49" charset="0"/>
+              </a:rPr>
+              <a:t>// a = 4</a:t>
+            </a:r>
+            <a:r>
+              <a:rPr kumimoji="0" lang="uk-UA" altLang="uk-UA" sz="1400" b="0" i="0" u="none" strike="noStrike" cap="none" normalizeH="0" baseline="0" dirty="0">
+                <a:ln>
+                  <a:noFill/>
+                </a:ln>
+                <a:solidFill>
+                  <a:srgbClr val="2B2B2B"/>
+                </a:solidFill>
+                <a:effectLst/>
+                <a:latin typeface="Courier New" panose="02070309020205020404" pitchFamily="49" charset="0"/>
+                <a:cs typeface="Courier New" panose="02070309020205020404" pitchFamily="49" charset="0"/>
+              </a:rPr>
+              <a:t> </a:t>
+            </a:r>
+          </a:p>
+          <a:p>
+            <a:pPr marL="0" marR="0" lvl="0" indent="0" algn="l" defTabSz="914400" rtl="0" eaLnBrk="0" fontAlgn="base" latinLnBrk="0" hangingPunct="0">
+              <a:lnSpc>
+                <a:spcPct val="100000"/>
+              </a:lnSpc>
+              <a:spcBef>
+                <a:spcPct val="0"/>
+              </a:spcBef>
+              <a:spcAft>
+                <a:spcPct val="0"/>
+              </a:spcAft>
+              <a:buClrTx/>
+              <a:buSzTx/>
+              <a:buFontTx/>
+              <a:buNone/>
+              <a:tabLst/>
+            </a:pPr>
+            <a:r>
+              <a:rPr kumimoji="0" lang="uk-UA" altLang="uk-UA" sz="1400" b="0" i="0" u="none" strike="noStrike" cap="none" normalizeH="0" baseline="0" dirty="0">
+                <a:ln>
+                  <a:noFill/>
+                </a:ln>
+                <a:solidFill>
+                  <a:srgbClr val="2B2B2B"/>
+                </a:solidFill>
+                <a:effectLst/>
+                <a:latin typeface="Courier New" panose="02070309020205020404" pitchFamily="49" charset="0"/>
+                <a:cs typeface="Courier New" panose="02070309020205020404" pitchFamily="49" charset="0"/>
+              </a:rPr>
+              <a:t>a = 30; </a:t>
+            </a:r>
+          </a:p>
+          <a:p>
+            <a:pPr marL="0" marR="0" lvl="0" indent="0" algn="l" defTabSz="914400" rtl="0" eaLnBrk="0" fontAlgn="base" latinLnBrk="0" hangingPunct="0">
+              <a:lnSpc>
+                <a:spcPct val="100000"/>
+              </a:lnSpc>
+              <a:spcBef>
+                <a:spcPct val="0"/>
+              </a:spcBef>
+              <a:spcAft>
+                <a:spcPct val="0"/>
+              </a:spcAft>
+              <a:buClrTx/>
+              <a:buSzTx/>
+              <a:buFontTx/>
+              <a:buNone/>
+              <a:tabLst/>
+            </a:pPr>
+            <a:r>
+              <a:rPr kumimoji="0" lang="uk-UA" altLang="uk-UA" sz="1400" b="0" i="0" u="none" strike="noStrike" cap="none" normalizeH="0" baseline="0" dirty="0">
+                <a:ln>
+                  <a:noFill/>
+                </a:ln>
+                <a:solidFill>
+                  <a:srgbClr val="2B2B2B"/>
+                </a:solidFill>
+                <a:effectLst/>
+                <a:latin typeface="Courier New" panose="02070309020205020404" pitchFamily="49" charset="0"/>
+                <a:cs typeface="Courier New" panose="02070309020205020404" pitchFamily="49" charset="0"/>
+              </a:rPr>
+              <a:t>a %= 7; // a = 30 % 7 = 2 </a:t>
+            </a:r>
+          </a:p>
+          <a:p>
+            <a:pPr marL="0" marR="0" lvl="0" indent="0" algn="l" defTabSz="914400" rtl="0" eaLnBrk="0" fontAlgn="base" latinLnBrk="0" hangingPunct="0">
+              <a:lnSpc>
+                <a:spcPct val="100000"/>
+              </a:lnSpc>
+              <a:spcBef>
+                <a:spcPct val="0"/>
+              </a:spcBef>
+              <a:spcAft>
+                <a:spcPct val="0"/>
+              </a:spcAft>
+              <a:buClrTx/>
+              <a:buSzTx/>
+              <a:buFontTx/>
+              <a:buNone/>
+              <a:tabLst/>
+            </a:pPr>
+            <a:r>
+              <a:rPr kumimoji="0" lang="uk-UA" altLang="uk-UA" sz="1400" b="0" i="0" u="none" strike="noStrike" cap="none" normalizeH="0" baseline="0" dirty="0">
+                <a:ln>
+                  <a:noFill/>
+                </a:ln>
+                <a:solidFill>
+                  <a:srgbClr val="008000"/>
+                </a:solidFill>
+                <a:effectLst/>
+                <a:latin typeface="inherit"/>
+                <a:cs typeface="Courier New" panose="02070309020205020404" pitchFamily="49" charset="0"/>
+              </a:rPr>
+              <a:t>// дійсні типи</a:t>
+            </a:r>
+            <a:r>
+              <a:rPr kumimoji="0" lang="uk-UA" altLang="uk-UA" sz="1400" b="0" i="0" u="none" strike="noStrike" cap="none" normalizeH="0" baseline="0" dirty="0">
+                <a:ln>
+                  <a:noFill/>
+                </a:ln>
+                <a:solidFill>
+                  <a:srgbClr val="2B2B2B"/>
+                </a:solidFill>
+                <a:effectLst/>
+                <a:latin typeface="Courier New" panose="02070309020205020404" pitchFamily="49" charset="0"/>
+                <a:cs typeface="Courier New" panose="02070309020205020404" pitchFamily="49" charset="0"/>
+              </a:rPr>
+              <a:t> </a:t>
+            </a:r>
+          </a:p>
+          <a:p>
+            <a:pPr marL="0" marR="0" lvl="0" indent="0" algn="l" defTabSz="914400" rtl="0" eaLnBrk="0" fontAlgn="base" latinLnBrk="0" hangingPunct="0">
+              <a:lnSpc>
+                <a:spcPct val="100000"/>
+              </a:lnSpc>
+              <a:spcBef>
+                <a:spcPct val="0"/>
+              </a:spcBef>
+              <a:spcAft>
+                <a:spcPct val="0"/>
+              </a:spcAft>
+              <a:buClrTx/>
+              <a:buSzTx/>
+              <a:buFontTx/>
+              <a:buNone/>
+              <a:tabLst/>
+            </a:pPr>
+            <a:r>
+              <a:rPr kumimoji="0" lang="uk-UA" altLang="uk-UA" sz="1400" b="1" i="0" u="none" strike="noStrike" cap="none" normalizeH="0" baseline="0" dirty="0" err="1">
+                <a:ln>
+                  <a:noFill/>
+                </a:ln>
+                <a:solidFill>
+                  <a:srgbClr val="993366"/>
+                </a:solidFill>
+                <a:effectLst/>
+                <a:latin typeface="inherit"/>
+                <a:cs typeface="Courier New" panose="02070309020205020404" pitchFamily="49" charset="0"/>
+              </a:rPr>
+              <a:t>float</a:t>
+            </a:r>
+            <a:r>
+              <a:rPr kumimoji="0" lang="uk-UA" altLang="uk-UA" sz="1400" b="0" i="0" u="none" strike="noStrike" cap="none" normalizeH="0" baseline="0" dirty="0">
+                <a:ln>
+                  <a:noFill/>
+                </a:ln>
+                <a:solidFill>
+                  <a:srgbClr val="993366"/>
+                </a:solidFill>
+                <a:effectLst/>
+                <a:latin typeface="inherit"/>
+                <a:cs typeface="Courier New" panose="02070309020205020404" pitchFamily="49" charset="0"/>
+              </a:rPr>
+              <a:t> </a:t>
+            </a:r>
+            <a:r>
+              <a:rPr kumimoji="0" lang="uk-UA" altLang="uk-UA" sz="1400" b="0" i="0" u="none" strike="noStrike" cap="none" normalizeH="0" baseline="0" dirty="0">
+                <a:ln>
+                  <a:noFill/>
+                </a:ln>
+                <a:solidFill>
+                  <a:srgbClr val="2B2B2B"/>
+                </a:solidFill>
+                <a:effectLst/>
+                <a:latin typeface="Courier New" panose="02070309020205020404" pitchFamily="49" charset="0"/>
+                <a:cs typeface="Courier New" panose="02070309020205020404" pitchFamily="49" charset="0"/>
+              </a:rPr>
+              <a:t>f; </a:t>
+            </a:r>
+          </a:p>
+          <a:p>
+            <a:pPr marL="0" marR="0" lvl="0" indent="0" algn="l" defTabSz="914400" rtl="0" eaLnBrk="0" fontAlgn="base" latinLnBrk="0" hangingPunct="0">
+              <a:lnSpc>
+                <a:spcPct val="100000"/>
+              </a:lnSpc>
+              <a:spcBef>
+                <a:spcPct val="0"/>
+              </a:spcBef>
+              <a:spcAft>
+                <a:spcPct val="0"/>
+              </a:spcAft>
+              <a:buClrTx/>
+              <a:buSzTx/>
+              <a:buFontTx/>
+              <a:buNone/>
+              <a:tabLst/>
+            </a:pPr>
+            <a:r>
+              <a:rPr kumimoji="0" lang="uk-UA" altLang="uk-UA" sz="1400" b="0" i="0" u="none" strike="noStrike" cap="none" normalizeH="0" baseline="0" dirty="0">
+                <a:ln>
+                  <a:noFill/>
+                </a:ln>
+                <a:solidFill>
+                  <a:srgbClr val="2B2B2B"/>
+                </a:solidFill>
+                <a:effectLst/>
+                <a:latin typeface="Courier New" panose="02070309020205020404" pitchFamily="49" charset="0"/>
+                <a:cs typeface="Courier New" panose="02070309020205020404" pitchFamily="49" charset="0"/>
+              </a:rPr>
+              <a:t>f = 3.5f; </a:t>
+            </a:r>
+          </a:p>
+          <a:p>
+            <a:pPr marL="0" marR="0" lvl="0" indent="0" algn="l" defTabSz="914400" rtl="0" eaLnBrk="0" fontAlgn="base" latinLnBrk="0" hangingPunct="0">
+              <a:lnSpc>
+                <a:spcPct val="100000"/>
+              </a:lnSpc>
+              <a:spcBef>
+                <a:spcPct val="0"/>
+              </a:spcBef>
+              <a:spcAft>
+                <a:spcPct val="0"/>
+              </a:spcAft>
+              <a:buClrTx/>
+              <a:buSzTx/>
+              <a:buFontTx/>
+              <a:buNone/>
+              <a:tabLst/>
+            </a:pPr>
+            <a:r>
+              <a:rPr kumimoji="0" lang="uk-UA" altLang="uk-UA" sz="1400" b="0" i="0" u="none" strike="noStrike" cap="none" normalizeH="0" baseline="0" dirty="0">
+                <a:ln>
+                  <a:noFill/>
+                </a:ln>
+                <a:solidFill>
+                  <a:srgbClr val="2B2B2B"/>
+                </a:solidFill>
+                <a:effectLst/>
+                <a:latin typeface="Courier New" panose="02070309020205020404" pitchFamily="49" charset="0"/>
+                <a:cs typeface="Courier New" panose="02070309020205020404" pitchFamily="49" charset="0"/>
+              </a:rPr>
+              <a:t>f += 2*f; </a:t>
+            </a:r>
+          </a:p>
+          <a:p>
+            <a:pPr marL="0" marR="0" lvl="0" indent="0" algn="l" defTabSz="914400" rtl="0" eaLnBrk="0" fontAlgn="base" latinLnBrk="0" hangingPunct="0">
+              <a:lnSpc>
+                <a:spcPct val="100000"/>
+              </a:lnSpc>
+              <a:spcBef>
+                <a:spcPct val="0"/>
+              </a:spcBef>
+              <a:spcAft>
+                <a:spcPct val="0"/>
+              </a:spcAft>
+              <a:buClrTx/>
+              <a:buSzTx/>
+              <a:buFontTx/>
+              <a:buNone/>
+              <a:tabLst/>
+            </a:pPr>
+            <a:r>
+              <a:rPr kumimoji="0" lang="uk-UA" altLang="uk-UA" sz="1400" b="0" i="0" u="none" strike="noStrike" cap="none" normalizeH="0" baseline="0" dirty="0">
+                <a:ln>
+                  <a:noFill/>
+                </a:ln>
+                <a:solidFill>
+                  <a:srgbClr val="008000"/>
+                </a:solidFill>
+                <a:effectLst/>
+                <a:latin typeface="inherit"/>
+                <a:cs typeface="Courier New" panose="02070309020205020404" pitchFamily="49" charset="0"/>
+              </a:rPr>
+              <a:t>// f = f + 2*3.5 = 10.5</a:t>
+            </a:r>
+            <a:r>
+              <a:rPr kumimoji="0" lang="uk-UA" altLang="uk-UA" sz="1400" b="0" i="0" u="none" strike="noStrike" cap="none" normalizeH="0" baseline="0" dirty="0">
+                <a:ln>
+                  <a:noFill/>
+                </a:ln>
+                <a:solidFill>
+                  <a:srgbClr val="2B2B2B"/>
+                </a:solidFill>
+                <a:effectLst/>
+                <a:latin typeface="Courier New" panose="02070309020205020404" pitchFamily="49" charset="0"/>
+                <a:cs typeface="Courier New" panose="02070309020205020404" pitchFamily="49" charset="0"/>
+              </a:rPr>
+              <a:t> </a:t>
+            </a:r>
+          </a:p>
+          <a:p>
+            <a:pPr marL="0" marR="0" lvl="0" indent="0" algn="l" defTabSz="914400" rtl="0" eaLnBrk="0" fontAlgn="base" latinLnBrk="0" hangingPunct="0">
+              <a:lnSpc>
+                <a:spcPct val="100000"/>
+              </a:lnSpc>
+              <a:spcBef>
+                <a:spcPct val="0"/>
+              </a:spcBef>
+              <a:spcAft>
+                <a:spcPct val="0"/>
+              </a:spcAft>
+              <a:buClrTx/>
+              <a:buSzTx/>
+              <a:buFontTx/>
+              <a:buNone/>
+              <a:tabLst/>
+            </a:pPr>
+            <a:r>
+              <a:rPr kumimoji="0" lang="uk-UA" altLang="uk-UA" sz="1400" b="0" i="0" u="none" strike="noStrike" cap="none" normalizeH="0" baseline="0" dirty="0">
+                <a:ln>
+                  <a:noFill/>
+                </a:ln>
+                <a:solidFill>
+                  <a:srgbClr val="2B2B2B"/>
+                </a:solidFill>
+                <a:effectLst/>
+                <a:latin typeface="Courier New" panose="02070309020205020404" pitchFamily="49" charset="0"/>
+                <a:cs typeface="Courier New" panose="02070309020205020404" pitchFamily="49" charset="0"/>
+              </a:rPr>
+              <a:t>f = -8.0f; </a:t>
+            </a:r>
+          </a:p>
+          <a:p>
+            <a:pPr marL="0" marR="0" lvl="0" indent="0" algn="l" defTabSz="914400" rtl="0" eaLnBrk="0" fontAlgn="base" latinLnBrk="0" hangingPunct="0">
+              <a:lnSpc>
+                <a:spcPct val="100000"/>
+              </a:lnSpc>
+              <a:spcBef>
+                <a:spcPct val="0"/>
+              </a:spcBef>
+              <a:spcAft>
+                <a:spcPct val="0"/>
+              </a:spcAft>
+              <a:buClrTx/>
+              <a:buSzTx/>
+              <a:buFontTx/>
+              <a:buNone/>
+              <a:tabLst/>
+            </a:pPr>
+            <a:r>
+              <a:rPr kumimoji="0" lang="uk-UA" altLang="uk-UA" sz="1400" b="0" i="0" u="none" strike="noStrike" cap="none" normalizeH="0" baseline="0" dirty="0">
+                <a:ln>
+                  <a:noFill/>
+                </a:ln>
+                <a:solidFill>
+                  <a:srgbClr val="2B2B2B"/>
+                </a:solidFill>
+                <a:effectLst/>
+                <a:latin typeface="Courier New" panose="02070309020205020404" pitchFamily="49" charset="0"/>
+                <a:cs typeface="Courier New" panose="02070309020205020404" pitchFamily="49" charset="0"/>
+              </a:rPr>
+              <a:t>f -= f; </a:t>
+            </a:r>
+          </a:p>
+          <a:p>
+            <a:pPr marL="0" marR="0" lvl="0" indent="0" algn="l" defTabSz="914400" rtl="0" eaLnBrk="0" fontAlgn="base" latinLnBrk="0" hangingPunct="0">
+              <a:lnSpc>
+                <a:spcPct val="100000"/>
+              </a:lnSpc>
+              <a:spcBef>
+                <a:spcPct val="0"/>
+              </a:spcBef>
+              <a:spcAft>
+                <a:spcPct val="0"/>
+              </a:spcAft>
+              <a:buClrTx/>
+              <a:buSzTx/>
+              <a:buFontTx/>
+              <a:buNone/>
+              <a:tabLst/>
+            </a:pPr>
+            <a:r>
+              <a:rPr kumimoji="0" lang="uk-UA" altLang="uk-UA" sz="1400" b="0" i="0" u="none" strike="noStrike" cap="none" normalizeH="0" baseline="0" dirty="0">
+                <a:ln>
+                  <a:noFill/>
+                </a:ln>
+                <a:solidFill>
+                  <a:srgbClr val="008000"/>
+                </a:solidFill>
+                <a:effectLst/>
+                <a:latin typeface="inherit"/>
+                <a:cs typeface="Courier New" panose="02070309020205020404" pitchFamily="49" charset="0"/>
+              </a:rPr>
+              <a:t>// f = f - f = 0.0</a:t>
+            </a:r>
+            <a:r>
+              <a:rPr kumimoji="0" lang="uk-UA" altLang="uk-UA" sz="1400" b="0" i="0" u="none" strike="noStrike" cap="none" normalizeH="0" baseline="0" dirty="0">
+                <a:ln>
+                  <a:noFill/>
+                </a:ln>
+                <a:solidFill>
+                  <a:srgbClr val="2B2B2B"/>
+                </a:solidFill>
+                <a:effectLst/>
+                <a:latin typeface="Courier New" panose="02070309020205020404" pitchFamily="49" charset="0"/>
+                <a:cs typeface="Courier New" panose="02070309020205020404" pitchFamily="49" charset="0"/>
+              </a:rPr>
+              <a:t> </a:t>
+            </a:r>
+          </a:p>
+          <a:p>
+            <a:pPr marL="0" marR="0" lvl="0" indent="0" algn="l" defTabSz="914400" rtl="0" eaLnBrk="0" fontAlgn="base" latinLnBrk="0" hangingPunct="0">
+              <a:lnSpc>
+                <a:spcPct val="100000"/>
+              </a:lnSpc>
+              <a:spcBef>
+                <a:spcPct val="0"/>
+              </a:spcBef>
+              <a:spcAft>
+                <a:spcPct val="0"/>
+              </a:spcAft>
+              <a:buClrTx/>
+              <a:buSzTx/>
+              <a:buFontTx/>
+              <a:buNone/>
+              <a:tabLst/>
+            </a:pPr>
+            <a:r>
+              <a:rPr kumimoji="0" lang="uk-UA" altLang="uk-UA" sz="1400" b="0" i="0" u="none" strike="noStrike" cap="none" normalizeH="0" baseline="0" dirty="0">
+                <a:ln>
+                  <a:noFill/>
+                </a:ln>
+                <a:solidFill>
+                  <a:srgbClr val="2B2B2B"/>
+                </a:solidFill>
+                <a:effectLst/>
+                <a:latin typeface="Courier New" panose="02070309020205020404" pitchFamily="49" charset="0"/>
+                <a:cs typeface="Courier New" panose="02070309020205020404" pitchFamily="49" charset="0"/>
+              </a:rPr>
+              <a:t>f = 6.5f; </a:t>
+            </a:r>
+          </a:p>
+          <a:p>
+            <a:pPr marL="0" marR="0" lvl="0" indent="0" algn="l" defTabSz="914400" rtl="0" eaLnBrk="0" fontAlgn="base" latinLnBrk="0" hangingPunct="0">
+              <a:lnSpc>
+                <a:spcPct val="100000"/>
+              </a:lnSpc>
+              <a:spcBef>
+                <a:spcPct val="0"/>
+              </a:spcBef>
+              <a:spcAft>
+                <a:spcPct val="0"/>
+              </a:spcAft>
+              <a:buClrTx/>
+              <a:buSzTx/>
+              <a:buFontTx/>
+              <a:buNone/>
+              <a:tabLst/>
+            </a:pPr>
+            <a:r>
+              <a:rPr kumimoji="0" lang="uk-UA" altLang="uk-UA" sz="1400" b="0" i="0" u="none" strike="noStrike" cap="none" normalizeH="0" baseline="0" dirty="0">
+                <a:ln>
+                  <a:noFill/>
+                </a:ln>
+                <a:solidFill>
+                  <a:srgbClr val="2B2B2B"/>
+                </a:solidFill>
+                <a:effectLst/>
+                <a:latin typeface="Courier New" panose="02070309020205020404" pitchFamily="49" charset="0"/>
+                <a:cs typeface="Courier New" panose="02070309020205020404" pitchFamily="49" charset="0"/>
+              </a:rPr>
+              <a:t>f %= 2;</a:t>
+            </a:r>
+          </a:p>
+          <a:p>
+            <a:pPr marL="0" marR="0" lvl="0" indent="0" algn="l" defTabSz="914400" rtl="0" eaLnBrk="0" fontAlgn="base" latinLnBrk="0" hangingPunct="0">
+              <a:lnSpc>
+                <a:spcPct val="100000"/>
+              </a:lnSpc>
+              <a:spcBef>
+                <a:spcPct val="0"/>
+              </a:spcBef>
+              <a:spcAft>
+                <a:spcPct val="0"/>
+              </a:spcAft>
+              <a:buClrTx/>
+              <a:buSzTx/>
+              <a:buFontTx/>
+              <a:buNone/>
+              <a:tabLst/>
+            </a:pPr>
+            <a:r>
+              <a:rPr kumimoji="0" lang="uk-UA" altLang="uk-UA" sz="1400" b="0" i="0" u="none" strike="noStrike" cap="none" normalizeH="0" baseline="0" dirty="0">
+                <a:ln>
+                  <a:noFill/>
+                </a:ln>
+                <a:solidFill>
+                  <a:srgbClr val="008000"/>
+                </a:solidFill>
+                <a:effectLst/>
+                <a:latin typeface="inherit"/>
+                <a:cs typeface="Courier New" panose="02070309020205020404" pitchFamily="49" charset="0"/>
+              </a:rPr>
+              <a:t>// f = 0.5</a:t>
+            </a:r>
+            <a:r>
+              <a:rPr kumimoji="0" lang="uk-UA" altLang="uk-UA" sz="1000" b="0" i="0" u="none" strike="noStrike" cap="none" normalizeH="0" baseline="0" dirty="0">
+                <a:ln>
+                  <a:noFill/>
+                </a:ln>
+                <a:solidFill>
+                  <a:schemeClr val="tx1"/>
+                </a:solidFill>
+                <a:effectLst/>
+              </a:rPr>
+              <a:t> </a:t>
+            </a:r>
+            <a:endParaRPr kumimoji="0" lang="uk-UA" altLang="uk-UA" sz="2400" b="0" i="0" u="none" strike="noStrike" cap="none" normalizeH="0" baseline="0" dirty="0">
+              <a:ln>
+                <a:noFill/>
+              </a:ln>
+              <a:solidFill>
+                <a:schemeClr val="tx1"/>
+              </a:solidFill>
+              <a:effectLst/>
+              <a:latin typeface="Arial" panose="020B0604020202020204" pitchFamily="34" charset="0"/>
+            </a:endParaRPr>
+          </a:p>
+        </p:txBody>
+      </p:sp>
+      <p:sp>
+        <p:nvSpPr>
+          <p:cNvPr id="8" name="TextBox 7">
+            <a:extLst>
+              <a:ext uri="{FF2B5EF4-FFF2-40B4-BE49-F238E27FC236}">
+                <a16:creationId xmlns:a16="http://schemas.microsoft.com/office/drawing/2014/main" id="{865D9E07-06F8-4B0D-BBEA-6FA441240D26}"/>
+              </a:ext>
+            </a:extLst>
+          </p:cNvPr>
+          <p:cNvSpPr txBox="1"/>
+          <p:nvPr/>
+        </p:nvSpPr>
+        <p:spPr>
+          <a:xfrm>
+            <a:off x="483609" y="444027"/>
+            <a:ext cx="1458313" cy="369332"/>
+          </a:xfrm>
+          <a:prstGeom prst="rect">
+            <a:avLst/>
+          </a:prstGeom>
+          <a:noFill/>
+        </p:spPr>
+        <p:txBody>
+          <a:bodyPr wrap="square" rtlCol="0">
+            <a:spAutoFit/>
+          </a:bodyPr>
+          <a:lstStyle/>
+          <a:p>
+            <a:pPr algn="ctr"/>
+            <a:r>
+              <a:rPr lang="uk-UA" dirty="0">
+                <a:latin typeface="Times New Roman" panose="02020603050405020304" pitchFamily="18" charset="0"/>
+                <a:cs typeface="Times New Roman" panose="02020603050405020304" pitchFamily="18" charset="0"/>
+              </a:rPr>
+              <a:t>Лістинг 5</a:t>
+            </a:r>
+          </a:p>
+        </p:txBody>
+      </p:sp>
+    </p:spTree>
+    <p:extLst>
+      <p:ext uri="{BB962C8B-B14F-4D97-AF65-F5344CB8AC3E}">
+        <p14:creationId xmlns:p14="http://schemas.microsoft.com/office/powerpoint/2010/main" val="1955551191"/>
+      </p:ext>
+    </p:extLst>
+  </p:cSld>
+  <p:clrMapOvr>
+    <a:masterClrMapping/>
+  </p:clrMapOvr>
+</p:sld>
+</file>
+
+<file path=ppt/slides/slide6.xml><?xml version="1.0" encoding="utf-8"?>
+<p:sld xmlns:a="http://schemas.openxmlformats.org/drawingml/2006/main" xmlns:r="http://schemas.openxmlformats.org/officeDocument/2006/relationships" xmlns:p="http://schemas.openxmlformats.org/presentationml/2006/main">
+  <p:cSld>
+    <p:spTree>
+      <p:nvGrpSpPr>
+        <p:cNvPr id="1" name=""/>
+        <p:cNvGrpSpPr/>
+        <p:nvPr/>
+      </p:nvGrpSpPr>
+      <p:grpSpPr>
+        <a:xfrm>
+          <a:off x="0" y="0"/>
+          <a:ext cx="0" cy="0"/>
+          <a:chOff x="0" y="0"/>
+          <a:chExt cx="0" cy="0"/>
+        </a:xfrm>
+      </p:grpSpPr>
+      <p:sp>
+        <p:nvSpPr>
           <p:cNvPr id="3" name="TextBox 2">
             <a:extLst>
               <a:ext uri="{FF2B5EF4-FFF2-40B4-BE49-F238E27FC236}">
@@ -16765,7 +18797,7 @@
 </p:sld>
 </file>
 
-<file path=ppt/slides/slide6.xml><?xml version="1.0" encoding="utf-8"?>
+<file path=ppt/slides/slide7.xml><?xml version="1.0" encoding="utf-8"?>
 <p:sld xmlns:a="http://schemas.openxmlformats.org/drawingml/2006/main" xmlns:r="http://schemas.openxmlformats.org/officeDocument/2006/relationships" xmlns:p="http://schemas.openxmlformats.org/presentationml/2006/main">
   <p:cSld>
     <p:spTree>
@@ -18583,2020 +20615,6 @@
     <p:extLst>
       <p:ext uri="{BB962C8B-B14F-4D97-AF65-F5344CB8AC3E}">
         <p14:creationId xmlns:p14="http://schemas.microsoft.com/office/powerpoint/2010/main" val="2087847203"/>
-      </p:ext>
-    </p:extLst>
-  </p:cSld>
-  <p:clrMapOvr>
-    <a:masterClrMapping/>
-  </p:clrMapOvr>
-</p:sld>
-</file>
-
-<file path=ppt/slides/slide7.xml><?xml version="1.0" encoding="utf-8"?>
-<p:sld xmlns:a="http://schemas.openxmlformats.org/drawingml/2006/main" xmlns:r="http://schemas.openxmlformats.org/officeDocument/2006/relationships" xmlns:p="http://schemas.openxmlformats.org/presentationml/2006/main">
-  <p:cSld>
-    <p:spTree>
-      <p:nvGrpSpPr>
-        <p:cNvPr id="1" name=""/>
-        <p:cNvGrpSpPr/>
-        <p:nvPr/>
-      </p:nvGrpSpPr>
-      <p:grpSpPr>
-        <a:xfrm>
-          <a:off x="0" y="0"/>
-          <a:ext cx="0" cy="0"/>
-          <a:chOff x="0" y="0"/>
-          <a:chExt cx="0" cy="0"/>
-        </a:xfrm>
-      </p:grpSpPr>
-      <p:sp>
-        <p:nvSpPr>
-          <p:cNvPr id="4" name="TextBox 3">
-            <a:extLst>
-              <a:ext uri="{FF2B5EF4-FFF2-40B4-BE49-F238E27FC236}">
-                <a16:creationId xmlns:a16="http://schemas.microsoft.com/office/drawing/2014/main" id="{44660E40-297F-439B-AF6D-BC6E130E69D0}"/>
-              </a:ext>
-            </a:extLst>
-          </p:cNvPr>
-          <p:cNvSpPr txBox="1"/>
-          <p:nvPr/>
-        </p:nvSpPr>
-        <p:spPr>
-          <a:xfrm>
-            <a:off x="3048786" y="167028"/>
-            <a:ext cx="6094428" cy="646331"/>
-          </a:xfrm>
-          <a:prstGeom prst="rect">
-            <a:avLst/>
-          </a:prstGeom>
-          <a:noFill/>
-        </p:spPr>
-        <p:txBody>
-          <a:bodyPr wrap="square">
-            <a:spAutoFit/>
-          </a:bodyPr>
-          <a:lstStyle/>
-          <a:p>
-            <a:pPr algn="l" fontAlgn="base"/>
-            <a:r>
-              <a:rPr lang="ru-RU" b="1" i="0" dirty="0" err="1">
-                <a:solidFill>
-                  <a:srgbClr val="2B2B2B"/>
-                </a:solidFill>
-                <a:effectLst/>
-                <a:latin typeface="Times New Roman" panose="02020603050405020304" pitchFamily="18" charset="0"/>
-                <a:cs typeface="Times New Roman" panose="02020603050405020304" pitchFamily="18" charset="0"/>
-              </a:rPr>
-              <a:t>Приклади</a:t>
-            </a:r>
-            <a:r>
-              <a:rPr lang="ru-RU" b="1" i="0" dirty="0">
-                <a:solidFill>
-                  <a:srgbClr val="2B2B2B"/>
-                </a:solidFill>
-                <a:effectLst/>
-                <a:latin typeface="Times New Roman" panose="02020603050405020304" pitchFamily="18" charset="0"/>
-                <a:cs typeface="Times New Roman" panose="02020603050405020304" pitchFamily="18" charset="0"/>
-              </a:rPr>
-              <a:t> </a:t>
-            </a:r>
-            <a:r>
-              <a:rPr lang="ru-RU" b="1" i="0" dirty="0" err="1">
-                <a:solidFill>
-                  <a:srgbClr val="2B2B2B"/>
-                </a:solidFill>
-                <a:effectLst/>
-                <a:latin typeface="Times New Roman" panose="02020603050405020304" pitchFamily="18" charset="0"/>
-                <a:cs typeface="Times New Roman" panose="02020603050405020304" pitchFamily="18" charset="0"/>
-              </a:rPr>
-              <a:t>застосування</a:t>
-            </a:r>
-            <a:r>
-              <a:rPr lang="ru-RU" b="1" i="0" dirty="0">
-                <a:solidFill>
-                  <a:srgbClr val="2B2B2B"/>
-                </a:solidFill>
-                <a:effectLst/>
-                <a:latin typeface="Times New Roman" panose="02020603050405020304" pitchFamily="18" charset="0"/>
-                <a:cs typeface="Times New Roman" panose="02020603050405020304" pitchFamily="18" charset="0"/>
-              </a:rPr>
-              <a:t> </a:t>
-            </a:r>
-            <a:r>
-              <a:rPr lang="ru-RU" b="1" i="0" dirty="0" err="1">
-                <a:solidFill>
-                  <a:srgbClr val="2B2B2B"/>
-                </a:solidFill>
-                <a:effectLst/>
-                <a:latin typeface="Times New Roman" panose="02020603050405020304" pitchFamily="18" charset="0"/>
-                <a:cs typeface="Times New Roman" panose="02020603050405020304" pitchFamily="18" charset="0"/>
-              </a:rPr>
-              <a:t>складених</a:t>
-            </a:r>
-            <a:r>
-              <a:rPr lang="ru-RU" b="1" i="0" dirty="0">
-                <a:solidFill>
-                  <a:srgbClr val="2B2B2B"/>
-                </a:solidFill>
-                <a:effectLst/>
-                <a:latin typeface="Times New Roman" panose="02020603050405020304" pitchFamily="18" charset="0"/>
-                <a:cs typeface="Times New Roman" panose="02020603050405020304" pitchFamily="18" charset="0"/>
-              </a:rPr>
-              <a:t> </a:t>
-            </a:r>
-            <a:r>
-              <a:rPr lang="ru-RU" b="1" i="0" dirty="0" err="1">
-                <a:solidFill>
-                  <a:srgbClr val="2B2B2B"/>
-                </a:solidFill>
-                <a:effectLst/>
-                <a:latin typeface="Times New Roman" panose="02020603050405020304" pitchFamily="18" charset="0"/>
-                <a:cs typeface="Times New Roman" panose="02020603050405020304" pitchFamily="18" charset="0"/>
-              </a:rPr>
-              <a:t>арифметичних</a:t>
-            </a:r>
-            <a:r>
-              <a:rPr lang="ru-RU" b="1" i="0" dirty="0">
-                <a:solidFill>
-                  <a:srgbClr val="2B2B2B"/>
-                </a:solidFill>
-                <a:effectLst/>
-                <a:latin typeface="Times New Roman" panose="02020603050405020304" pitchFamily="18" charset="0"/>
-                <a:cs typeface="Times New Roman" panose="02020603050405020304" pitchFamily="18" charset="0"/>
-              </a:rPr>
-              <a:t> </a:t>
-            </a:r>
-            <a:r>
-              <a:rPr lang="ru-RU" b="1" i="0" dirty="0" err="1">
-                <a:solidFill>
-                  <a:srgbClr val="2B2B2B"/>
-                </a:solidFill>
-                <a:effectLst/>
-                <a:latin typeface="Times New Roman" panose="02020603050405020304" pitchFamily="18" charset="0"/>
-                <a:cs typeface="Times New Roman" panose="02020603050405020304" pitchFamily="18" charset="0"/>
-              </a:rPr>
-              <a:t>операцій</a:t>
-            </a:r>
-            <a:r>
-              <a:rPr lang="ru-RU" b="1" i="0" dirty="0">
-                <a:solidFill>
-                  <a:srgbClr val="2B2B2B"/>
-                </a:solidFill>
-                <a:effectLst/>
-                <a:latin typeface="Times New Roman" panose="02020603050405020304" pitchFamily="18" charset="0"/>
-                <a:cs typeface="Times New Roman" panose="02020603050405020304" pitchFamily="18" charset="0"/>
-              </a:rPr>
-              <a:t> з </a:t>
-            </a:r>
-            <a:r>
-              <a:rPr lang="ru-RU" b="1" i="0" dirty="0" err="1">
-                <a:solidFill>
-                  <a:srgbClr val="2B2B2B"/>
-                </a:solidFill>
-                <a:effectLst/>
-                <a:latin typeface="Times New Roman" panose="02020603050405020304" pitchFamily="18" charset="0"/>
-                <a:cs typeface="Times New Roman" panose="02020603050405020304" pitchFamily="18" charset="0"/>
-              </a:rPr>
-              <a:t>присвоюванням</a:t>
-            </a:r>
-            <a:r>
-              <a:rPr lang="ru-RU" b="1" i="0" dirty="0">
-                <a:solidFill>
-                  <a:srgbClr val="2B2B2B"/>
-                </a:solidFill>
-                <a:effectLst/>
-                <a:latin typeface="Times New Roman" panose="02020603050405020304" pitchFamily="18" charset="0"/>
-                <a:cs typeface="Times New Roman" panose="02020603050405020304" pitchFamily="18" charset="0"/>
-              </a:rPr>
-              <a:t> </a:t>
-            </a:r>
-            <a:r>
-              <a:rPr lang="ru-RU" b="1" i="0" dirty="0">
-                <a:solidFill>
-                  <a:srgbClr val="0000FF"/>
-                </a:solidFill>
-                <a:effectLst/>
-                <a:latin typeface="inherit"/>
-              </a:rPr>
-              <a:t>+=</a:t>
-            </a:r>
-            <a:r>
-              <a:rPr lang="ru-RU" b="1" i="0" dirty="0">
-                <a:solidFill>
-                  <a:srgbClr val="2B2B2B"/>
-                </a:solidFill>
-                <a:effectLst/>
-                <a:latin typeface="Lato" panose="020F0502020204030203" pitchFamily="34" charset="0"/>
-              </a:rPr>
-              <a:t>, </a:t>
-            </a:r>
-            <a:r>
-              <a:rPr lang="ru-RU" b="1" i="0" dirty="0">
-                <a:solidFill>
-                  <a:srgbClr val="0000FF"/>
-                </a:solidFill>
-                <a:effectLst/>
-                <a:latin typeface="inherit"/>
-              </a:rPr>
-              <a:t>-=</a:t>
-            </a:r>
-            <a:r>
-              <a:rPr lang="ru-RU" b="1" i="0" dirty="0">
-                <a:solidFill>
-                  <a:srgbClr val="2B2B2B"/>
-                </a:solidFill>
-                <a:effectLst/>
-                <a:latin typeface="Lato" panose="020F0502020204030203" pitchFamily="34" charset="0"/>
-              </a:rPr>
-              <a:t>, </a:t>
-            </a:r>
-            <a:r>
-              <a:rPr lang="ru-RU" b="1" i="0" dirty="0">
-                <a:solidFill>
-                  <a:srgbClr val="0000FF"/>
-                </a:solidFill>
-                <a:effectLst/>
-                <a:latin typeface="inherit"/>
-              </a:rPr>
-              <a:t>*=</a:t>
-            </a:r>
-            <a:r>
-              <a:rPr lang="ru-RU" b="1" i="0" dirty="0">
-                <a:solidFill>
-                  <a:srgbClr val="2B2B2B"/>
-                </a:solidFill>
-                <a:effectLst/>
-                <a:latin typeface="Lato" panose="020F0502020204030203" pitchFamily="34" charset="0"/>
-              </a:rPr>
-              <a:t>, </a:t>
-            </a:r>
-            <a:r>
-              <a:rPr lang="ru-RU" b="1" i="0" dirty="0">
-                <a:solidFill>
-                  <a:srgbClr val="0000FF"/>
-                </a:solidFill>
-                <a:effectLst/>
-                <a:latin typeface="inherit"/>
-              </a:rPr>
-              <a:t>/=</a:t>
-            </a:r>
-            <a:r>
-              <a:rPr lang="ru-RU" b="1" i="0" dirty="0">
-                <a:solidFill>
-                  <a:srgbClr val="2B2B2B"/>
-                </a:solidFill>
-                <a:effectLst/>
-                <a:latin typeface="Lato" panose="020F0502020204030203" pitchFamily="34" charset="0"/>
-              </a:rPr>
-              <a:t>, </a:t>
-            </a:r>
-            <a:r>
-              <a:rPr lang="ru-RU" b="1" i="0" dirty="0">
-                <a:solidFill>
-                  <a:srgbClr val="0000FF"/>
-                </a:solidFill>
-                <a:effectLst/>
-                <a:latin typeface="inherit"/>
-              </a:rPr>
-              <a:t>%=</a:t>
-            </a:r>
-            <a:endParaRPr lang="ru-RU" b="1" i="0" dirty="0">
-              <a:solidFill>
-                <a:srgbClr val="2B2B2B"/>
-              </a:solidFill>
-              <a:effectLst/>
-              <a:latin typeface="Lato" panose="020F0502020204030203" pitchFamily="34" charset="0"/>
-            </a:endParaRPr>
-          </a:p>
-        </p:txBody>
-      </p:sp>
-      <p:sp>
-        <p:nvSpPr>
-          <p:cNvPr id="5" name="Rectangle 2">
-            <a:extLst>
-              <a:ext uri="{FF2B5EF4-FFF2-40B4-BE49-F238E27FC236}">
-                <a16:creationId xmlns:a16="http://schemas.microsoft.com/office/drawing/2014/main" id="{CAFA3626-A80C-4530-AF15-9F5153967F25}"/>
-              </a:ext>
-            </a:extLst>
-          </p:cNvPr>
-          <p:cNvSpPr>
-            <a:spLocks noChangeArrowheads="1"/>
-          </p:cNvSpPr>
-          <p:nvPr/>
-        </p:nvSpPr>
-        <p:spPr bwMode="auto">
-          <a:xfrm>
-            <a:off x="8267307" y="927272"/>
-            <a:ext cx="3415645" cy="5201424"/>
-          </a:xfrm>
-          <a:prstGeom prst="rect">
-            <a:avLst/>
-          </a:prstGeom>
-          <a:noFill/>
-          <a:ln>
-            <a:noFill/>
-          </a:ln>
-          <a:effectLst/>
-          <a:extLst>
-            <a:ext uri="{909E8E84-426E-40DD-AFC4-6F175D3DCCD1}">
-              <a14:hiddenFill xmlns:a14="http://schemas.microsoft.com/office/drawing/2010/main">
-                <a:solidFill>
-                  <a:schemeClr val="accent1"/>
-                </a:solidFill>
-              </a14:hiddenFill>
-            </a:ext>
-            <a:ext uri="{91240B29-F687-4F45-9708-019B960494DF}">
-              <a14:hiddenLine xmlns:a14="http://schemas.microsoft.com/office/drawing/2010/main" w="9525">
-                <a:solidFill>
-                  <a:schemeClr val="tx1"/>
-                </a:solidFill>
-                <a:miter lim="800000"/>
-                <a:headEnd/>
-                <a:tailEnd/>
-              </a14:hiddenLine>
-            </a:ext>
-            <a:ext uri="{AF507438-7753-43E0-B8FC-AC1667EBCBE1}">
-              <a14:hiddenEffects xmlns:a14="http://schemas.microsoft.com/office/drawing/2010/main">
-                <a:effectLst>
-                  <a:outerShdw dist="35921" dir="2700000" algn="ctr" rotWithShape="0">
-                    <a:schemeClr val="bg2"/>
-                  </a:outerShdw>
-                </a:effectLst>
-              </a14:hiddenEffects>
-            </a:ext>
-          </a:extLst>
-        </p:spPr>
-        <p:txBody>
-          <a:bodyPr vert="horz" wrap="square" lIns="0" tIns="0" rIns="0" bIns="0" numCol="1" anchor="ctr" anchorCtr="0" compatLnSpc="1">
-            <a:prstTxWarp prst="textNoShape">
-              <a:avLst/>
-            </a:prstTxWarp>
-            <a:spAutoFit/>
-          </a:bodyPr>
-          <a:lstStyle>
-            <a:lvl1pPr eaLnBrk="0" fontAlgn="base" hangingPunct="0">
-              <a:spcBef>
-                <a:spcPct val="0"/>
-              </a:spcBef>
-              <a:spcAft>
-                <a:spcPct val="0"/>
-              </a:spcAft>
-              <a:defRPr>
-                <a:solidFill>
-                  <a:schemeClr val="tx1"/>
-                </a:solidFill>
-                <a:latin typeface="Arial" panose="020B0604020202020204" pitchFamily="34" charset="0"/>
-              </a:defRPr>
-            </a:lvl1pPr>
-            <a:lvl2pPr eaLnBrk="0" fontAlgn="base" hangingPunct="0">
-              <a:spcBef>
-                <a:spcPct val="0"/>
-              </a:spcBef>
-              <a:spcAft>
-                <a:spcPct val="0"/>
-              </a:spcAft>
-              <a:defRPr>
-                <a:solidFill>
-                  <a:schemeClr val="tx1"/>
-                </a:solidFill>
-                <a:latin typeface="Arial" panose="020B0604020202020204" pitchFamily="34" charset="0"/>
-              </a:defRPr>
-            </a:lvl2pPr>
-            <a:lvl3pPr eaLnBrk="0" fontAlgn="base" hangingPunct="0">
-              <a:spcBef>
-                <a:spcPct val="0"/>
-              </a:spcBef>
-              <a:spcAft>
-                <a:spcPct val="0"/>
-              </a:spcAft>
-              <a:defRPr>
-                <a:solidFill>
-                  <a:schemeClr val="tx1"/>
-                </a:solidFill>
-                <a:latin typeface="Arial" panose="020B0604020202020204" pitchFamily="34" charset="0"/>
-              </a:defRPr>
-            </a:lvl3pPr>
-            <a:lvl4pPr eaLnBrk="0" fontAlgn="base" hangingPunct="0">
-              <a:spcBef>
-                <a:spcPct val="0"/>
-              </a:spcBef>
-              <a:spcAft>
-                <a:spcPct val="0"/>
-              </a:spcAft>
-              <a:defRPr>
-                <a:solidFill>
-                  <a:schemeClr val="tx1"/>
-                </a:solidFill>
-                <a:latin typeface="Arial" panose="020B0604020202020204" pitchFamily="34" charset="0"/>
-              </a:defRPr>
-            </a:lvl4pPr>
-            <a:lvl5pPr eaLnBrk="0" fontAlgn="base" hangingPunct="0">
-              <a:spcBef>
-                <a:spcPct val="0"/>
-              </a:spcBef>
-              <a:spcAft>
-                <a:spcPct val="0"/>
-              </a:spcAft>
-              <a:defRPr>
-                <a:solidFill>
-                  <a:schemeClr val="tx1"/>
-                </a:solidFill>
-                <a:latin typeface="Arial" panose="020B0604020202020204" pitchFamily="34" charset="0"/>
-              </a:defRPr>
-            </a:lvl5pPr>
-            <a:lvl6pPr eaLnBrk="0" fontAlgn="base" hangingPunct="0">
-              <a:spcBef>
-                <a:spcPct val="0"/>
-              </a:spcBef>
-              <a:spcAft>
-                <a:spcPct val="0"/>
-              </a:spcAft>
-              <a:defRPr>
-                <a:solidFill>
-                  <a:schemeClr val="tx1"/>
-                </a:solidFill>
-                <a:latin typeface="Arial" panose="020B0604020202020204" pitchFamily="34" charset="0"/>
-              </a:defRPr>
-            </a:lvl6pPr>
-            <a:lvl7pPr eaLnBrk="0" fontAlgn="base" hangingPunct="0">
-              <a:spcBef>
-                <a:spcPct val="0"/>
-              </a:spcBef>
-              <a:spcAft>
-                <a:spcPct val="0"/>
-              </a:spcAft>
-              <a:defRPr>
-                <a:solidFill>
-                  <a:schemeClr val="tx1"/>
-                </a:solidFill>
-                <a:latin typeface="Arial" panose="020B0604020202020204" pitchFamily="34" charset="0"/>
-              </a:defRPr>
-            </a:lvl7pPr>
-            <a:lvl8pPr eaLnBrk="0" fontAlgn="base" hangingPunct="0">
-              <a:spcBef>
-                <a:spcPct val="0"/>
-              </a:spcBef>
-              <a:spcAft>
-                <a:spcPct val="0"/>
-              </a:spcAft>
-              <a:defRPr>
-                <a:solidFill>
-                  <a:schemeClr val="tx1"/>
-                </a:solidFill>
-                <a:latin typeface="Arial" panose="020B0604020202020204" pitchFamily="34" charset="0"/>
-              </a:defRPr>
-            </a:lvl8pPr>
-            <a:lvl9pPr eaLnBrk="0" fontAlgn="base" hangingPunct="0">
-              <a:spcBef>
-                <a:spcPct val="0"/>
-              </a:spcBef>
-              <a:spcAft>
-                <a:spcPct val="0"/>
-              </a:spcAft>
-              <a:defRPr>
-                <a:solidFill>
-                  <a:schemeClr val="tx1"/>
-                </a:solidFill>
-                <a:latin typeface="Arial" panose="020B0604020202020204" pitchFamily="34" charset="0"/>
-              </a:defRPr>
-            </a:lvl9pPr>
-          </a:lstStyle>
-          <a:p>
-            <a:pPr marL="0" marR="0" lvl="0" indent="0" algn="l" defTabSz="914400" rtl="0" eaLnBrk="0" fontAlgn="base" latinLnBrk="0" hangingPunct="0">
-              <a:lnSpc>
-                <a:spcPct val="100000"/>
-              </a:lnSpc>
-              <a:spcBef>
-                <a:spcPct val="0"/>
-              </a:spcBef>
-              <a:spcAft>
-                <a:spcPct val="0"/>
-              </a:spcAft>
-              <a:buClrTx/>
-              <a:buSzTx/>
-              <a:buFontTx/>
-              <a:buNone/>
-              <a:tabLst/>
-            </a:pPr>
-            <a:r>
-              <a:rPr kumimoji="0" lang="uk-UA" altLang="uk-UA" b="0" i="0" u="none" strike="noStrike" cap="none" normalizeH="0" baseline="0" dirty="0">
-                <a:ln>
-                  <a:noFill/>
-                </a:ln>
-                <a:solidFill>
-                  <a:srgbClr val="2B2B2B"/>
-                </a:solidFill>
-                <a:effectLst/>
-                <a:latin typeface="Lato" panose="020F0502020204030203" pitchFamily="34" charset="0"/>
-              </a:rPr>
-              <a:t>Складені арифметичні операції з присвоюванням мають 2 переваги:</a:t>
-            </a:r>
-            <a:endParaRPr kumimoji="0" lang="uk-UA" altLang="uk-UA" sz="1050" b="0" i="0" u="none" strike="noStrike" cap="none" normalizeH="0" baseline="0" dirty="0">
-              <a:ln>
-                <a:noFill/>
-              </a:ln>
-              <a:solidFill>
-                <a:schemeClr val="tx1"/>
-              </a:solidFill>
-              <a:effectLst/>
-            </a:endParaRPr>
-          </a:p>
-          <a:p>
-            <a:pPr marL="0" marR="0" lvl="0" indent="0" algn="l" defTabSz="914400" rtl="0" eaLnBrk="0" fontAlgn="base" latinLnBrk="0" hangingPunct="0">
-              <a:lnSpc>
-                <a:spcPct val="100000"/>
-              </a:lnSpc>
-              <a:spcBef>
-                <a:spcPct val="0"/>
-              </a:spcBef>
-              <a:spcAft>
-                <a:spcPct val="0"/>
-              </a:spcAft>
-              <a:buClrTx/>
-              <a:buSzTx/>
-              <a:buFontTx/>
-              <a:buChar char="•"/>
-              <a:tabLst/>
-            </a:pPr>
-            <a:r>
-              <a:rPr kumimoji="0" lang="uk-UA" altLang="uk-UA" b="0" i="0" u="none" strike="noStrike" cap="none" normalizeH="0" baseline="0" dirty="0">
-                <a:ln>
-                  <a:noFill/>
-                </a:ln>
-                <a:solidFill>
-                  <a:srgbClr val="2B2B2B"/>
-                </a:solidFill>
-                <a:effectLst/>
-                <a:latin typeface="inherit"/>
-              </a:rPr>
-              <a:t>зменшують об’єм введеного коду, </a:t>
-            </a:r>
-            <a:r>
-              <a:rPr kumimoji="0" lang="uk-UA" altLang="uk-UA" sz="2000" b="0" i="0" u="none" strike="noStrike" cap="none" normalizeH="0" baseline="0" dirty="0">
-                <a:ln>
-                  <a:noFill/>
-                </a:ln>
-                <a:solidFill>
-                  <a:srgbClr val="2B2B2B"/>
-                </a:solidFill>
-                <a:effectLst/>
-                <a:latin typeface="inherit"/>
-              </a:rPr>
-              <a:t>коли</a:t>
-            </a:r>
-            <a:r>
-              <a:rPr kumimoji="0" lang="uk-UA" altLang="uk-UA" b="0" i="0" u="none" strike="noStrike" cap="none" normalizeH="0" baseline="0" dirty="0">
-                <a:ln>
-                  <a:noFill/>
-                </a:ln>
-                <a:solidFill>
-                  <a:srgbClr val="2B2B2B"/>
-                </a:solidFill>
-                <a:effectLst/>
-                <a:latin typeface="inherit"/>
-              </a:rPr>
-              <a:t> зустрічаються довгі імена змінних;</a:t>
-            </a:r>
-          </a:p>
-          <a:p>
-            <a:pPr marL="0" marR="0" lvl="0" indent="0" algn="l" defTabSz="914400" rtl="0" eaLnBrk="0" fontAlgn="base" latinLnBrk="0" hangingPunct="0">
-              <a:lnSpc>
-                <a:spcPct val="100000"/>
-              </a:lnSpc>
-              <a:spcBef>
-                <a:spcPct val="0"/>
-              </a:spcBef>
-              <a:spcAft>
-                <a:spcPct val="0"/>
-              </a:spcAft>
-              <a:buClrTx/>
-              <a:buSzTx/>
-              <a:buFontTx/>
-              <a:buChar char="•"/>
-              <a:tabLst/>
-            </a:pPr>
-            <a:r>
-              <a:rPr kumimoji="0" lang="uk-UA" altLang="uk-UA" b="0" i="0" u="none" strike="noStrike" cap="none" normalizeH="0" baseline="0" dirty="0">
-                <a:ln>
-                  <a:noFill/>
-                </a:ln>
-                <a:solidFill>
-                  <a:srgbClr val="2B2B2B"/>
-                </a:solidFill>
-                <a:effectLst/>
-                <a:latin typeface="inherit"/>
-              </a:rPr>
-              <a:t>реалізація складених арифметичних операцій у виконавчому середовищі </a:t>
-            </a:r>
-            <a:r>
-              <a:rPr kumimoji="0" lang="uk-UA" altLang="uk-UA" b="0" i="0" u="none" strike="noStrike" cap="none" normalizeH="0" baseline="0" dirty="0" err="1">
-                <a:ln>
-                  <a:noFill/>
-                </a:ln>
-                <a:solidFill>
-                  <a:srgbClr val="2B2B2B"/>
-                </a:solidFill>
-                <a:effectLst/>
-                <a:latin typeface="inherit"/>
-              </a:rPr>
-              <a:t>Java</a:t>
-            </a:r>
-            <a:r>
-              <a:rPr kumimoji="0" lang="uk-UA" altLang="uk-UA" b="0" i="0" u="none" strike="noStrike" cap="none" normalizeH="0" baseline="0" dirty="0">
-                <a:ln>
-                  <a:noFill/>
-                </a:ln>
-                <a:solidFill>
-                  <a:srgbClr val="2B2B2B"/>
-                </a:solidFill>
-                <a:effectLst/>
-                <a:latin typeface="inherit"/>
-              </a:rPr>
-              <a:t> є більш ефективною ніж реалізація відповідних довгих операцій присвоювання.</a:t>
-            </a:r>
-            <a:endParaRPr kumimoji="0" lang="uk-UA" altLang="uk-UA" b="0" i="0" u="none" strike="noStrike" cap="none" normalizeH="0" baseline="0" dirty="0">
-              <a:ln>
-                <a:noFill/>
-              </a:ln>
-              <a:solidFill>
-                <a:srgbClr val="2B2B2B"/>
-              </a:solidFill>
-              <a:effectLst/>
-              <a:latin typeface="Lato" panose="020F0502020204030203" pitchFamily="34" charset="0"/>
-            </a:endParaRPr>
-          </a:p>
-          <a:p>
-            <a:pPr marL="0" marR="0" lvl="0" indent="0" algn="l" defTabSz="914400" rtl="0" eaLnBrk="0" fontAlgn="base" latinLnBrk="0" hangingPunct="0">
-              <a:lnSpc>
-                <a:spcPct val="100000"/>
-              </a:lnSpc>
-              <a:spcBef>
-                <a:spcPct val="0"/>
-              </a:spcBef>
-              <a:spcAft>
-                <a:spcPct val="0"/>
-              </a:spcAft>
-              <a:buClrTx/>
-              <a:buSzTx/>
-              <a:buFontTx/>
-              <a:buNone/>
-              <a:tabLst/>
-            </a:pPr>
-            <a:r>
-              <a:rPr kumimoji="0" lang="uk-UA" altLang="uk-UA" b="0" i="0" u="none" strike="noStrike" cap="none" normalizeH="0" baseline="0" dirty="0">
-                <a:ln>
-                  <a:noFill/>
-                </a:ln>
-                <a:solidFill>
-                  <a:srgbClr val="2B2B2B"/>
-                </a:solidFill>
-                <a:effectLst/>
-                <a:latin typeface="Lato" panose="020F0502020204030203" pitchFamily="34" charset="0"/>
-              </a:rPr>
-              <a:t>Загальний вигляд складеної операції з присвоюванням:</a:t>
-            </a:r>
-            <a:endParaRPr kumimoji="0" lang="uk-UA" altLang="uk-UA" sz="1600" b="1" i="0" u="none" strike="noStrike" cap="none" normalizeH="0" baseline="0" dirty="0">
-              <a:ln>
-                <a:noFill/>
-              </a:ln>
-              <a:solidFill>
-                <a:srgbClr val="2B2B2B"/>
-              </a:solidFill>
-              <a:effectLst/>
-              <a:latin typeface="inherit"/>
-              <a:cs typeface="Courier New" panose="02070309020205020404" pitchFamily="49" charset="0"/>
-            </a:endParaRPr>
-          </a:p>
-          <a:p>
-            <a:pPr marL="0" marR="0" lvl="0" indent="0" algn="l" defTabSz="914400" rtl="0" eaLnBrk="0" fontAlgn="base" latinLnBrk="0" hangingPunct="0">
-              <a:lnSpc>
-                <a:spcPct val="100000"/>
-              </a:lnSpc>
-              <a:spcBef>
-                <a:spcPct val="0"/>
-              </a:spcBef>
-              <a:spcAft>
-                <a:spcPct val="0"/>
-              </a:spcAft>
-              <a:buClrTx/>
-              <a:buSzTx/>
-              <a:buFontTx/>
-              <a:buNone/>
-              <a:tabLst/>
-            </a:pPr>
-            <a:r>
-              <a:rPr kumimoji="0" lang="uk-UA" altLang="uk-UA" sz="1600" b="1" i="0" u="none" strike="noStrike" cap="none" normalizeH="0" baseline="0" dirty="0">
-                <a:ln>
-                  <a:noFill/>
-                </a:ln>
-                <a:solidFill>
-                  <a:srgbClr val="2B2B2B"/>
-                </a:solidFill>
-                <a:effectLst/>
-                <a:latin typeface="inherit"/>
-                <a:cs typeface="Courier New" panose="02070309020205020404" pitchFamily="49" charset="0"/>
-              </a:rPr>
-              <a:t>змінна операція = вираз;</a:t>
-            </a:r>
-            <a:endParaRPr kumimoji="0" lang="uk-UA" altLang="uk-UA" sz="1050" b="0" i="0" u="none" strike="noStrike" cap="none" normalizeH="0" baseline="0" dirty="0">
-              <a:ln>
-                <a:noFill/>
-              </a:ln>
-              <a:solidFill>
-                <a:schemeClr val="tx1"/>
-              </a:solidFill>
-              <a:effectLst/>
-            </a:endParaRPr>
-          </a:p>
-          <a:p>
-            <a:pPr marL="0" marR="0" lvl="0" indent="0" algn="l" defTabSz="914400" rtl="0" eaLnBrk="0" fontAlgn="base" latinLnBrk="0" hangingPunct="0">
-              <a:lnSpc>
-                <a:spcPct val="100000"/>
-              </a:lnSpc>
-              <a:spcBef>
-                <a:spcPct val="0"/>
-              </a:spcBef>
-              <a:spcAft>
-                <a:spcPct val="0"/>
-              </a:spcAft>
-              <a:buClrTx/>
-              <a:buSzTx/>
-              <a:buFontTx/>
-              <a:buNone/>
-              <a:tabLst/>
-            </a:pPr>
-            <a:r>
-              <a:rPr kumimoji="0" lang="uk-UA" altLang="uk-UA" b="0" i="0" u="none" strike="noStrike" cap="none" normalizeH="0" baseline="0" dirty="0">
-                <a:ln>
-                  <a:noFill/>
-                </a:ln>
-                <a:solidFill>
-                  <a:srgbClr val="2B2B2B"/>
-                </a:solidFill>
-                <a:effectLst/>
-                <a:latin typeface="Lato" panose="020F0502020204030203" pitchFamily="34" charset="0"/>
-              </a:rPr>
-              <a:t>Така операція замінює стандартну форму присвоювання:</a:t>
-            </a:r>
-            <a:endParaRPr kumimoji="0" lang="uk-UA" altLang="uk-UA" sz="1600" b="1" i="0" u="none" strike="noStrike" cap="none" normalizeH="0" baseline="0" dirty="0">
-              <a:ln>
-                <a:noFill/>
-              </a:ln>
-              <a:solidFill>
-                <a:srgbClr val="2B2B2B"/>
-              </a:solidFill>
-              <a:effectLst/>
-              <a:latin typeface="inherit"/>
-              <a:cs typeface="Courier New" panose="02070309020205020404" pitchFamily="49" charset="0"/>
-            </a:endParaRPr>
-          </a:p>
-          <a:p>
-            <a:pPr marL="0" marR="0" lvl="0" indent="0" algn="l" defTabSz="914400" rtl="0" eaLnBrk="0" fontAlgn="base" latinLnBrk="0" hangingPunct="0">
-              <a:lnSpc>
-                <a:spcPct val="100000"/>
-              </a:lnSpc>
-              <a:spcBef>
-                <a:spcPct val="0"/>
-              </a:spcBef>
-              <a:spcAft>
-                <a:spcPct val="0"/>
-              </a:spcAft>
-              <a:buClrTx/>
-              <a:buSzTx/>
-              <a:buFontTx/>
-              <a:buNone/>
-              <a:tabLst/>
-            </a:pPr>
-            <a:r>
-              <a:rPr kumimoji="0" lang="uk-UA" altLang="uk-UA" sz="1600" b="1" i="0" u="none" strike="noStrike" cap="none" normalizeH="0" baseline="0" dirty="0">
-                <a:ln>
-                  <a:noFill/>
-                </a:ln>
-                <a:solidFill>
-                  <a:srgbClr val="2B2B2B"/>
-                </a:solidFill>
-                <a:effectLst/>
-                <a:latin typeface="inherit"/>
-                <a:cs typeface="Courier New" panose="02070309020205020404" pitchFamily="49" charset="0"/>
-              </a:rPr>
-              <a:t>змінна = змінна операція вираз;</a:t>
-            </a:r>
-            <a:r>
-              <a:rPr kumimoji="0" lang="uk-UA" altLang="uk-UA" sz="1050" b="0" i="0" u="none" strike="noStrike" cap="none" normalizeH="0" baseline="0" dirty="0">
-                <a:ln>
-                  <a:noFill/>
-                </a:ln>
-                <a:solidFill>
-                  <a:schemeClr val="tx1"/>
-                </a:solidFill>
-                <a:effectLst/>
-              </a:rPr>
-              <a:t> </a:t>
-            </a:r>
-            <a:endParaRPr kumimoji="0" lang="uk-UA" altLang="uk-UA" sz="2800" b="0" i="0" u="none" strike="noStrike" cap="none" normalizeH="0" baseline="0" dirty="0">
-              <a:ln>
-                <a:noFill/>
-              </a:ln>
-              <a:solidFill>
-                <a:schemeClr val="tx1"/>
-              </a:solidFill>
-              <a:effectLst/>
-              <a:latin typeface="Arial" panose="020B0604020202020204" pitchFamily="34" charset="0"/>
-            </a:endParaRPr>
-          </a:p>
-        </p:txBody>
-      </p:sp>
-      <p:sp>
-        <p:nvSpPr>
-          <p:cNvPr id="7" name="Rectangle 3">
-            <a:extLst>
-              <a:ext uri="{FF2B5EF4-FFF2-40B4-BE49-F238E27FC236}">
-                <a16:creationId xmlns:a16="http://schemas.microsoft.com/office/drawing/2014/main" id="{4C70DA54-6293-4296-A018-E8D2B41A13A8}"/>
-              </a:ext>
-            </a:extLst>
-          </p:cNvPr>
-          <p:cNvSpPr>
-            <a:spLocks noChangeArrowheads="1"/>
-          </p:cNvSpPr>
-          <p:nvPr/>
-        </p:nvSpPr>
-        <p:spPr bwMode="auto">
-          <a:xfrm>
-            <a:off x="342207" y="813359"/>
-            <a:ext cx="6725055" cy="5816977"/>
-          </a:xfrm>
-          <a:prstGeom prst="rect">
-            <a:avLst/>
-          </a:prstGeom>
-          <a:noFill/>
-          <a:ln>
-            <a:noFill/>
-          </a:ln>
-          <a:effectLst/>
-          <a:extLst>
-            <a:ext uri="{909E8E84-426E-40DD-AFC4-6F175D3DCCD1}">
-              <a14:hiddenFill xmlns:a14="http://schemas.microsoft.com/office/drawing/2010/main">
-                <a:solidFill>
-                  <a:schemeClr val="accent1"/>
-                </a:solidFill>
-              </a14:hiddenFill>
-            </a:ext>
-            <a:ext uri="{91240B29-F687-4F45-9708-019B960494DF}">
-              <a14:hiddenLine xmlns:a14="http://schemas.microsoft.com/office/drawing/2010/main" w="9525">
-                <a:solidFill>
-                  <a:schemeClr val="tx1"/>
-                </a:solidFill>
-                <a:miter lim="800000"/>
-                <a:headEnd/>
-                <a:tailEnd/>
-              </a14:hiddenLine>
-            </a:ext>
-            <a:ext uri="{AF507438-7753-43E0-B8FC-AC1667EBCBE1}">
-              <a14:hiddenEffects xmlns:a14="http://schemas.microsoft.com/office/drawing/2010/main">
-                <a:effectLst>
-                  <a:outerShdw dist="35921" dir="2700000" algn="ctr" rotWithShape="0">
-                    <a:schemeClr val="bg2"/>
-                  </a:outerShdw>
-                </a:effectLst>
-              </a14:hiddenEffects>
-            </a:ext>
-          </a:extLst>
-        </p:spPr>
-        <p:txBody>
-          <a:bodyPr vert="horz" wrap="square" lIns="0" tIns="0" rIns="0" bIns="0" numCol="1" anchor="ctr" anchorCtr="0" compatLnSpc="1">
-            <a:prstTxWarp prst="textNoShape">
-              <a:avLst/>
-            </a:prstTxWarp>
-            <a:spAutoFit/>
-          </a:bodyPr>
-          <a:lstStyle/>
-          <a:p>
-            <a:pPr marL="0" marR="0" lvl="0" indent="0" algn="l" defTabSz="914400" rtl="0" eaLnBrk="0" fontAlgn="base" latinLnBrk="0" hangingPunct="0">
-              <a:lnSpc>
-                <a:spcPct val="100000"/>
-              </a:lnSpc>
-              <a:spcBef>
-                <a:spcPct val="0"/>
-              </a:spcBef>
-              <a:spcAft>
-                <a:spcPct val="0"/>
-              </a:spcAft>
-              <a:buClrTx/>
-              <a:buSzTx/>
-              <a:buFontTx/>
-              <a:buNone/>
-              <a:tabLst/>
-            </a:pPr>
-            <a:r>
-              <a:rPr kumimoji="0" lang="uk-UA" altLang="uk-UA" sz="1400" b="0" i="0" u="none" strike="noStrike" cap="none" normalizeH="0" baseline="0" dirty="0">
-                <a:ln>
-                  <a:noFill/>
-                </a:ln>
-                <a:solidFill>
-                  <a:srgbClr val="008000"/>
-                </a:solidFill>
-                <a:effectLst/>
-                <a:latin typeface="inherit"/>
-                <a:cs typeface="Courier New" panose="02070309020205020404" pitchFamily="49" charset="0"/>
-              </a:rPr>
-              <a:t>// </a:t>
-            </a:r>
-            <a:r>
-              <a:rPr kumimoji="0" lang="uk-UA" altLang="uk-UA" sz="1400" b="0" i="0" u="none" strike="noStrike" cap="none" normalizeH="0" baseline="0" dirty="0" err="1">
-                <a:ln>
-                  <a:noFill/>
-                </a:ln>
-                <a:solidFill>
-                  <a:srgbClr val="008000"/>
-                </a:solidFill>
-                <a:effectLst/>
-                <a:latin typeface="inherit"/>
-                <a:cs typeface="Courier New" panose="02070309020205020404" pitchFamily="49" charset="0"/>
-              </a:rPr>
-              <a:t>цілочисельні</a:t>
-            </a:r>
-            <a:r>
-              <a:rPr kumimoji="0" lang="uk-UA" altLang="uk-UA" sz="1400" b="0" i="0" u="none" strike="noStrike" cap="none" normalizeH="0" baseline="0" dirty="0">
-                <a:ln>
-                  <a:noFill/>
-                </a:ln>
-                <a:solidFill>
-                  <a:srgbClr val="008000"/>
-                </a:solidFill>
-                <a:effectLst/>
-                <a:latin typeface="inherit"/>
-                <a:cs typeface="Courier New" panose="02070309020205020404" pitchFamily="49" charset="0"/>
-              </a:rPr>
-              <a:t> типи</a:t>
-            </a:r>
-            <a:r>
-              <a:rPr kumimoji="0" lang="uk-UA" altLang="uk-UA" sz="1400" b="0" i="0" u="none" strike="noStrike" cap="none" normalizeH="0" baseline="0" dirty="0">
-                <a:ln>
-                  <a:noFill/>
-                </a:ln>
-                <a:solidFill>
-                  <a:srgbClr val="2B2B2B"/>
-                </a:solidFill>
-                <a:effectLst/>
-                <a:latin typeface="Courier New" panose="02070309020205020404" pitchFamily="49" charset="0"/>
-                <a:cs typeface="Courier New" panose="02070309020205020404" pitchFamily="49" charset="0"/>
-              </a:rPr>
-              <a:t> </a:t>
-            </a:r>
-          </a:p>
-          <a:p>
-            <a:pPr marL="0" marR="0" lvl="0" indent="0" algn="l" defTabSz="914400" rtl="0" eaLnBrk="0" fontAlgn="base" latinLnBrk="0" hangingPunct="0">
-              <a:lnSpc>
-                <a:spcPct val="100000"/>
-              </a:lnSpc>
-              <a:spcBef>
-                <a:spcPct val="0"/>
-              </a:spcBef>
-              <a:spcAft>
-                <a:spcPct val="0"/>
-              </a:spcAft>
-              <a:buClrTx/>
-              <a:buSzTx/>
-              <a:buFontTx/>
-              <a:buNone/>
-              <a:tabLst/>
-            </a:pPr>
-            <a:r>
-              <a:rPr kumimoji="0" lang="uk-UA" altLang="uk-UA" sz="1400" b="1" i="0" u="none" strike="noStrike" cap="none" normalizeH="0" baseline="0" dirty="0" err="1">
-                <a:ln>
-                  <a:noFill/>
-                </a:ln>
-                <a:solidFill>
-                  <a:srgbClr val="993366"/>
-                </a:solidFill>
-                <a:effectLst/>
-                <a:latin typeface="inherit"/>
-                <a:cs typeface="Courier New" panose="02070309020205020404" pitchFamily="49" charset="0"/>
-              </a:rPr>
-              <a:t>int</a:t>
-            </a:r>
-            <a:r>
-              <a:rPr kumimoji="0" lang="uk-UA" altLang="uk-UA" sz="1400" b="1" i="0" u="none" strike="noStrike" cap="none" normalizeH="0" baseline="0" dirty="0">
-                <a:ln>
-                  <a:noFill/>
-                </a:ln>
-                <a:solidFill>
-                  <a:srgbClr val="2B2B2B"/>
-                </a:solidFill>
-                <a:effectLst/>
-                <a:latin typeface="inherit"/>
-                <a:cs typeface="Courier New" panose="02070309020205020404" pitchFamily="49" charset="0"/>
-              </a:rPr>
-              <a:t> </a:t>
-            </a:r>
-            <a:r>
-              <a:rPr kumimoji="0" lang="uk-UA" altLang="uk-UA" sz="1400" b="0" i="0" u="none" strike="noStrike" cap="none" normalizeH="0" baseline="0" dirty="0">
-                <a:ln>
-                  <a:noFill/>
-                </a:ln>
-                <a:solidFill>
-                  <a:srgbClr val="2B2B2B"/>
-                </a:solidFill>
-                <a:effectLst/>
-                <a:latin typeface="Courier New" panose="02070309020205020404" pitchFamily="49" charset="0"/>
-                <a:cs typeface="Courier New" panose="02070309020205020404" pitchFamily="49" charset="0"/>
-              </a:rPr>
-              <a:t>a; </a:t>
-            </a:r>
-          </a:p>
-          <a:p>
-            <a:pPr marL="0" marR="0" lvl="0" indent="0" algn="l" defTabSz="914400" rtl="0" eaLnBrk="0" fontAlgn="base" latinLnBrk="0" hangingPunct="0">
-              <a:lnSpc>
-                <a:spcPct val="100000"/>
-              </a:lnSpc>
-              <a:spcBef>
-                <a:spcPct val="0"/>
-              </a:spcBef>
-              <a:spcAft>
-                <a:spcPct val="0"/>
-              </a:spcAft>
-              <a:buClrTx/>
-              <a:buSzTx/>
-              <a:buFontTx/>
-              <a:buNone/>
-              <a:tabLst/>
-            </a:pPr>
-            <a:r>
-              <a:rPr kumimoji="0" lang="uk-UA" altLang="uk-UA" sz="1400" b="0" i="0" u="none" strike="noStrike" cap="none" normalizeH="0" baseline="0" dirty="0">
-                <a:ln>
-                  <a:noFill/>
-                </a:ln>
-                <a:solidFill>
-                  <a:srgbClr val="2B2B2B"/>
-                </a:solidFill>
-                <a:effectLst/>
-                <a:latin typeface="Courier New" panose="02070309020205020404" pitchFamily="49" charset="0"/>
-                <a:cs typeface="Courier New" panose="02070309020205020404" pitchFamily="49" charset="0"/>
-              </a:rPr>
-              <a:t>a = 7; </a:t>
-            </a:r>
-          </a:p>
-          <a:p>
-            <a:pPr marL="0" marR="0" lvl="0" indent="0" algn="l" defTabSz="914400" rtl="0" eaLnBrk="0" fontAlgn="base" latinLnBrk="0" hangingPunct="0">
-              <a:lnSpc>
-                <a:spcPct val="100000"/>
-              </a:lnSpc>
-              <a:spcBef>
-                <a:spcPct val="0"/>
-              </a:spcBef>
-              <a:spcAft>
-                <a:spcPct val="0"/>
-              </a:spcAft>
-              <a:buClrTx/>
-              <a:buSzTx/>
-              <a:buFontTx/>
-              <a:buNone/>
-              <a:tabLst/>
-            </a:pPr>
-            <a:r>
-              <a:rPr kumimoji="0" lang="uk-UA" altLang="uk-UA" sz="1400" b="0" i="0" u="none" strike="noStrike" cap="none" normalizeH="0" baseline="0" dirty="0">
-                <a:ln>
-                  <a:noFill/>
-                </a:ln>
-                <a:solidFill>
-                  <a:srgbClr val="2B2B2B"/>
-                </a:solidFill>
-                <a:effectLst/>
-                <a:latin typeface="Courier New" panose="02070309020205020404" pitchFamily="49" charset="0"/>
-                <a:cs typeface="Courier New" panose="02070309020205020404" pitchFamily="49" charset="0"/>
-              </a:rPr>
-              <a:t>a += 8; </a:t>
-            </a:r>
-          </a:p>
-          <a:p>
-            <a:pPr marL="0" marR="0" lvl="0" indent="0" algn="l" defTabSz="914400" rtl="0" eaLnBrk="0" fontAlgn="base" latinLnBrk="0" hangingPunct="0">
-              <a:lnSpc>
-                <a:spcPct val="100000"/>
-              </a:lnSpc>
-              <a:spcBef>
-                <a:spcPct val="0"/>
-              </a:spcBef>
-              <a:spcAft>
-                <a:spcPct val="0"/>
-              </a:spcAft>
-              <a:buClrTx/>
-              <a:buSzTx/>
-              <a:buFontTx/>
-              <a:buNone/>
-              <a:tabLst/>
-            </a:pPr>
-            <a:r>
-              <a:rPr kumimoji="0" lang="uk-UA" altLang="uk-UA" sz="1400" b="0" i="0" u="none" strike="noStrike" cap="none" normalizeH="0" baseline="0" dirty="0">
-                <a:ln>
-                  <a:noFill/>
-                </a:ln>
-                <a:solidFill>
-                  <a:srgbClr val="008000"/>
-                </a:solidFill>
-                <a:effectLst/>
-                <a:latin typeface="inherit"/>
-                <a:cs typeface="Courier New" panose="02070309020205020404" pitchFamily="49" charset="0"/>
-              </a:rPr>
-              <a:t>// a = a + 8 = 15</a:t>
-            </a:r>
-            <a:r>
-              <a:rPr kumimoji="0" lang="uk-UA" altLang="uk-UA" sz="1400" b="0" i="0" u="none" strike="noStrike" cap="none" normalizeH="0" baseline="0" dirty="0">
-                <a:ln>
-                  <a:noFill/>
-                </a:ln>
-                <a:solidFill>
-                  <a:srgbClr val="2B2B2B"/>
-                </a:solidFill>
-                <a:effectLst/>
-                <a:latin typeface="Courier New" panose="02070309020205020404" pitchFamily="49" charset="0"/>
-                <a:cs typeface="Courier New" panose="02070309020205020404" pitchFamily="49" charset="0"/>
-              </a:rPr>
-              <a:t> </a:t>
-            </a:r>
-          </a:p>
-          <a:p>
-            <a:pPr marL="0" marR="0" lvl="0" indent="0" algn="l" defTabSz="914400" rtl="0" eaLnBrk="0" fontAlgn="base" latinLnBrk="0" hangingPunct="0">
-              <a:lnSpc>
-                <a:spcPct val="100000"/>
-              </a:lnSpc>
-              <a:spcBef>
-                <a:spcPct val="0"/>
-              </a:spcBef>
-              <a:spcAft>
-                <a:spcPct val="0"/>
-              </a:spcAft>
-              <a:buClrTx/>
-              <a:buSzTx/>
-              <a:buFontTx/>
-              <a:buNone/>
-              <a:tabLst/>
-            </a:pPr>
-            <a:r>
-              <a:rPr kumimoji="0" lang="uk-UA" altLang="uk-UA" sz="1400" b="0" i="0" u="none" strike="noStrike" cap="none" normalizeH="0" baseline="0" dirty="0">
-                <a:ln>
-                  <a:noFill/>
-                </a:ln>
-                <a:solidFill>
-                  <a:srgbClr val="2B2B2B"/>
-                </a:solidFill>
-                <a:effectLst/>
-                <a:latin typeface="Courier New" panose="02070309020205020404" pitchFamily="49" charset="0"/>
-                <a:cs typeface="Courier New" panose="02070309020205020404" pitchFamily="49" charset="0"/>
-              </a:rPr>
-              <a:t>a = -3; </a:t>
-            </a:r>
-          </a:p>
-          <a:p>
-            <a:pPr marL="0" marR="0" lvl="0" indent="0" algn="l" defTabSz="914400" rtl="0" eaLnBrk="0" fontAlgn="base" latinLnBrk="0" hangingPunct="0">
-              <a:lnSpc>
-                <a:spcPct val="100000"/>
-              </a:lnSpc>
-              <a:spcBef>
-                <a:spcPct val="0"/>
-              </a:spcBef>
-              <a:spcAft>
-                <a:spcPct val="0"/>
-              </a:spcAft>
-              <a:buClrTx/>
-              <a:buSzTx/>
-              <a:buFontTx/>
-              <a:buNone/>
-              <a:tabLst/>
-            </a:pPr>
-            <a:r>
-              <a:rPr kumimoji="0" lang="uk-UA" altLang="uk-UA" sz="1400" b="0" i="0" u="none" strike="noStrike" cap="none" normalizeH="0" baseline="0" dirty="0">
-                <a:ln>
-                  <a:noFill/>
-                </a:ln>
-                <a:solidFill>
-                  <a:srgbClr val="2B2B2B"/>
-                </a:solidFill>
-                <a:effectLst/>
-                <a:latin typeface="Courier New" panose="02070309020205020404" pitchFamily="49" charset="0"/>
-                <a:cs typeface="Courier New" panose="02070309020205020404" pitchFamily="49" charset="0"/>
-              </a:rPr>
-              <a:t>a -=5; </a:t>
-            </a:r>
-          </a:p>
-          <a:p>
-            <a:pPr marL="0" marR="0" lvl="0" indent="0" algn="l" defTabSz="914400" rtl="0" eaLnBrk="0" fontAlgn="base" latinLnBrk="0" hangingPunct="0">
-              <a:lnSpc>
-                <a:spcPct val="100000"/>
-              </a:lnSpc>
-              <a:spcBef>
-                <a:spcPct val="0"/>
-              </a:spcBef>
-              <a:spcAft>
-                <a:spcPct val="0"/>
-              </a:spcAft>
-              <a:buClrTx/>
-              <a:buSzTx/>
-              <a:buFontTx/>
-              <a:buNone/>
-              <a:tabLst/>
-            </a:pPr>
-            <a:r>
-              <a:rPr kumimoji="0" lang="uk-UA" altLang="uk-UA" sz="1400" b="0" i="0" u="none" strike="noStrike" cap="none" normalizeH="0" baseline="0" dirty="0">
-                <a:ln>
-                  <a:noFill/>
-                </a:ln>
-                <a:solidFill>
-                  <a:srgbClr val="008000"/>
-                </a:solidFill>
-                <a:effectLst/>
-                <a:latin typeface="inherit"/>
-                <a:cs typeface="Courier New" panose="02070309020205020404" pitchFamily="49" charset="0"/>
-              </a:rPr>
-              <a:t>// a = a - 5 = -3 - 5 = -8</a:t>
-            </a:r>
-            <a:r>
-              <a:rPr kumimoji="0" lang="uk-UA" altLang="uk-UA" sz="1400" b="0" i="0" u="none" strike="noStrike" cap="none" normalizeH="0" baseline="0" dirty="0">
-                <a:ln>
-                  <a:noFill/>
-                </a:ln>
-                <a:solidFill>
-                  <a:srgbClr val="2B2B2B"/>
-                </a:solidFill>
-                <a:effectLst/>
-                <a:latin typeface="Courier New" panose="02070309020205020404" pitchFamily="49" charset="0"/>
-                <a:cs typeface="Courier New" panose="02070309020205020404" pitchFamily="49" charset="0"/>
-              </a:rPr>
-              <a:t> </a:t>
-            </a:r>
-          </a:p>
-          <a:p>
-            <a:pPr marL="0" marR="0" lvl="0" indent="0" algn="l" defTabSz="914400" rtl="0" eaLnBrk="0" fontAlgn="base" latinLnBrk="0" hangingPunct="0">
-              <a:lnSpc>
-                <a:spcPct val="100000"/>
-              </a:lnSpc>
-              <a:spcBef>
-                <a:spcPct val="0"/>
-              </a:spcBef>
-              <a:spcAft>
-                <a:spcPct val="0"/>
-              </a:spcAft>
-              <a:buClrTx/>
-              <a:buSzTx/>
-              <a:buFontTx/>
-              <a:buNone/>
-              <a:tabLst/>
-            </a:pPr>
-            <a:r>
-              <a:rPr kumimoji="0" lang="uk-UA" altLang="uk-UA" sz="1400" b="0" i="0" u="none" strike="noStrike" cap="none" normalizeH="0" baseline="0" dirty="0">
-                <a:ln>
-                  <a:noFill/>
-                </a:ln>
-                <a:solidFill>
-                  <a:srgbClr val="2B2B2B"/>
-                </a:solidFill>
-                <a:effectLst/>
-                <a:latin typeface="Courier New" panose="02070309020205020404" pitchFamily="49" charset="0"/>
-                <a:cs typeface="Courier New" panose="02070309020205020404" pitchFamily="49" charset="0"/>
-              </a:rPr>
-              <a:t>a = 10; </a:t>
-            </a:r>
-          </a:p>
-          <a:p>
-            <a:pPr marL="0" marR="0" lvl="0" indent="0" algn="l" defTabSz="914400" rtl="0" eaLnBrk="0" fontAlgn="base" latinLnBrk="0" hangingPunct="0">
-              <a:lnSpc>
-                <a:spcPct val="100000"/>
-              </a:lnSpc>
-              <a:spcBef>
-                <a:spcPct val="0"/>
-              </a:spcBef>
-              <a:spcAft>
-                <a:spcPct val="0"/>
-              </a:spcAft>
-              <a:buClrTx/>
-              <a:buSzTx/>
-              <a:buFontTx/>
-              <a:buNone/>
-              <a:tabLst/>
-            </a:pPr>
-            <a:r>
-              <a:rPr kumimoji="0" lang="uk-UA" altLang="uk-UA" sz="1400" b="0" i="0" u="none" strike="noStrike" cap="none" normalizeH="0" baseline="0" dirty="0">
-                <a:ln>
-                  <a:noFill/>
-                </a:ln>
-                <a:solidFill>
-                  <a:srgbClr val="2B2B2B"/>
-                </a:solidFill>
-                <a:effectLst/>
-                <a:latin typeface="Courier New" panose="02070309020205020404" pitchFamily="49" charset="0"/>
-                <a:cs typeface="Courier New" panose="02070309020205020404" pitchFamily="49" charset="0"/>
-              </a:rPr>
-              <a:t>a *= 3; </a:t>
-            </a:r>
-          </a:p>
-          <a:p>
-            <a:pPr marL="0" marR="0" lvl="0" indent="0" algn="l" defTabSz="914400" rtl="0" eaLnBrk="0" fontAlgn="base" latinLnBrk="0" hangingPunct="0">
-              <a:lnSpc>
-                <a:spcPct val="100000"/>
-              </a:lnSpc>
-              <a:spcBef>
-                <a:spcPct val="0"/>
-              </a:spcBef>
-              <a:spcAft>
-                <a:spcPct val="0"/>
-              </a:spcAft>
-              <a:buClrTx/>
-              <a:buSzTx/>
-              <a:buFontTx/>
-              <a:buNone/>
-              <a:tabLst/>
-            </a:pPr>
-            <a:r>
-              <a:rPr kumimoji="0" lang="uk-UA" altLang="uk-UA" sz="1400" b="0" i="0" u="none" strike="noStrike" cap="none" normalizeH="0" baseline="0" dirty="0">
-                <a:ln>
-                  <a:noFill/>
-                </a:ln>
-                <a:solidFill>
-                  <a:srgbClr val="008000"/>
-                </a:solidFill>
-                <a:effectLst/>
-                <a:latin typeface="inherit"/>
-                <a:cs typeface="Courier New" panose="02070309020205020404" pitchFamily="49" charset="0"/>
-              </a:rPr>
-              <a:t>// a = 30</a:t>
-            </a:r>
-            <a:r>
-              <a:rPr kumimoji="0" lang="uk-UA" altLang="uk-UA" sz="1400" b="0" i="0" u="none" strike="noStrike" cap="none" normalizeH="0" baseline="0" dirty="0">
-                <a:ln>
-                  <a:noFill/>
-                </a:ln>
-                <a:solidFill>
-                  <a:srgbClr val="2B2B2B"/>
-                </a:solidFill>
-                <a:effectLst/>
-                <a:latin typeface="Courier New" panose="02070309020205020404" pitchFamily="49" charset="0"/>
-                <a:cs typeface="Courier New" panose="02070309020205020404" pitchFamily="49" charset="0"/>
-              </a:rPr>
-              <a:t> </a:t>
-            </a:r>
-          </a:p>
-          <a:p>
-            <a:pPr marL="0" marR="0" lvl="0" indent="0" algn="l" defTabSz="914400" rtl="0" eaLnBrk="0" fontAlgn="base" latinLnBrk="0" hangingPunct="0">
-              <a:lnSpc>
-                <a:spcPct val="100000"/>
-              </a:lnSpc>
-              <a:spcBef>
-                <a:spcPct val="0"/>
-              </a:spcBef>
-              <a:spcAft>
-                <a:spcPct val="0"/>
-              </a:spcAft>
-              <a:buClrTx/>
-              <a:buSzTx/>
-              <a:buFontTx/>
-              <a:buNone/>
-              <a:tabLst/>
-            </a:pPr>
-            <a:r>
-              <a:rPr kumimoji="0" lang="uk-UA" altLang="uk-UA" sz="1400" b="0" i="0" u="none" strike="noStrike" cap="none" normalizeH="0" baseline="0" dirty="0">
-                <a:ln>
-                  <a:noFill/>
-                </a:ln>
-                <a:solidFill>
-                  <a:srgbClr val="2B2B2B"/>
-                </a:solidFill>
-                <a:effectLst/>
-                <a:latin typeface="Courier New" panose="02070309020205020404" pitchFamily="49" charset="0"/>
-                <a:cs typeface="Courier New" panose="02070309020205020404" pitchFamily="49" charset="0"/>
-              </a:rPr>
-              <a:t>a = 20; </a:t>
-            </a:r>
-          </a:p>
-          <a:p>
-            <a:pPr marL="0" marR="0" lvl="0" indent="0" algn="l" defTabSz="914400" rtl="0" eaLnBrk="0" fontAlgn="base" latinLnBrk="0" hangingPunct="0">
-              <a:lnSpc>
-                <a:spcPct val="100000"/>
-              </a:lnSpc>
-              <a:spcBef>
-                <a:spcPct val="0"/>
-              </a:spcBef>
-              <a:spcAft>
-                <a:spcPct val="0"/>
-              </a:spcAft>
-              <a:buClrTx/>
-              <a:buSzTx/>
-              <a:buFontTx/>
-              <a:buNone/>
-              <a:tabLst/>
-            </a:pPr>
-            <a:r>
-              <a:rPr kumimoji="0" lang="uk-UA" altLang="uk-UA" sz="1400" b="0" i="0" u="none" strike="noStrike" cap="none" normalizeH="0" baseline="0" dirty="0">
-                <a:ln>
-                  <a:noFill/>
-                </a:ln>
-                <a:solidFill>
-                  <a:srgbClr val="2B2B2B"/>
-                </a:solidFill>
-                <a:effectLst/>
-                <a:latin typeface="Courier New" panose="02070309020205020404" pitchFamily="49" charset="0"/>
-                <a:cs typeface="Courier New" panose="02070309020205020404" pitchFamily="49" charset="0"/>
-              </a:rPr>
-              <a:t>a /= 5; </a:t>
-            </a:r>
-          </a:p>
-          <a:p>
-            <a:pPr marL="0" marR="0" lvl="0" indent="0" algn="l" defTabSz="914400" rtl="0" eaLnBrk="0" fontAlgn="base" latinLnBrk="0" hangingPunct="0">
-              <a:lnSpc>
-                <a:spcPct val="100000"/>
-              </a:lnSpc>
-              <a:spcBef>
-                <a:spcPct val="0"/>
-              </a:spcBef>
-              <a:spcAft>
-                <a:spcPct val="0"/>
-              </a:spcAft>
-              <a:buClrTx/>
-              <a:buSzTx/>
-              <a:buFontTx/>
-              <a:buNone/>
-              <a:tabLst/>
-            </a:pPr>
-            <a:r>
-              <a:rPr kumimoji="0" lang="uk-UA" altLang="uk-UA" sz="1400" b="0" i="0" u="none" strike="noStrike" cap="none" normalizeH="0" baseline="0" dirty="0">
-                <a:ln>
-                  <a:noFill/>
-                </a:ln>
-                <a:solidFill>
-                  <a:srgbClr val="008000"/>
-                </a:solidFill>
-                <a:effectLst/>
-                <a:latin typeface="inherit"/>
-                <a:cs typeface="Courier New" panose="02070309020205020404" pitchFamily="49" charset="0"/>
-              </a:rPr>
-              <a:t>// a = 4</a:t>
-            </a:r>
-            <a:r>
-              <a:rPr kumimoji="0" lang="uk-UA" altLang="uk-UA" sz="1400" b="0" i="0" u="none" strike="noStrike" cap="none" normalizeH="0" baseline="0" dirty="0">
-                <a:ln>
-                  <a:noFill/>
-                </a:ln>
-                <a:solidFill>
-                  <a:srgbClr val="2B2B2B"/>
-                </a:solidFill>
-                <a:effectLst/>
-                <a:latin typeface="Courier New" panose="02070309020205020404" pitchFamily="49" charset="0"/>
-                <a:cs typeface="Courier New" panose="02070309020205020404" pitchFamily="49" charset="0"/>
-              </a:rPr>
-              <a:t> </a:t>
-            </a:r>
-          </a:p>
-          <a:p>
-            <a:pPr marL="0" marR="0" lvl="0" indent="0" algn="l" defTabSz="914400" rtl="0" eaLnBrk="0" fontAlgn="base" latinLnBrk="0" hangingPunct="0">
-              <a:lnSpc>
-                <a:spcPct val="100000"/>
-              </a:lnSpc>
-              <a:spcBef>
-                <a:spcPct val="0"/>
-              </a:spcBef>
-              <a:spcAft>
-                <a:spcPct val="0"/>
-              </a:spcAft>
-              <a:buClrTx/>
-              <a:buSzTx/>
-              <a:buFontTx/>
-              <a:buNone/>
-              <a:tabLst/>
-            </a:pPr>
-            <a:r>
-              <a:rPr kumimoji="0" lang="uk-UA" altLang="uk-UA" sz="1400" b="0" i="0" u="none" strike="noStrike" cap="none" normalizeH="0" baseline="0" dirty="0">
-                <a:ln>
-                  <a:noFill/>
-                </a:ln>
-                <a:solidFill>
-                  <a:srgbClr val="2B2B2B"/>
-                </a:solidFill>
-                <a:effectLst/>
-                <a:latin typeface="Courier New" panose="02070309020205020404" pitchFamily="49" charset="0"/>
-                <a:cs typeface="Courier New" panose="02070309020205020404" pitchFamily="49" charset="0"/>
-              </a:rPr>
-              <a:t>a = 30; </a:t>
-            </a:r>
-          </a:p>
-          <a:p>
-            <a:pPr marL="0" marR="0" lvl="0" indent="0" algn="l" defTabSz="914400" rtl="0" eaLnBrk="0" fontAlgn="base" latinLnBrk="0" hangingPunct="0">
-              <a:lnSpc>
-                <a:spcPct val="100000"/>
-              </a:lnSpc>
-              <a:spcBef>
-                <a:spcPct val="0"/>
-              </a:spcBef>
-              <a:spcAft>
-                <a:spcPct val="0"/>
-              </a:spcAft>
-              <a:buClrTx/>
-              <a:buSzTx/>
-              <a:buFontTx/>
-              <a:buNone/>
-              <a:tabLst/>
-            </a:pPr>
-            <a:r>
-              <a:rPr kumimoji="0" lang="uk-UA" altLang="uk-UA" sz="1400" b="0" i="0" u="none" strike="noStrike" cap="none" normalizeH="0" baseline="0" dirty="0">
-                <a:ln>
-                  <a:noFill/>
-                </a:ln>
-                <a:solidFill>
-                  <a:srgbClr val="2B2B2B"/>
-                </a:solidFill>
-                <a:effectLst/>
-                <a:latin typeface="Courier New" panose="02070309020205020404" pitchFamily="49" charset="0"/>
-                <a:cs typeface="Courier New" panose="02070309020205020404" pitchFamily="49" charset="0"/>
-              </a:rPr>
-              <a:t>a %= 7; // a = 30 % 7 = 2 </a:t>
-            </a:r>
-          </a:p>
-          <a:p>
-            <a:pPr marL="0" marR="0" lvl="0" indent="0" algn="l" defTabSz="914400" rtl="0" eaLnBrk="0" fontAlgn="base" latinLnBrk="0" hangingPunct="0">
-              <a:lnSpc>
-                <a:spcPct val="100000"/>
-              </a:lnSpc>
-              <a:spcBef>
-                <a:spcPct val="0"/>
-              </a:spcBef>
-              <a:spcAft>
-                <a:spcPct val="0"/>
-              </a:spcAft>
-              <a:buClrTx/>
-              <a:buSzTx/>
-              <a:buFontTx/>
-              <a:buNone/>
-              <a:tabLst/>
-            </a:pPr>
-            <a:r>
-              <a:rPr kumimoji="0" lang="uk-UA" altLang="uk-UA" sz="1400" b="0" i="0" u="none" strike="noStrike" cap="none" normalizeH="0" baseline="0" dirty="0">
-                <a:ln>
-                  <a:noFill/>
-                </a:ln>
-                <a:solidFill>
-                  <a:srgbClr val="008000"/>
-                </a:solidFill>
-                <a:effectLst/>
-                <a:latin typeface="inherit"/>
-                <a:cs typeface="Courier New" panose="02070309020205020404" pitchFamily="49" charset="0"/>
-              </a:rPr>
-              <a:t>// дійсні типи</a:t>
-            </a:r>
-            <a:r>
-              <a:rPr kumimoji="0" lang="uk-UA" altLang="uk-UA" sz="1400" b="0" i="0" u="none" strike="noStrike" cap="none" normalizeH="0" baseline="0" dirty="0">
-                <a:ln>
-                  <a:noFill/>
-                </a:ln>
-                <a:solidFill>
-                  <a:srgbClr val="2B2B2B"/>
-                </a:solidFill>
-                <a:effectLst/>
-                <a:latin typeface="Courier New" panose="02070309020205020404" pitchFamily="49" charset="0"/>
-                <a:cs typeface="Courier New" panose="02070309020205020404" pitchFamily="49" charset="0"/>
-              </a:rPr>
-              <a:t> </a:t>
-            </a:r>
-          </a:p>
-          <a:p>
-            <a:pPr marL="0" marR="0" lvl="0" indent="0" algn="l" defTabSz="914400" rtl="0" eaLnBrk="0" fontAlgn="base" latinLnBrk="0" hangingPunct="0">
-              <a:lnSpc>
-                <a:spcPct val="100000"/>
-              </a:lnSpc>
-              <a:spcBef>
-                <a:spcPct val="0"/>
-              </a:spcBef>
-              <a:spcAft>
-                <a:spcPct val="0"/>
-              </a:spcAft>
-              <a:buClrTx/>
-              <a:buSzTx/>
-              <a:buFontTx/>
-              <a:buNone/>
-              <a:tabLst/>
-            </a:pPr>
-            <a:r>
-              <a:rPr kumimoji="0" lang="uk-UA" altLang="uk-UA" sz="1400" b="1" i="0" u="none" strike="noStrike" cap="none" normalizeH="0" baseline="0" dirty="0" err="1">
-                <a:ln>
-                  <a:noFill/>
-                </a:ln>
-                <a:solidFill>
-                  <a:srgbClr val="993366"/>
-                </a:solidFill>
-                <a:effectLst/>
-                <a:latin typeface="inherit"/>
-                <a:cs typeface="Courier New" panose="02070309020205020404" pitchFamily="49" charset="0"/>
-              </a:rPr>
-              <a:t>float</a:t>
-            </a:r>
-            <a:r>
-              <a:rPr kumimoji="0" lang="uk-UA" altLang="uk-UA" sz="1400" b="0" i="0" u="none" strike="noStrike" cap="none" normalizeH="0" baseline="0" dirty="0">
-                <a:ln>
-                  <a:noFill/>
-                </a:ln>
-                <a:solidFill>
-                  <a:srgbClr val="993366"/>
-                </a:solidFill>
-                <a:effectLst/>
-                <a:latin typeface="inherit"/>
-                <a:cs typeface="Courier New" panose="02070309020205020404" pitchFamily="49" charset="0"/>
-              </a:rPr>
-              <a:t> </a:t>
-            </a:r>
-            <a:r>
-              <a:rPr kumimoji="0" lang="uk-UA" altLang="uk-UA" sz="1400" b="0" i="0" u="none" strike="noStrike" cap="none" normalizeH="0" baseline="0" dirty="0">
-                <a:ln>
-                  <a:noFill/>
-                </a:ln>
-                <a:solidFill>
-                  <a:srgbClr val="2B2B2B"/>
-                </a:solidFill>
-                <a:effectLst/>
-                <a:latin typeface="Courier New" panose="02070309020205020404" pitchFamily="49" charset="0"/>
-                <a:cs typeface="Courier New" panose="02070309020205020404" pitchFamily="49" charset="0"/>
-              </a:rPr>
-              <a:t>f; </a:t>
-            </a:r>
-          </a:p>
-          <a:p>
-            <a:pPr marL="0" marR="0" lvl="0" indent="0" algn="l" defTabSz="914400" rtl="0" eaLnBrk="0" fontAlgn="base" latinLnBrk="0" hangingPunct="0">
-              <a:lnSpc>
-                <a:spcPct val="100000"/>
-              </a:lnSpc>
-              <a:spcBef>
-                <a:spcPct val="0"/>
-              </a:spcBef>
-              <a:spcAft>
-                <a:spcPct val="0"/>
-              </a:spcAft>
-              <a:buClrTx/>
-              <a:buSzTx/>
-              <a:buFontTx/>
-              <a:buNone/>
-              <a:tabLst/>
-            </a:pPr>
-            <a:r>
-              <a:rPr kumimoji="0" lang="uk-UA" altLang="uk-UA" sz="1400" b="0" i="0" u="none" strike="noStrike" cap="none" normalizeH="0" baseline="0" dirty="0">
-                <a:ln>
-                  <a:noFill/>
-                </a:ln>
-                <a:solidFill>
-                  <a:srgbClr val="2B2B2B"/>
-                </a:solidFill>
-                <a:effectLst/>
-                <a:latin typeface="Courier New" panose="02070309020205020404" pitchFamily="49" charset="0"/>
-                <a:cs typeface="Courier New" panose="02070309020205020404" pitchFamily="49" charset="0"/>
-              </a:rPr>
-              <a:t>f = 3.5f; </a:t>
-            </a:r>
-          </a:p>
-          <a:p>
-            <a:pPr marL="0" marR="0" lvl="0" indent="0" algn="l" defTabSz="914400" rtl="0" eaLnBrk="0" fontAlgn="base" latinLnBrk="0" hangingPunct="0">
-              <a:lnSpc>
-                <a:spcPct val="100000"/>
-              </a:lnSpc>
-              <a:spcBef>
-                <a:spcPct val="0"/>
-              </a:spcBef>
-              <a:spcAft>
-                <a:spcPct val="0"/>
-              </a:spcAft>
-              <a:buClrTx/>
-              <a:buSzTx/>
-              <a:buFontTx/>
-              <a:buNone/>
-              <a:tabLst/>
-            </a:pPr>
-            <a:r>
-              <a:rPr kumimoji="0" lang="uk-UA" altLang="uk-UA" sz="1400" b="0" i="0" u="none" strike="noStrike" cap="none" normalizeH="0" baseline="0" dirty="0">
-                <a:ln>
-                  <a:noFill/>
-                </a:ln>
-                <a:solidFill>
-                  <a:srgbClr val="2B2B2B"/>
-                </a:solidFill>
-                <a:effectLst/>
-                <a:latin typeface="Courier New" panose="02070309020205020404" pitchFamily="49" charset="0"/>
-                <a:cs typeface="Courier New" panose="02070309020205020404" pitchFamily="49" charset="0"/>
-              </a:rPr>
-              <a:t>f += 2*f; </a:t>
-            </a:r>
-          </a:p>
-          <a:p>
-            <a:pPr marL="0" marR="0" lvl="0" indent="0" algn="l" defTabSz="914400" rtl="0" eaLnBrk="0" fontAlgn="base" latinLnBrk="0" hangingPunct="0">
-              <a:lnSpc>
-                <a:spcPct val="100000"/>
-              </a:lnSpc>
-              <a:spcBef>
-                <a:spcPct val="0"/>
-              </a:spcBef>
-              <a:spcAft>
-                <a:spcPct val="0"/>
-              </a:spcAft>
-              <a:buClrTx/>
-              <a:buSzTx/>
-              <a:buFontTx/>
-              <a:buNone/>
-              <a:tabLst/>
-            </a:pPr>
-            <a:r>
-              <a:rPr kumimoji="0" lang="uk-UA" altLang="uk-UA" sz="1400" b="0" i="0" u="none" strike="noStrike" cap="none" normalizeH="0" baseline="0" dirty="0">
-                <a:ln>
-                  <a:noFill/>
-                </a:ln>
-                <a:solidFill>
-                  <a:srgbClr val="008000"/>
-                </a:solidFill>
-                <a:effectLst/>
-                <a:latin typeface="inherit"/>
-                <a:cs typeface="Courier New" panose="02070309020205020404" pitchFamily="49" charset="0"/>
-              </a:rPr>
-              <a:t>// f = f + 2*3.5 = 10.5</a:t>
-            </a:r>
-            <a:r>
-              <a:rPr kumimoji="0" lang="uk-UA" altLang="uk-UA" sz="1400" b="0" i="0" u="none" strike="noStrike" cap="none" normalizeH="0" baseline="0" dirty="0">
-                <a:ln>
-                  <a:noFill/>
-                </a:ln>
-                <a:solidFill>
-                  <a:srgbClr val="2B2B2B"/>
-                </a:solidFill>
-                <a:effectLst/>
-                <a:latin typeface="Courier New" panose="02070309020205020404" pitchFamily="49" charset="0"/>
-                <a:cs typeface="Courier New" panose="02070309020205020404" pitchFamily="49" charset="0"/>
-              </a:rPr>
-              <a:t> </a:t>
-            </a:r>
-          </a:p>
-          <a:p>
-            <a:pPr marL="0" marR="0" lvl="0" indent="0" algn="l" defTabSz="914400" rtl="0" eaLnBrk="0" fontAlgn="base" latinLnBrk="0" hangingPunct="0">
-              <a:lnSpc>
-                <a:spcPct val="100000"/>
-              </a:lnSpc>
-              <a:spcBef>
-                <a:spcPct val="0"/>
-              </a:spcBef>
-              <a:spcAft>
-                <a:spcPct val="0"/>
-              </a:spcAft>
-              <a:buClrTx/>
-              <a:buSzTx/>
-              <a:buFontTx/>
-              <a:buNone/>
-              <a:tabLst/>
-            </a:pPr>
-            <a:r>
-              <a:rPr kumimoji="0" lang="uk-UA" altLang="uk-UA" sz="1400" b="0" i="0" u="none" strike="noStrike" cap="none" normalizeH="0" baseline="0" dirty="0">
-                <a:ln>
-                  <a:noFill/>
-                </a:ln>
-                <a:solidFill>
-                  <a:srgbClr val="2B2B2B"/>
-                </a:solidFill>
-                <a:effectLst/>
-                <a:latin typeface="Courier New" panose="02070309020205020404" pitchFamily="49" charset="0"/>
-                <a:cs typeface="Courier New" panose="02070309020205020404" pitchFamily="49" charset="0"/>
-              </a:rPr>
-              <a:t>f = -8.0f; </a:t>
-            </a:r>
-          </a:p>
-          <a:p>
-            <a:pPr marL="0" marR="0" lvl="0" indent="0" algn="l" defTabSz="914400" rtl="0" eaLnBrk="0" fontAlgn="base" latinLnBrk="0" hangingPunct="0">
-              <a:lnSpc>
-                <a:spcPct val="100000"/>
-              </a:lnSpc>
-              <a:spcBef>
-                <a:spcPct val="0"/>
-              </a:spcBef>
-              <a:spcAft>
-                <a:spcPct val="0"/>
-              </a:spcAft>
-              <a:buClrTx/>
-              <a:buSzTx/>
-              <a:buFontTx/>
-              <a:buNone/>
-              <a:tabLst/>
-            </a:pPr>
-            <a:r>
-              <a:rPr kumimoji="0" lang="uk-UA" altLang="uk-UA" sz="1400" b="0" i="0" u="none" strike="noStrike" cap="none" normalizeH="0" baseline="0" dirty="0">
-                <a:ln>
-                  <a:noFill/>
-                </a:ln>
-                <a:solidFill>
-                  <a:srgbClr val="2B2B2B"/>
-                </a:solidFill>
-                <a:effectLst/>
-                <a:latin typeface="Courier New" panose="02070309020205020404" pitchFamily="49" charset="0"/>
-                <a:cs typeface="Courier New" panose="02070309020205020404" pitchFamily="49" charset="0"/>
-              </a:rPr>
-              <a:t>f -= f; </a:t>
-            </a:r>
-          </a:p>
-          <a:p>
-            <a:pPr marL="0" marR="0" lvl="0" indent="0" algn="l" defTabSz="914400" rtl="0" eaLnBrk="0" fontAlgn="base" latinLnBrk="0" hangingPunct="0">
-              <a:lnSpc>
-                <a:spcPct val="100000"/>
-              </a:lnSpc>
-              <a:spcBef>
-                <a:spcPct val="0"/>
-              </a:spcBef>
-              <a:spcAft>
-                <a:spcPct val="0"/>
-              </a:spcAft>
-              <a:buClrTx/>
-              <a:buSzTx/>
-              <a:buFontTx/>
-              <a:buNone/>
-              <a:tabLst/>
-            </a:pPr>
-            <a:r>
-              <a:rPr kumimoji="0" lang="uk-UA" altLang="uk-UA" sz="1400" b="0" i="0" u="none" strike="noStrike" cap="none" normalizeH="0" baseline="0" dirty="0">
-                <a:ln>
-                  <a:noFill/>
-                </a:ln>
-                <a:solidFill>
-                  <a:srgbClr val="008000"/>
-                </a:solidFill>
-                <a:effectLst/>
-                <a:latin typeface="inherit"/>
-                <a:cs typeface="Courier New" panose="02070309020205020404" pitchFamily="49" charset="0"/>
-              </a:rPr>
-              <a:t>// f = f - f = 0.0</a:t>
-            </a:r>
-            <a:r>
-              <a:rPr kumimoji="0" lang="uk-UA" altLang="uk-UA" sz="1400" b="0" i="0" u="none" strike="noStrike" cap="none" normalizeH="0" baseline="0" dirty="0">
-                <a:ln>
-                  <a:noFill/>
-                </a:ln>
-                <a:solidFill>
-                  <a:srgbClr val="2B2B2B"/>
-                </a:solidFill>
-                <a:effectLst/>
-                <a:latin typeface="Courier New" panose="02070309020205020404" pitchFamily="49" charset="0"/>
-                <a:cs typeface="Courier New" panose="02070309020205020404" pitchFamily="49" charset="0"/>
-              </a:rPr>
-              <a:t> </a:t>
-            </a:r>
-          </a:p>
-          <a:p>
-            <a:pPr marL="0" marR="0" lvl="0" indent="0" algn="l" defTabSz="914400" rtl="0" eaLnBrk="0" fontAlgn="base" latinLnBrk="0" hangingPunct="0">
-              <a:lnSpc>
-                <a:spcPct val="100000"/>
-              </a:lnSpc>
-              <a:spcBef>
-                <a:spcPct val="0"/>
-              </a:spcBef>
-              <a:spcAft>
-                <a:spcPct val="0"/>
-              </a:spcAft>
-              <a:buClrTx/>
-              <a:buSzTx/>
-              <a:buFontTx/>
-              <a:buNone/>
-              <a:tabLst/>
-            </a:pPr>
-            <a:r>
-              <a:rPr kumimoji="0" lang="uk-UA" altLang="uk-UA" sz="1400" b="0" i="0" u="none" strike="noStrike" cap="none" normalizeH="0" baseline="0" dirty="0">
-                <a:ln>
-                  <a:noFill/>
-                </a:ln>
-                <a:solidFill>
-                  <a:srgbClr val="2B2B2B"/>
-                </a:solidFill>
-                <a:effectLst/>
-                <a:latin typeface="Courier New" panose="02070309020205020404" pitchFamily="49" charset="0"/>
-                <a:cs typeface="Courier New" panose="02070309020205020404" pitchFamily="49" charset="0"/>
-              </a:rPr>
-              <a:t>f = 6.5f; </a:t>
-            </a:r>
-          </a:p>
-          <a:p>
-            <a:pPr marL="0" marR="0" lvl="0" indent="0" algn="l" defTabSz="914400" rtl="0" eaLnBrk="0" fontAlgn="base" latinLnBrk="0" hangingPunct="0">
-              <a:lnSpc>
-                <a:spcPct val="100000"/>
-              </a:lnSpc>
-              <a:spcBef>
-                <a:spcPct val="0"/>
-              </a:spcBef>
-              <a:spcAft>
-                <a:spcPct val="0"/>
-              </a:spcAft>
-              <a:buClrTx/>
-              <a:buSzTx/>
-              <a:buFontTx/>
-              <a:buNone/>
-              <a:tabLst/>
-            </a:pPr>
-            <a:r>
-              <a:rPr kumimoji="0" lang="uk-UA" altLang="uk-UA" sz="1400" b="0" i="0" u="none" strike="noStrike" cap="none" normalizeH="0" baseline="0" dirty="0">
-                <a:ln>
-                  <a:noFill/>
-                </a:ln>
-                <a:solidFill>
-                  <a:srgbClr val="2B2B2B"/>
-                </a:solidFill>
-                <a:effectLst/>
-                <a:latin typeface="Courier New" panose="02070309020205020404" pitchFamily="49" charset="0"/>
-                <a:cs typeface="Courier New" panose="02070309020205020404" pitchFamily="49" charset="0"/>
-              </a:rPr>
-              <a:t>f %= 2;</a:t>
-            </a:r>
-          </a:p>
-          <a:p>
-            <a:pPr marL="0" marR="0" lvl="0" indent="0" algn="l" defTabSz="914400" rtl="0" eaLnBrk="0" fontAlgn="base" latinLnBrk="0" hangingPunct="0">
-              <a:lnSpc>
-                <a:spcPct val="100000"/>
-              </a:lnSpc>
-              <a:spcBef>
-                <a:spcPct val="0"/>
-              </a:spcBef>
-              <a:spcAft>
-                <a:spcPct val="0"/>
-              </a:spcAft>
-              <a:buClrTx/>
-              <a:buSzTx/>
-              <a:buFontTx/>
-              <a:buNone/>
-              <a:tabLst/>
-            </a:pPr>
-            <a:r>
-              <a:rPr kumimoji="0" lang="uk-UA" altLang="uk-UA" sz="1400" b="0" i="0" u="none" strike="noStrike" cap="none" normalizeH="0" baseline="0" dirty="0">
-                <a:ln>
-                  <a:noFill/>
-                </a:ln>
-                <a:solidFill>
-                  <a:srgbClr val="008000"/>
-                </a:solidFill>
-                <a:effectLst/>
-                <a:latin typeface="inherit"/>
-                <a:cs typeface="Courier New" panose="02070309020205020404" pitchFamily="49" charset="0"/>
-              </a:rPr>
-              <a:t>// f = 0.5</a:t>
-            </a:r>
-            <a:r>
-              <a:rPr kumimoji="0" lang="uk-UA" altLang="uk-UA" sz="1000" b="0" i="0" u="none" strike="noStrike" cap="none" normalizeH="0" baseline="0" dirty="0">
-                <a:ln>
-                  <a:noFill/>
-                </a:ln>
-                <a:solidFill>
-                  <a:schemeClr val="tx1"/>
-                </a:solidFill>
-                <a:effectLst/>
-              </a:rPr>
-              <a:t> </a:t>
-            </a:r>
-            <a:endParaRPr kumimoji="0" lang="uk-UA" altLang="uk-UA" sz="2400" b="0" i="0" u="none" strike="noStrike" cap="none" normalizeH="0" baseline="0" dirty="0">
-              <a:ln>
-                <a:noFill/>
-              </a:ln>
-              <a:solidFill>
-                <a:schemeClr val="tx1"/>
-              </a:solidFill>
-              <a:effectLst/>
-              <a:latin typeface="Arial" panose="020B0604020202020204" pitchFamily="34" charset="0"/>
-            </a:endParaRPr>
-          </a:p>
-        </p:txBody>
-      </p:sp>
-      <p:sp>
-        <p:nvSpPr>
-          <p:cNvPr id="8" name="TextBox 7">
-            <a:extLst>
-              <a:ext uri="{FF2B5EF4-FFF2-40B4-BE49-F238E27FC236}">
-                <a16:creationId xmlns:a16="http://schemas.microsoft.com/office/drawing/2014/main" id="{865D9E07-06F8-4B0D-BBEA-6FA441240D26}"/>
-              </a:ext>
-            </a:extLst>
-          </p:cNvPr>
-          <p:cNvSpPr txBox="1"/>
-          <p:nvPr/>
-        </p:nvSpPr>
-        <p:spPr>
-          <a:xfrm>
-            <a:off x="483609" y="444027"/>
-            <a:ext cx="1458313" cy="369332"/>
-          </a:xfrm>
-          <a:prstGeom prst="rect">
-            <a:avLst/>
-          </a:prstGeom>
-          <a:noFill/>
-        </p:spPr>
-        <p:txBody>
-          <a:bodyPr wrap="square" rtlCol="0">
-            <a:spAutoFit/>
-          </a:bodyPr>
-          <a:lstStyle/>
-          <a:p>
-            <a:pPr algn="ctr"/>
-            <a:r>
-              <a:rPr lang="uk-UA" dirty="0">
-                <a:latin typeface="Times New Roman" panose="02020603050405020304" pitchFamily="18" charset="0"/>
-                <a:cs typeface="Times New Roman" panose="02020603050405020304" pitchFamily="18" charset="0"/>
-              </a:rPr>
-              <a:t>Лістинг 5</a:t>
-            </a:r>
-          </a:p>
-        </p:txBody>
-      </p:sp>
-    </p:spTree>
-    <p:extLst>
-      <p:ext uri="{BB962C8B-B14F-4D97-AF65-F5344CB8AC3E}">
-        <p14:creationId xmlns:p14="http://schemas.microsoft.com/office/powerpoint/2010/main" val="1955551191"/>
       </p:ext>
     </p:extLst>
   </p:cSld>
@@ -20677,7 +20695,7 @@
           <p:nvPr>
             <p:extLst>
               <p:ext uri="{D42A27DB-BD31-4B8C-83A1-F6EECF244321}">
-                <p14:modId xmlns:p14="http://schemas.microsoft.com/office/powerpoint/2010/main" val="1639238792"/>
+                <p14:modId xmlns:p14="http://schemas.microsoft.com/office/powerpoint/2010/main" val="674831975"/>
               </p:ext>
             </p:extLst>
           </p:nvPr>
@@ -20836,7 +20854,7 @@
                       </a:endParaRPr>
                     </a:p>
                   </a:txBody>
-                  <a:tcPr/>
+                  <a:tcPr anchor="ctr"/>
                 </a:tc>
                 <a:tc>
                   <a:txBody>
@@ -20924,7 +20942,7 @@
                       </a:endParaRPr>
                     </a:p>
                   </a:txBody>
-                  <a:tcPr/>
+                  <a:tcPr anchor="ctr"/>
                 </a:tc>
                 <a:extLst>
                   <a:ext uri="{0D108BD9-81ED-4DB2-BD59-A6C34878D82A}">
@@ -20967,7 +20985,7 @@
                       </a:endParaRPr>
                     </a:p>
                   </a:txBody>
-                  <a:tcPr/>
+                  <a:tcPr anchor="ctr"/>
                 </a:tc>
                 <a:tc>
                   <a:txBody>
@@ -21073,7 +21091,7 @@
                       </a:endParaRPr>
                     </a:p>
                   </a:txBody>
-                  <a:tcPr/>
+                  <a:tcPr anchor="ctr"/>
                 </a:tc>
                 <a:extLst>
                   <a:ext uri="{0D108BD9-81ED-4DB2-BD59-A6C34878D82A}">
@@ -21116,7 +21134,7 @@
                       </a:endParaRPr>
                     </a:p>
                   </a:txBody>
-                  <a:tcPr/>
+                  <a:tcPr anchor="ctr"/>
                 </a:tc>
                 <a:tc>
                   <a:txBody>
@@ -21204,7 +21222,7 @@
                       </a:endParaRPr>
                     </a:p>
                   </a:txBody>
-                  <a:tcPr/>
+                  <a:tcPr anchor="ctr"/>
                 </a:tc>
                 <a:extLst>
                   <a:ext uri="{0D108BD9-81ED-4DB2-BD59-A6C34878D82A}">
@@ -21247,7 +21265,7 @@
                       </a:endParaRPr>
                     </a:p>
                   </a:txBody>
-                  <a:tcPr/>
+                  <a:tcPr anchor="ctr"/>
                 </a:tc>
                 <a:tc>
                   <a:txBody>
@@ -21335,7 +21353,7 @@
                       </a:endParaRPr>
                     </a:p>
                   </a:txBody>
-                  <a:tcPr/>
+                  <a:tcPr anchor="ctr"/>
                 </a:tc>
                 <a:extLst>
                   <a:ext uri="{0D108BD9-81ED-4DB2-BD59-A6C34878D82A}">
@@ -21378,7 +21396,7 @@
                       </a:endParaRPr>
                     </a:p>
                   </a:txBody>
-                  <a:tcPr/>
+                  <a:tcPr anchor="ctr"/>
                 </a:tc>
                 <a:tc>
                   <a:txBody>
@@ -21466,7 +21484,7 @@
                       </a:endParaRPr>
                     </a:p>
                   </a:txBody>
-                  <a:tcPr/>
+                  <a:tcPr anchor="ctr"/>
                 </a:tc>
                 <a:extLst>
                   <a:ext uri="{0D108BD9-81ED-4DB2-BD59-A6C34878D82A}">
@@ -21509,7 +21527,7 @@
                       </a:endParaRPr>
                     </a:p>
                   </a:txBody>
-                  <a:tcPr/>
+                  <a:tcPr anchor="ctr"/>
                 </a:tc>
                 <a:tc>
                   <a:txBody>
@@ -21597,7 +21615,7 @@
                       </a:endParaRPr>
                     </a:p>
                   </a:txBody>
-                  <a:tcPr/>
+                  <a:tcPr anchor="ctr"/>
                 </a:tc>
                 <a:extLst>
                   <a:ext uri="{0D108BD9-81ED-4DB2-BD59-A6C34878D82A}">

--- a/Java Урок 2 БО.pptx
+++ b/Java Урок 2 БО.pptx
@@ -218,7 +218,7 @@
           <a:p>
             <a:fld id="{116B662A-27A0-4358-8A41-57FE58D47770}" type="datetimeFigureOut">
               <a:rPr lang="uk-UA" smtClean="0"/>
-              <a:t>01.06.2024</a:t>
+              <a:t>20.06.2024</a:t>
             </a:fld>
             <a:endParaRPr lang="uk-UA"/>
           </a:p>
@@ -887,7 +887,7 @@
           <a:p>
             <a:fld id="{58E66397-81EA-4CFE-ABE0-DFAF6EB92EF1}" type="datetimeFigureOut">
               <a:rPr lang="uk-UA" smtClean="0"/>
-              <a:t>01.06.2024</a:t>
+              <a:t>20.06.2024</a:t>
             </a:fld>
             <a:endParaRPr lang="uk-UA"/>
           </a:p>
@@ -1087,7 +1087,7 @@
           <a:p>
             <a:fld id="{58E66397-81EA-4CFE-ABE0-DFAF6EB92EF1}" type="datetimeFigureOut">
               <a:rPr lang="uk-UA" smtClean="0"/>
-              <a:t>01.06.2024</a:t>
+              <a:t>20.06.2024</a:t>
             </a:fld>
             <a:endParaRPr lang="uk-UA"/>
           </a:p>
@@ -1297,7 +1297,7 @@
           <a:p>
             <a:fld id="{58E66397-81EA-4CFE-ABE0-DFAF6EB92EF1}" type="datetimeFigureOut">
               <a:rPr lang="uk-UA" smtClean="0"/>
-              <a:t>01.06.2024</a:t>
+              <a:t>20.06.2024</a:t>
             </a:fld>
             <a:endParaRPr lang="uk-UA"/>
           </a:p>
@@ -1532,7 +1532,7 @@
           <a:p>
             <a:fld id="{58E66397-81EA-4CFE-ABE0-DFAF6EB92EF1}" type="datetimeFigureOut">
               <a:rPr lang="uk-UA" smtClean="0"/>
-              <a:t>01.06.2024</a:t>
+              <a:t>20.06.2024</a:t>
             </a:fld>
             <a:endParaRPr lang="uk-UA"/>
           </a:p>
@@ -1808,7 +1808,7 @@
           <a:p>
             <a:fld id="{58E66397-81EA-4CFE-ABE0-DFAF6EB92EF1}" type="datetimeFigureOut">
               <a:rPr lang="uk-UA" smtClean="0"/>
-              <a:t>01.06.2024</a:t>
+              <a:t>20.06.2024</a:t>
             </a:fld>
             <a:endParaRPr lang="uk-UA"/>
           </a:p>
@@ -2076,7 +2076,7 @@
           <a:p>
             <a:fld id="{58E66397-81EA-4CFE-ABE0-DFAF6EB92EF1}" type="datetimeFigureOut">
               <a:rPr lang="uk-UA" smtClean="0"/>
-              <a:t>01.06.2024</a:t>
+              <a:t>20.06.2024</a:t>
             </a:fld>
             <a:endParaRPr lang="uk-UA"/>
           </a:p>
@@ -2491,7 +2491,7 @@
           <a:p>
             <a:fld id="{58E66397-81EA-4CFE-ABE0-DFAF6EB92EF1}" type="datetimeFigureOut">
               <a:rPr lang="uk-UA" smtClean="0"/>
-              <a:t>01.06.2024</a:t>
+              <a:t>20.06.2024</a:t>
             </a:fld>
             <a:endParaRPr lang="uk-UA"/>
           </a:p>
@@ -2633,7 +2633,7 @@
           <a:p>
             <a:fld id="{58E66397-81EA-4CFE-ABE0-DFAF6EB92EF1}" type="datetimeFigureOut">
               <a:rPr lang="uk-UA" smtClean="0"/>
-              <a:t>01.06.2024</a:t>
+              <a:t>20.06.2024</a:t>
             </a:fld>
             <a:endParaRPr lang="uk-UA"/>
           </a:p>
@@ -2746,7 +2746,7 @@
           <a:p>
             <a:fld id="{58E66397-81EA-4CFE-ABE0-DFAF6EB92EF1}" type="datetimeFigureOut">
               <a:rPr lang="uk-UA" smtClean="0"/>
-              <a:t>01.06.2024</a:t>
+              <a:t>20.06.2024</a:t>
             </a:fld>
             <a:endParaRPr lang="uk-UA"/>
           </a:p>
@@ -3059,7 +3059,7 @@
           <a:p>
             <a:fld id="{58E66397-81EA-4CFE-ABE0-DFAF6EB92EF1}" type="datetimeFigureOut">
               <a:rPr lang="uk-UA" smtClean="0"/>
-              <a:t>01.06.2024</a:t>
+              <a:t>20.06.2024</a:t>
             </a:fld>
             <a:endParaRPr lang="uk-UA"/>
           </a:p>
@@ -3348,7 +3348,7 @@
           <a:p>
             <a:fld id="{58E66397-81EA-4CFE-ABE0-DFAF6EB92EF1}" type="datetimeFigureOut">
               <a:rPr lang="uk-UA" smtClean="0"/>
-              <a:t>01.06.2024</a:t>
+              <a:t>20.06.2024</a:t>
             </a:fld>
             <a:endParaRPr lang="uk-UA"/>
           </a:p>
@@ -3591,7 +3591,7 @@
           <a:p>
             <a:fld id="{58E66397-81EA-4CFE-ABE0-DFAF6EB92EF1}" type="datetimeFigureOut">
               <a:rPr lang="uk-UA" smtClean="0"/>
-              <a:t>01.06.2024</a:t>
+              <a:t>20.06.2024</a:t>
             </a:fld>
             <a:endParaRPr lang="uk-UA"/>
           </a:p>
@@ -4588,6 +4588,13 @@
           </a:solidFill>
           <a:ln/>
         </p:spPr>
+        <p:txBody>
+          <a:bodyPr/>
+          <a:lstStyle/>
+          <a:p>
+            <a:endParaRPr lang="uk-UA"/>
+          </a:p>
+        </p:txBody>
       </p:sp>
       <p:grpSp>
         <p:nvGrpSpPr>
@@ -4635,6 +4642,13 @@
               <a:prstDash val="solid"/>
             </a:ln>
           </p:spPr>
+          <p:txBody>
+            <a:bodyPr/>
+            <a:lstStyle/>
+            <a:p>
+              <a:endParaRPr lang="uk-UA"/>
+            </a:p>
+          </p:txBody>
         </p:sp>
         <p:sp>
           <p:nvSpPr>
@@ -4657,6 +4671,13 @@
             </a:solidFill>
             <a:ln/>
           </p:spPr>
+          <p:txBody>
+            <a:bodyPr/>
+            <a:lstStyle/>
+            <a:p>
+              <a:endParaRPr lang="uk-UA"/>
+            </a:p>
+          </p:txBody>
         </p:sp>
         <p:sp>
           <p:nvSpPr>
@@ -4802,6 +4823,13 @@
             </a:solidFill>
             <a:ln/>
           </p:spPr>
+          <p:txBody>
+            <a:bodyPr/>
+            <a:lstStyle/>
+            <a:p>
+              <a:endParaRPr lang="uk-UA"/>
+            </a:p>
+          </p:txBody>
         </p:sp>
         <p:sp>
           <p:nvSpPr>
@@ -4947,6 +4975,13 @@
             </a:solidFill>
             <a:ln/>
           </p:spPr>
+          <p:txBody>
+            <a:bodyPr/>
+            <a:lstStyle/>
+            <a:p>
+              <a:endParaRPr lang="uk-UA"/>
+            </a:p>
+          </p:txBody>
         </p:sp>
         <p:sp>
           <p:nvSpPr>
@@ -5092,6 +5127,13 @@
             </a:solidFill>
             <a:ln/>
           </p:spPr>
+          <p:txBody>
+            <a:bodyPr/>
+            <a:lstStyle/>
+            <a:p>
+              <a:endParaRPr lang="uk-UA"/>
+            </a:p>
+          </p:txBody>
         </p:sp>
         <p:sp>
           <p:nvSpPr>
@@ -5237,6 +5279,13 @@
             </a:solidFill>
             <a:ln/>
           </p:spPr>
+          <p:txBody>
+            <a:bodyPr/>
+            <a:lstStyle/>
+            <a:p>
+              <a:endParaRPr lang="uk-UA"/>
+            </a:p>
+          </p:txBody>
         </p:sp>
         <p:sp>
           <p:nvSpPr>
@@ -5382,6 +5431,13 @@
             </a:solidFill>
             <a:ln/>
           </p:spPr>
+          <p:txBody>
+            <a:bodyPr/>
+            <a:lstStyle/>
+            <a:p>
+              <a:endParaRPr lang="uk-UA"/>
+            </a:p>
+          </p:txBody>
         </p:sp>
         <p:sp>
           <p:nvSpPr>
@@ -5527,6 +5583,13 @@
             </a:solidFill>
             <a:ln/>
           </p:spPr>
+          <p:txBody>
+            <a:bodyPr/>
+            <a:lstStyle/>
+            <a:p>
+              <a:endParaRPr lang="uk-UA"/>
+            </a:p>
+          </p:txBody>
         </p:sp>
         <p:sp>
           <p:nvSpPr>
@@ -5672,6 +5735,13 @@
             </a:solidFill>
             <a:ln/>
           </p:spPr>
+          <p:txBody>
+            <a:bodyPr/>
+            <a:lstStyle/>
+            <a:p>
+              <a:endParaRPr lang="uk-UA"/>
+            </a:p>
+          </p:txBody>
         </p:sp>
         <p:sp>
           <p:nvSpPr>
@@ -5817,6 +5887,13 @@
             </a:solidFill>
             <a:ln/>
           </p:spPr>
+          <p:txBody>
+            <a:bodyPr/>
+            <a:lstStyle/>
+            <a:p>
+              <a:endParaRPr lang="uk-UA"/>
+            </a:p>
+          </p:txBody>
         </p:sp>
         <p:sp>
           <p:nvSpPr>
@@ -5962,6 +6039,13 @@
             </a:solidFill>
             <a:ln/>
           </p:spPr>
+          <p:txBody>
+            <a:bodyPr/>
+            <a:lstStyle/>
+            <a:p>
+              <a:endParaRPr lang="uk-UA"/>
+            </a:p>
+          </p:txBody>
         </p:sp>
         <p:sp>
           <p:nvSpPr>
@@ -6107,6 +6191,13 @@
             </a:solidFill>
             <a:ln/>
           </p:spPr>
+          <p:txBody>
+            <a:bodyPr/>
+            <a:lstStyle/>
+            <a:p>
+              <a:endParaRPr lang="uk-UA"/>
+            </a:p>
+          </p:txBody>
         </p:sp>
         <p:sp>
           <p:nvSpPr>
@@ -6252,6 +6343,13 @@
             </a:solidFill>
             <a:ln/>
           </p:spPr>
+          <p:txBody>
+            <a:bodyPr/>
+            <a:lstStyle/>
+            <a:p>
+              <a:endParaRPr lang="uk-UA"/>
+            </a:p>
+          </p:txBody>
         </p:sp>
         <p:sp>
           <p:nvSpPr>
@@ -6397,6 +6495,13 @@
             </a:solidFill>
             <a:ln/>
           </p:spPr>
+          <p:txBody>
+            <a:bodyPr/>
+            <a:lstStyle/>
+            <a:p>
+              <a:endParaRPr lang="uk-UA"/>
+            </a:p>
+          </p:txBody>
         </p:sp>
         <p:sp>
           <p:nvSpPr>
@@ -6542,6 +6647,13 @@
             </a:solidFill>
             <a:ln/>
           </p:spPr>
+          <p:txBody>
+            <a:bodyPr/>
+            <a:lstStyle/>
+            <a:p>
+              <a:endParaRPr lang="uk-UA"/>
+            </a:p>
+          </p:txBody>
         </p:sp>
         <p:sp>
           <p:nvSpPr>
@@ -6687,6 +6799,13 @@
             </a:solidFill>
             <a:ln/>
           </p:spPr>
+          <p:txBody>
+            <a:bodyPr/>
+            <a:lstStyle/>
+            <a:p>
+              <a:endParaRPr lang="uk-UA"/>
+            </a:p>
+          </p:txBody>
         </p:sp>
         <p:sp>
           <p:nvSpPr>
@@ -8039,6 +8158,13 @@
               <a:prstDash val="solid"/>
             </a:ln>
           </p:spPr>
+          <p:txBody>
+            <a:bodyPr/>
+            <a:lstStyle/>
+            <a:p>
+              <a:endParaRPr lang="uk-UA"/>
+            </a:p>
+          </p:txBody>
         </p:sp>
         <p:sp>
           <p:nvSpPr>
@@ -8067,6 +8193,13 @@
             </a:solidFill>
             <a:ln/>
           </p:spPr>
+          <p:txBody>
+            <a:bodyPr/>
+            <a:lstStyle/>
+            <a:p>
+              <a:endParaRPr lang="uk-UA"/>
+            </a:p>
+          </p:txBody>
         </p:sp>
         <p:sp>
           <p:nvSpPr>
@@ -8189,6 +8322,13 @@
             </a:solidFill>
             <a:ln/>
           </p:spPr>
+          <p:txBody>
+            <a:bodyPr/>
+            <a:lstStyle/>
+            <a:p>
+              <a:endParaRPr lang="uk-UA"/>
+            </a:p>
+          </p:txBody>
         </p:sp>
         <p:sp>
           <p:nvSpPr>
@@ -8311,6 +8451,13 @@
             </a:solidFill>
             <a:ln/>
           </p:spPr>
+          <p:txBody>
+            <a:bodyPr/>
+            <a:lstStyle/>
+            <a:p>
+              <a:endParaRPr lang="uk-UA"/>
+            </a:p>
+          </p:txBody>
         </p:sp>
         <p:sp>
           <p:nvSpPr>
@@ -8433,6 +8580,13 @@
             </a:solidFill>
             <a:ln/>
           </p:spPr>
+          <p:txBody>
+            <a:bodyPr/>
+            <a:lstStyle/>
+            <a:p>
+              <a:endParaRPr lang="uk-UA"/>
+            </a:p>
+          </p:txBody>
         </p:sp>
         <p:sp>
           <p:nvSpPr>
@@ -8555,6 +8709,13 @@
             </a:solidFill>
             <a:ln/>
           </p:spPr>
+          <p:txBody>
+            <a:bodyPr/>
+            <a:lstStyle/>
+            <a:p>
+              <a:endParaRPr lang="uk-UA"/>
+            </a:p>
+          </p:txBody>
         </p:sp>
         <p:sp>
           <p:nvSpPr>
@@ -8677,6 +8838,13 @@
             </a:solidFill>
             <a:ln/>
           </p:spPr>
+          <p:txBody>
+            <a:bodyPr/>
+            <a:lstStyle/>
+            <a:p>
+              <a:endParaRPr lang="uk-UA"/>
+            </a:p>
+          </p:txBody>
         </p:sp>
         <p:sp>
           <p:nvSpPr>
@@ -8799,6 +8967,13 @@
             </a:solidFill>
             <a:ln/>
           </p:spPr>
+          <p:txBody>
+            <a:bodyPr/>
+            <a:lstStyle/>
+            <a:p>
+              <a:endParaRPr lang="uk-UA"/>
+            </a:p>
+          </p:txBody>
         </p:sp>
         <p:sp>
           <p:nvSpPr>
@@ -8921,6 +9096,13 @@
             </a:solidFill>
             <a:ln/>
           </p:spPr>
+          <p:txBody>
+            <a:bodyPr/>
+            <a:lstStyle/>
+            <a:p>
+              <a:endParaRPr lang="uk-UA"/>
+            </a:p>
+          </p:txBody>
         </p:sp>
         <p:sp>
           <p:nvSpPr>
@@ -9043,6 +9225,13 @@
             </a:solidFill>
             <a:ln/>
           </p:spPr>
+          <p:txBody>
+            <a:bodyPr/>
+            <a:lstStyle/>
+            <a:p>
+              <a:endParaRPr lang="uk-UA"/>
+            </a:p>
+          </p:txBody>
         </p:sp>
         <p:sp>
           <p:nvSpPr>
@@ -9165,6 +9354,13 @@
             </a:solidFill>
             <a:ln/>
           </p:spPr>
+          <p:txBody>
+            <a:bodyPr/>
+            <a:lstStyle/>
+            <a:p>
+              <a:endParaRPr lang="uk-UA"/>
+            </a:p>
+          </p:txBody>
         </p:sp>
         <p:sp>
           <p:nvSpPr>
@@ -9287,6 +9483,13 @@
             </a:solidFill>
             <a:ln/>
           </p:spPr>
+          <p:txBody>
+            <a:bodyPr/>
+            <a:lstStyle/>
+            <a:p>
+              <a:endParaRPr lang="uk-UA"/>
+            </a:p>
+          </p:txBody>
         </p:sp>
         <p:sp>
           <p:nvSpPr>
@@ -9409,6 +9612,13 @@
             </a:solidFill>
             <a:ln/>
           </p:spPr>
+          <p:txBody>
+            <a:bodyPr/>
+            <a:lstStyle/>
+            <a:p>
+              <a:endParaRPr lang="uk-UA"/>
+            </a:p>
+          </p:txBody>
         </p:sp>
         <p:sp>
           <p:nvSpPr>
@@ -9531,6 +9741,13 @@
             </a:solidFill>
             <a:ln/>
           </p:spPr>
+          <p:txBody>
+            <a:bodyPr/>
+            <a:lstStyle/>
+            <a:p>
+              <a:endParaRPr lang="uk-UA"/>
+            </a:p>
+          </p:txBody>
         </p:sp>
         <p:sp>
           <p:nvSpPr>
@@ -18073,7 +18290,18 @@
                 <a:latin typeface="Courier New" panose="02070309020205020404" pitchFamily="49" charset="0"/>
                 <a:cs typeface="Courier New" panose="02070309020205020404" pitchFamily="49" charset="0"/>
               </a:rPr>
-              <a:t>, </a:t>
+              <a:t>,</a:t>
+            </a:r>
+            <a:r>
+              <a:rPr lang="en-US" sz="3200" b="1" i="0" dirty="0">
+                <a:solidFill>
+                  <a:srgbClr val="2B2B2B"/>
+                </a:solidFill>
+                <a:effectLst/>
+                <a:latin typeface="Courier New" panose="02070309020205020404" pitchFamily="49" charset="0"/>
+                <a:cs typeface="Courier New" panose="02070309020205020404" pitchFamily="49" charset="0"/>
+              </a:rPr>
+              <a:t>-</a:t>
             </a:r>
             <a:r>
               <a:rPr lang="ru-RU" sz="3200" b="1" i="0" dirty="0">
@@ -28238,6 +28466,13 @@
           </a:solidFill>
           <a:ln/>
         </p:spPr>
+        <p:txBody>
+          <a:bodyPr/>
+          <a:lstStyle/>
+          <a:p>
+            <a:endParaRPr lang="uk-UA"/>
+          </a:p>
+        </p:txBody>
       </p:sp>
       <p:grpSp>
         <p:nvGrpSpPr>
@@ -28285,6 +28520,13 @@
               <a:prstDash val="solid"/>
             </a:ln>
           </p:spPr>
+          <p:txBody>
+            <a:bodyPr/>
+            <a:lstStyle/>
+            <a:p>
+              <a:endParaRPr lang="uk-UA"/>
+            </a:p>
+          </p:txBody>
         </p:sp>
         <p:sp>
           <p:nvSpPr>
@@ -28307,6 +28549,13 @@
             </a:solidFill>
             <a:ln/>
           </p:spPr>
+          <p:txBody>
+            <a:bodyPr/>
+            <a:lstStyle/>
+            <a:p>
+              <a:endParaRPr lang="uk-UA"/>
+            </a:p>
+          </p:txBody>
         </p:sp>
         <p:sp>
           <p:nvSpPr>
@@ -28493,6 +28742,13 @@
             </a:solidFill>
             <a:ln/>
           </p:spPr>
+          <p:txBody>
+            <a:bodyPr/>
+            <a:lstStyle/>
+            <a:p>
+              <a:endParaRPr lang="uk-UA"/>
+            </a:p>
+          </p:txBody>
         </p:sp>
         <p:sp>
           <p:nvSpPr>
@@ -28679,6 +28935,13 @@
             </a:solidFill>
             <a:ln/>
           </p:spPr>
+          <p:txBody>
+            <a:bodyPr/>
+            <a:lstStyle/>
+            <a:p>
+              <a:endParaRPr lang="uk-UA"/>
+            </a:p>
+          </p:txBody>
         </p:sp>
         <p:sp>
           <p:nvSpPr>
@@ -28865,6 +29128,13 @@
             </a:solidFill>
             <a:ln/>
           </p:spPr>
+          <p:txBody>
+            <a:bodyPr/>
+            <a:lstStyle/>
+            <a:p>
+              <a:endParaRPr lang="uk-UA"/>
+            </a:p>
+          </p:txBody>
         </p:sp>
         <p:sp>
           <p:nvSpPr>
@@ -29051,6 +29321,13 @@
             </a:solidFill>
             <a:ln/>
           </p:spPr>
+          <p:txBody>
+            <a:bodyPr/>
+            <a:lstStyle/>
+            <a:p>
+              <a:endParaRPr lang="uk-UA"/>
+            </a:p>
+          </p:txBody>
         </p:sp>
         <p:sp>
           <p:nvSpPr>
@@ -29237,6 +29514,13 @@
             </a:solidFill>
             <a:ln/>
           </p:spPr>
+          <p:txBody>
+            <a:bodyPr/>
+            <a:lstStyle/>
+            <a:p>
+              <a:endParaRPr lang="uk-UA"/>
+            </a:p>
+          </p:txBody>
         </p:sp>
         <p:sp>
           <p:nvSpPr>
@@ -29423,6 +29707,13 @@
             </a:solidFill>
             <a:ln/>
           </p:spPr>
+          <p:txBody>
+            <a:bodyPr/>
+            <a:lstStyle/>
+            <a:p>
+              <a:endParaRPr lang="uk-UA"/>
+            </a:p>
+          </p:txBody>
         </p:sp>
         <p:sp>
           <p:nvSpPr>
@@ -32758,6 +33049,13 @@
           </a:solidFill>
           <a:ln/>
         </p:spPr>
+        <p:txBody>
+          <a:bodyPr/>
+          <a:lstStyle/>
+          <a:p>
+            <a:endParaRPr lang="uk-UA"/>
+          </a:p>
+        </p:txBody>
       </p:sp>
       <p:grpSp>
         <p:nvGrpSpPr>
@@ -32805,6 +33103,13 @@
               <a:prstDash val="solid"/>
             </a:ln>
           </p:spPr>
+          <p:txBody>
+            <a:bodyPr/>
+            <a:lstStyle/>
+            <a:p>
+              <a:endParaRPr lang="uk-UA"/>
+            </a:p>
+          </p:txBody>
         </p:sp>
         <p:sp>
           <p:nvSpPr>
@@ -32827,6 +33132,13 @@
             </a:solidFill>
             <a:ln/>
           </p:spPr>
+          <p:txBody>
+            <a:bodyPr/>
+            <a:lstStyle/>
+            <a:p>
+              <a:endParaRPr lang="uk-UA"/>
+            </a:p>
+          </p:txBody>
         </p:sp>
         <p:sp>
           <p:nvSpPr>
@@ -33013,6 +33325,13 @@
             </a:solidFill>
             <a:ln/>
           </p:spPr>
+          <p:txBody>
+            <a:bodyPr/>
+            <a:lstStyle/>
+            <a:p>
+              <a:endParaRPr lang="uk-UA"/>
+            </a:p>
+          </p:txBody>
         </p:sp>
         <p:sp>
           <p:nvSpPr>
@@ -33200,6 +33519,13 @@
             </a:solidFill>
             <a:ln/>
           </p:spPr>
+          <p:txBody>
+            <a:bodyPr/>
+            <a:lstStyle/>
+            <a:p>
+              <a:endParaRPr lang="uk-UA"/>
+            </a:p>
+          </p:txBody>
         </p:sp>
         <p:sp>
           <p:nvSpPr>
@@ -33387,6 +33713,13 @@
             </a:solidFill>
             <a:ln/>
           </p:spPr>
+          <p:txBody>
+            <a:bodyPr/>
+            <a:lstStyle/>
+            <a:p>
+              <a:endParaRPr lang="uk-UA"/>
+            </a:p>
+          </p:txBody>
         </p:sp>
         <p:sp>
           <p:nvSpPr>

--- a/Java Урок 2 БО.pptx
+++ b/Java Урок 2 БО.pptx
@@ -218,7 +218,7 @@
           <a:p>
             <a:fld id="{116B662A-27A0-4358-8A41-57FE58D47770}" type="datetimeFigureOut">
               <a:rPr lang="uk-UA" smtClean="0"/>
-              <a:t>20.06.2024</a:t>
+              <a:t>27.11.2024</a:t>
             </a:fld>
             <a:endParaRPr lang="uk-UA"/>
           </a:p>
@@ -887,7 +887,7 @@
           <a:p>
             <a:fld id="{58E66397-81EA-4CFE-ABE0-DFAF6EB92EF1}" type="datetimeFigureOut">
               <a:rPr lang="uk-UA" smtClean="0"/>
-              <a:t>20.06.2024</a:t>
+              <a:t>27.11.2024</a:t>
             </a:fld>
             <a:endParaRPr lang="uk-UA"/>
           </a:p>
@@ -1087,7 +1087,7 @@
           <a:p>
             <a:fld id="{58E66397-81EA-4CFE-ABE0-DFAF6EB92EF1}" type="datetimeFigureOut">
               <a:rPr lang="uk-UA" smtClean="0"/>
-              <a:t>20.06.2024</a:t>
+              <a:t>27.11.2024</a:t>
             </a:fld>
             <a:endParaRPr lang="uk-UA"/>
           </a:p>
@@ -1297,7 +1297,7 @@
           <a:p>
             <a:fld id="{58E66397-81EA-4CFE-ABE0-DFAF6EB92EF1}" type="datetimeFigureOut">
               <a:rPr lang="uk-UA" smtClean="0"/>
-              <a:t>20.06.2024</a:t>
+              <a:t>27.11.2024</a:t>
             </a:fld>
             <a:endParaRPr lang="uk-UA"/>
           </a:p>
@@ -1532,7 +1532,7 @@
           <a:p>
             <a:fld id="{58E66397-81EA-4CFE-ABE0-DFAF6EB92EF1}" type="datetimeFigureOut">
               <a:rPr lang="uk-UA" smtClean="0"/>
-              <a:t>20.06.2024</a:t>
+              <a:t>27.11.2024</a:t>
             </a:fld>
             <a:endParaRPr lang="uk-UA"/>
           </a:p>
@@ -1808,7 +1808,7 @@
           <a:p>
             <a:fld id="{58E66397-81EA-4CFE-ABE0-DFAF6EB92EF1}" type="datetimeFigureOut">
               <a:rPr lang="uk-UA" smtClean="0"/>
-              <a:t>20.06.2024</a:t>
+              <a:t>27.11.2024</a:t>
             </a:fld>
             <a:endParaRPr lang="uk-UA"/>
           </a:p>
@@ -2076,7 +2076,7 @@
           <a:p>
             <a:fld id="{58E66397-81EA-4CFE-ABE0-DFAF6EB92EF1}" type="datetimeFigureOut">
               <a:rPr lang="uk-UA" smtClean="0"/>
-              <a:t>20.06.2024</a:t>
+              <a:t>27.11.2024</a:t>
             </a:fld>
             <a:endParaRPr lang="uk-UA"/>
           </a:p>
@@ -2491,7 +2491,7 @@
           <a:p>
             <a:fld id="{58E66397-81EA-4CFE-ABE0-DFAF6EB92EF1}" type="datetimeFigureOut">
               <a:rPr lang="uk-UA" smtClean="0"/>
-              <a:t>20.06.2024</a:t>
+              <a:t>27.11.2024</a:t>
             </a:fld>
             <a:endParaRPr lang="uk-UA"/>
           </a:p>
@@ -2633,7 +2633,7 @@
           <a:p>
             <a:fld id="{58E66397-81EA-4CFE-ABE0-DFAF6EB92EF1}" type="datetimeFigureOut">
               <a:rPr lang="uk-UA" smtClean="0"/>
-              <a:t>20.06.2024</a:t>
+              <a:t>27.11.2024</a:t>
             </a:fld>
             <a:endParaRPr lang="uk-UA"/>
           </a:p>
@@ -2746,7 +2746,7 @@
           <a:p>
             <a:fld id="{58E66397-81EA-4CFE-ABE0-DFAF6EB92EF1}" type="datetimeFigureOut">
               <a:rPr lang="uk-UA" smtClean="0"/>
-              <a:t>20.06.2024</a:t>
+              <a:t>27.11.2024</a:t>
             </a:fld>
             <a:endParaRPr lang="uk-UA"/>
           </a:p>
@@ -3059,7 +3059,7 @@
           <a:p>
             <a:fld id="{58E66397-81EA-4CFE-ABE0-DFAF6EB92EF1}" type="datetimeFigureOut">
               <a:rPr lang="uk-UA" smtClean="0"/>
-              <a:t>20.06.2024</a:t>
+              <a:t>27.11.2024</a:t>
             </a:fld>
             <a:endParaRPr lang="uk-UA"/>
           </a:p>
@@ -3348,7 +3348,7 @@
           <a:p>
             <a:fld id="{58E66397-81EA-4CFE-ABE0-DFAF6EB92EF1}" type="datetimeFigureOut">
               <a:rPr lang="uk-UA" smtClean="0"/>
-              <a:t>20.06.2024</a:t>
+              <a:t>27.11.2024</a:t>
             </a:fld>
             <a:endParaRPr lang="uk-UA"/>
           </a:p>
@@ -3591,7 +3591,7 @@
           <a:p>
             <a:fld id="{58E66397-81EA-4CFE-ABE0-DFAF6EB92EF1}" type="datetimeFigureOut">
               <a:rPr lang="uk-UA" smtClean="0"/>
-              <a:t>20.06.2024</a:t>
+              <a:t>27.11.2024</a:t>
             </a:fld>
             <a:endParaRPr lang="uk-UA"/>
           </a:p>
@@ -33442,6 +33442,17 @@
                 </a:lnSpc>
               </a:pPr>
               <a:r>
+                <a:rPr lang="en-US" sz="1458">
+                  <a:solidFill>
+                    <a:srgbClr val="272525"/>
+                  </a:solidFill>
+                  <a:latin typeface="Lato" pitchFamily="34" charset="0"/>
+                  <a:ea typeface="Lato" pitchFamily="34" charset="-122"/>
+                  <a:cs typeface="Lato" pitchFamily="34" charset="-120"/>
+                </a:rPr>
+                <a:t>int </a:t>
+              </a:r>
+              <a:r>
                 <a:rPr lang="en-US" sz="1458" dirty="0">
                   <a:solidFill>
                     <a:srgbClr val="272525"/>
@@ -33450,7 +33461,7 @@
                   <a:ea typeface="Lato" pitchFamily="34" charset="-122"/>
                   <a:cs typeface="Lato" pitchFamily="34" charset="-120"/>
                 </a:rPr>
-                <a:t>int c, a = 1, b = 2;
+                <a:t>a = 1, b = 2;
 boolean c = a &gt; 0 &amp;&amp; b &lt; 9;</a:t>
               </a:r>
               <a:endParaRPr lang="en-US" sz="1458" dirty="0"/>
